--- a/PPT By Jyoti.pptx
+++ b/PPT By Jyoti.pptx
@@ -15,19 +15,20 @@
     <p:sldId id="263" r:id="rId9"/>
     <p:sldId id="264" r:id="rId10"/>
     <p:sldId id="265" r:id="rId11"/>
-    <p:sldId id="266" r:id="rId12"/>
-    <p:sldId id="267" r:id="rId13"/>
-    <p:sldId id="268" r:id="rId14"/>
-    <p:sldId id="269" r:id="rId15"/>
-    <p:sldId id="270" r:id="rId16"/>
-    <p:sldId id="271" r:id="rId17"/>
-    <p:sldId id="272" r:id="rId18"/>
-    <p:sldId id="273" r:id="rId19"/>
-    <p:sldId id="274" r:id="rId20"/>
-    <p:sldId id="275" r:id="rId21"/>
-    <p:sldId id="276" r:id="rId22"/>
-    <p:sldId id="277" r:id="rId23"/>
-    <p:sldId id="278" r:id="rId24"/>
+    <p:sldId id="279" r:id="rId12"/>
+    <p:sldId id="266" r:id="rId13"/>
+    <p:sldId id="267" r:id="rId14"/>
+    <p:sldId id="268" r:id="rId15"/>
+    <p:sldId id="269" r:id="rId16"/>
+    <p:sldId id="270" r:id="rId17"/>
+    <p:sldId id="271" r:id="rId18"/>
+    <p:sldId id="272" r:id="rId19"/>
+    <p:sldId id="273" r:id="rId20"/>
+    <p:sldId id="274" r:id="rId21"/>
+    <p:sldId id="275" r:id="rId22"/>
+    <p:sldId id="276" r:id="rId23"/>
+    <p:sldId id="277" r:id="rId24"/>
+    <p:sldId id="278" r:id="rId25"/>
   </p:sldIdLst>
   <p:sldSz cx="9144000" cy="6858000" type="screen4x3"/>
   <p:notesSz cx="6858000" cy="9144000"/>
@@ -126,6 +127,22 @@
       </a:defRPr>
     </a:lvl9pPr>
   </p:defaultTextStyle>
+  <p:extLst>
+    <p:ext uri="{EFAFB233-063F-42B5-8137-9DF3F51BA10A}">
+      <p15:sldGuideLst xmlns:p15="http://schemas.microsoft.com/office/powerpoint/2012/main">
+        <p15:guide id="1" orient="horz" pos="2160">
+          <p15:clr>
+            <a:srgbClr val="A4A3A4"/>
+          </p15:clr>
+        </p15:guide>
+        <p15:guide id="2" pos="2880">
+          <p15:clr>
+            <a:srgbClr val="A4A3A4"/>
+          </p15:clr>
+        </p15:guide>
+      </p15:sldGuideLst>
+    </p:ext>
+  </p:extLst>
 </p:presentation>
 </file>
 
@@ -3954,7 +3971,7 @@
               </a:rPr>
               <a:t> </a:t>
             </a:r>
-            <a:endParaRPr kumimoji="1" lang="ja-JP" altLang="en-US" sz="2800">
+            <a:endParaRPr kumimoji="1" lang="ja-JP" altLang="en-US" sz="2800" dirty="0">
               <a:latin typeface="Times New Roman" pitchFamily="18" charset="0"/>
               <a:cs typeface="Times New Roman" pitchFamily="18" charset="0"/>
             </a:endParaRPr>
@@ -4035,7 +4052,7 @@
         </p:spPr>
         <p:txBody>
           <a:bodyPr>
-            <a:normAutofit lnSpcReduction="10000"/>
+            <a:normAutofit/>
           </a:bodyPr>
           <a:lstStyle/>
           <a:p>
@@ -4108,30 +4125,6 @@
                 <a:latin typeface="+mj-lt"/>
               </a:rPr>
               <a:t>Check box is given to disable auto login if the login is not done from private device.</a:t>
-            </a:r>
-          </a:p>
-          <a:p>
-            <a:pPr marL="457200" indent="-457200" algn="l">
-              <a:buFont typeface="+mj-lt"/>
-              <a:buAutoNum type="arabicPeriod"/>
-            </a:pPr>
-            <a:r>
-              <a:rPr lang="en-US" altLang="ja-JP" sz="2400" dirty="0" smtClean="0">
-                <a:latin typeface="+mj-lt"/>
-              </a:rPr>
-              <a:t>Link is given to check details about privacy policies of the organization.</a:t>
-            </a:r>
-          </a:p>
-          <a:p>
-            <a:pPr marL="457200" indent="-457200" algn="l">
-              <a:buFont typeface="+mj-lt"/>
-              <a:buAutoNum type="arabicPeriod"/>
-            </a:pPr>
-            <a:r>
-              <a:rPr lang="en-US" altLang="ja-JP" sz="2400" dirty="0" smtClean="0">
-                <a:latin typeface="+mj-lt"/>
-              </a:rPr>
-              <a:t>Forgot user Id/password link is given so that it can be changed is easily.</a:t>
             </a:r>
           </a:p>
           <a:p>
@@ -4217,613 +4210,72 @@
       </p:grpSpPr>
       <p:sp>
         <p:nvSpPr>
-          <p:cNvPr id="2" name="Title 1"/>
+          <p:cNvPr id="3" name="Subtitle 2"/>
           <p:cNvSpPr>
             <a:spLocks noGrp="1"/>
           </p:cNvSpPr>
           <p:nvPr>
-            <p:ph type="title"/>
+            <p:ph type="subTitle" idx="1"/>
           </p:nvPr>
         </p:nvSpPr>
-        <p:spPr/>
-        <p:txBody>
-          <a:bodyPr/>
-          <a:lstStyle/>
-          <a:p>
-            <a:endParaRPr kumimoji="1" lang="ja-JP" altLang="en-US"/>
-          </a:p>
-        </p:txBody>
-      </p:sp>
-      <p:sp>
-        <p:nvSpPr>
-          <p:cNvPr id="3" name="Content Placeholder 2"/>
-          <p:cNvSpPr>
-            <a:spLocks noGrp="1"/>
-          </p:cNvSpPr>
-          <p:nvPr>
-            <p:ph idx="1"/>
-          </p:nvPr>
-        </p:nvSpPr>
-        <p:spPr/>
-        <p:txBody>
-          <a:bodyPr/>
-          <a:lstStyle/>
-          <a:p>
-            <a:endParaRPr kumimoji="1" lang="ja-JP" altLang="en-US"/>
-          </a:p>
-        </p:txBody>
-      </p:sp>
-      <p:pic>
-        <p:nvPicPr>
-          <p:cNvPr id="5122" name="Picture 2"/>
-          <p:cNvPicPr>
-            <a:picLocks noChangeAspect="1" noChangeArrowheads="1"/>
-          </p:cNvPicPr>
-          <p:nvPr/>
-        </p:nvPicPr>
-        <p:blipFill>
-          <a:blip r:embed="rId2" cstate="print"/>
-          <a:srcRect/>
-          <a:stretch>
-            <a:fillRect/>
-          </a:stretch>
-        </p:blipFill>
-        <p:spPr bwMode="auto">
+        <p:spPr>
           <a:xfrm>
-            <a:off x="1" y="328613"/>
-            <a:ext cx="9144000" cy="6200775"/>
-          </a:xfrm>
-          <a:prstGeom prst="rect">
-            <a:avLst/>
-          </a:prstGeom>
-          <a:noFill/>
-          <a:ln w="9525">
-            <a:noFill/>
-            <a:miter lim="800000"/>
-            <a:headEnd/>
-            <a:tailEnd/>
-          </a:ln>
-        </p:spPr>
-      </p:pic>
-      <p:cxnSp>
-        <p:nvCxnSpPr>
-          <p:cNvPr id="5" name="Shape 19"/>
-          <p:cNvCxnSpPr/>
-          <p:nvPr/>
-        </p:nvCxnSpPr>
-        <p:spPr>
-          <a:xfrm flipV="1">
-            <a:off x="1115616" y="2204864"/>
-            <a:ext cx="936104" cy="432048"/>
-          </a:xfrm>
-          <a:prstGeom prst="bentConnector3">
-            <a:avLst>
-              <a:gd name="adj1" fmla="val 50000"/>
-            </a:avLst>
-          </a:prstGeom>
-          <a:ln>
-            <a:solidFill>
-              <a:srgbClr val="FF0000"/>
-            </a:solidFill>
-            <a:tailEnd type="arrow"/>
-          </a:ln>
-        </p:spPr>
-        <p:style>
-          <a:lnRef idx="1">
-            <a:schemeClr val="accent1"/>
-          </a:lnRef>
-          <a:fillRef idx="0">
-            <a:schemeClr val="accent1"/>
-          </a:fillRef>
-          <a:effectRef idx="0">
-            <a:schemeClr val="accent1"/>
-          </a:effectRef>
-          <a:fontRef idx="minor">
-            <a:schemeClr val="tx1"/>
-          </a:fontRef>
-        </p:style>
-      </p:cxnSp>
-      <p:sp>
-        <p:nvSpPr>
-          <p:cNvPr id="6" name="Oval 5"/>
-          <p:cNvSpPr/>
-          <p:nvPr/>
-        </p:nvSpPr>
-        <p:spPr>
-          <a:xfrm>
-            <a:off x="899592" y="2492896"/>
-            <a:ext cx="252008" cy="252008"/>
-          </a:xfrm>
-          <a:prstGeom prst="ellipse">
-            <a:avLst/>
-          </a:prstGeom>
-          <a:noFill/>
-          <a:ln>
-            <a:solidFill>
-              <a:schemeClr val="tx1"/>
-            </a:solidFill>
-          </a:ln>
-        </p:spPr>
-        <p:style>
-          <a:lnRef idx="2">
-            <a:schemeClr val="accent1">
-              <a:shade val="50000"/>
-            </a:schemeClr>
-          </a:lnRef>
-          <a:fillRef idx="1">
-            <a:schemeClr val="accent1"/>
-          </a:fillRef>
-          <a:effectRef idx="0">
-            <a:schemeClr val="accent1"/>
-          </a:effectRef>
-          <a:fontRef idx="minor">
-            <a:schemeClr val="lt1"/>
-          </a:fontRef>
-        </p:style>
-        <p:txBody>
-          <a:bodyPr rtlCol="0" anchor="ctr"/>
-          <a:lstStyle/>
-          <a:p>
-            <a:pPr algn="ctr"/>
-            <a:r>
-              <a:rPr lang="en-US" sz="1200" dirty="0" smtClean="0">
-                <a:solidFill>
-                  <a:srgbClr val="FF0000"/>
-                </a:solidFill>
-                <a:latin typeface="Arial" panose="020B0604020202020204" pitchFamily="34" charset="0"/>
-                <a:cs typeface="Arial" panose="020B0604020202020204" pitchFamily="34" charset="0"/>
+            <a:off x="533400" y="692696"/>
+            <a:ext cx="7854696" cy="5400600"/>
+          </a:xfrm>
+        </p:spPr>
+        <p:txBody>
+          <a:bodyPr>
+            <a:normAutofit/>
+          </a:bodyPr>
+          <a:lstStyle/>
+          <a:p>
+            <a:pPr marL="457200" indent="-457200" algn="l">
+              <a:buFont typeface="+mj-lt"/>
+              <a:buAutoNum type="arabicPeriod" startAt="7"/>
+            </a:pPr>
+            <a:r>
+              <a:rPr lang="en-US" altLang="ja-JP" sz="2400" dirty="0">
+                <a:latin typeface="+mj-lt"/>
               </a:rPr>
-              <a:t>1</a:t>
-            </a:r>
-            <a:endParaRPr lang="en-IN" sz="1200" dirty="0">
-              <a:solidFill>
-                <a:srgbClr val="FF0000"/>
-              </a:solidFill>
-              <a:latin typeface="Arial" panose="020B0604020202020204" pitchFamily="34" charset="0"/>
-              <a:cs typeface="Arial" panose="020B0604020202020204" pitchFamily="34" charset="0"/>
+              <a:t>Link is given to check details about privacy policies of the organization.</a:t>
+            </a:r>
+          </a:p>
+          <a:p>
+            <a:pPr marL="457200" indent="-457200" algn="l">
+              <a:buFont typeface="+mj-lt"/>
+              <a:buAutoNum type="arabicPeriod" startAt="7"/>
+            </a:pPr>
+            <a:r>
+              <a:rPr lang="en-US" altLang="ja-JP" sz="2400" dirty="0">
+                <a:latin typeface="+mj-lt"/>
+              </a:rPr>
+              <a:t>Forgot user Id/password link is given so that it can be changed is easily</a:t>
+            </a:r>
+            <a:r>
+              <a:rPr lang="en-US" altLang="ja-JP" sz="2400" dirty="0" smtClean="0">
+                <a:latin typeface="+mj-lt"/>
+              </a:rPr>
+              <a:t>.</a:t>
+            </a:r>
+          </a:p>
+          <a:p>
+            <a:pPr marL="457200" indent="-457200" algn="l">
+              <a:buFont typeface="+mj-lt"/>
+              <a:buAutoNum type="arabicPeriod" startAt="7"/>
+            </a:pPr>
+            <a:endParaRPr lang="en-US" altLang="ja-JP" sz="2400" dirty="0">
+              <a:latin typeface="+mj-lt"/>
             </a:endParaRPr>
           </a:p>
         </p:txBody>
       </p:sp>
-      <p:cxnSp>
-        <p:nvCxnSpPr>
-          <p:cNvPr id="7" name="Shape 19"/>
-          <p:cNvCxnSpPr/>
-          <p:nvPr/>
-        </p:nvCxnSpPr>
-        <p:spPr>
-          <a:xfrm rot="10800000">
-            <a:off x="5220072" y="2492896"/>
-            <a:ext cx="2088232" cy="216024"/>
-          </a:xfrm>
-          <a:prstGeom prst="bentConnector3">
-            <a:avLst>
-              <a:gd name="adj1" fmla="val 17923"/>
-            </a:avLst>
-          </a:prstGeom>
-          <a:ln>
-            <a:solidFill>
-              <a:srgbClr val="FF0000"/>
-            </a:solidFill>
-            <a:tailEnd type="arrow"/>
-          </a:ln>
-        </p:spPr>
-        <p:style>
-          <a:lnRef idx="1">
-            <a:schemeClr val="accent1"/>
-          </a:lnRef>
-          <a:fillRef idx="0">
-            <a:schemeClr val="accent1"/>
-          </a:fillRef>
-          <a:effectRef idx="0">
-            <a:schemeClr val="accent1"/>
-          </a:effectRef>
-          <a:fontRef idx="minor">
-            <a:schemeClr val="tx1"/>
-          </a:fontRef>
-        </p:style>
-      </p:cxnSp>
-      <p:sp>
-        <p:nvSpPr>
-          <p:cNvPr id="10" name="Oval 9"/>
-          <p:cNvSpPr/>
-          <p:nvPr/>
-        </p:nvSpPr>
-        <p:spPr>
-          <a:xfrm>
-            <a:off x="7308304" y="2564904"/>
-            <a:ext cx="252008" cy="252008"/>
-          </a:xfrm>
-          <a:prstGeom prst="ellipse">
-            <a:avLst/>
-          </a:prstGeom>
-          <a:noFill/>
-          <a:ln>
-            <a:solidFill>
-              <a:schemeClr val="tx1"/>
-            </a:solidFill>
-          </a:ln>
-        </p:spPr>
-        <p:style>
-          <a:lnRef idx="2">
-            <a:schemeClr val="accent1">
-              <a:shade val="50000"/>
-            </a:schemeClr>
-          </a:lnRef>
-          <a:fillRef idx="1">
-            <a:schemeClr val="accent1"/>
-          </a:fillRef>
-          <a:effectRef idx="0">
-            <a:schemeClr val="accent1"/>
-          </a:effectRef>
-          <a:fontRef idx="minor">
-            <a:schemeClr val="lt1"/>
-          </a:fontRef>
-        </p:style>
-        <p:txBody>
-          <a:bodyPr rtlCol="0" anchor="ctr"/>
-          <a:lstStyle/>
-          <a:p>
-            <a:pPr algn="ctr"/>
-            <a:r>
-              <a:rPr lang="en-US" sz="1200" dirty="0" smtClean="0">
-                <a:solidFill>
-                  <a:srgbClr val="FF0000"/>
-                </a:solidFill>
-                <a:latin typeface="Arial" panose="020B0604020202020204" pitchFamily="34" charset="0"/>
-                <a:cs typeface="Arial" panose="020B0604020202020204" pitchFamily="34" charset="0"/>
-              </a:rPr>
-              <a:t>2</a:t>
-            </a:r>
-            <a:endParaRPr lang="en-IN" sz="1200" dirty="0">
-              <a:solidFill>
-                <a:srgbClr val="FF0000"/>
-              </a:solidFill>
-              <a:latin typeface="Arial" panose="020B0604020202020204" pitchFamily="34" charset="0"/>
-              <a:cs typeface="Arial" panose="020B0604020202020204" pitchFamily="34" charset="0"/>
-            </a:endParaRPr>
-          </a:p>
-        </p:txBody>
-      </p:sp>
-      <p:cxnSp>
-        <p:nvCxnSpPr>
-          <p:cNvPr id="11" name="Shape 19"/>
-          <p:cNvCxnSpPr/>
-          <p:nvPr/>
-        </p:nvCxnSpPr>
-        <p:spPr>
-          <a:xfrm>
-            <a:off x="1115616" y="3717032"/>
-            <a:ext cx="1728192" cy="216024"/>
-          </a:xfrm>
-          <a:prstGeom prst="bentConnector3">
-            <a:avLst>
-              <a:gd name="adj1" fmla="val 50000"/>
-            </a:avLst>
-          </a:prstGeom>
-          <a:ln>
-            <a:solidFill>
-              <a:srgbClr val="FF0000"/>
-            </a:solidFill>
-            <a:tailEnd type="arrow"/>
-          </a:ln>
-        </p:spPr>
-        <p:style>
-          <a:lnRef idx="1">
-            <a:schemeClr val="accent1"/>
-          </a:lnRef>
-          <a:fillRef idx="0">
-            <a:schemeClr val="accent1"/>
-          </a:fillRef>
-          <a:effectRef idx="0">
-            <a:schemeClr val="accent1"/>
-          </a:effectRef>
-          <a:fontRef idx="minor">
-            <a:schemeClr val="tx1"/>
-          </a:fontRef>
-        </p:style>
-      </p:cxnSp>
-      <p:cxnSp>
-        <p:nvCxnSpPr>
-          <p:cNvPr id="12" name="Shape 19"/>
-          <p:cNvCxnSpPr/>
-          <p:nvPr/>
-        </p:nvCxnSpPr>
-        <p:spPr>
-          <a:xfrm flipV="1">
-            <a:off x="1187624" y="3501008"/>
-            <a:ext cx="1584176" cy="216024"/>
-          </a:xfrm>
-          <a:prstGeom prst="bentConnector3">
-            <a:avLst>
-              <a:gd name="adj1" fmla="val 50000"/>
-            </a:avLst>
-          </a:prstGeom>
-          <a:ln>
-            <a:solidFill>
-              <a:srgbClr val="FF0000"/>
-            </a:solidFill>
-            <a:tailEnd type="arrow"/>
-          </a:ln>
-        </p:spPr>
-        <p:style>
-          <a:lnRef idx="1">
-            <a:schemeClr val="accent1"/>
-          </a:lnRef>
-          <a:fillRef idx="0">
-            <a:schemeClr val="accent1"/>
-          </a:fillRef>
-          <a:effectRef idx="0">
-            <a:schemeClr val="accent1"/>
-          </a:effectRef>
-          <a:fontRef idx="minor">
-            <a:schemeClr val="tx1"/>
-          </a:fontRef>
-        </p:style>
-      </p:cxnSp>
-      <p:sp>
-        <p:nvSpPr>
-          <p:cNvPr id="18" name="Oval 17"/>
-          <p:cNvSpPr/>
-          <p:nvPr/>
-        </p:nvSpPr>
-        <p:spPr>
-          <a:xfrm>
-            <a:off x="899592" y="3573016"/>
-            <a:ext cx="252008" cy="252008"/>
-          </a:xfrm>
-          <a:prstGeom prst="ellipse">
-            <a:avLst/>
-          </a:prstGeom>
-          <a:noFill/>
-          <a:ln>
-            <a:solidFill>
-              <a:schemeClr val="tx1"/>
-            </a:solidFill>
-          </a:ln>
-        </p:spPr>
-        <p:style>
-          <a:lnRef idx="2">
-            <a:schemeClr val="accent1">
-              <a:shade val="50000"/>
-            </a:schemeClr>
-          </a:lnRef>
-          <a:fillRef idx="1">
-            <a:schemeClr val="accent1"/>
-          </a:fillRef>
-          <a:effectRef idx="0">
-            <a:schemeClr val="accent1"/>
-          </a:effectRef>
-          <a:fontRef idx="minor">
-            <a:schemeClr val="lt1"/>
-          </a:fontRef>
-        </p:style>
-        <p:txBody>
-          <a:bodyPr rtlCol="0" anchor="ctr"/>
-          <a:lstStyle/>
-          <a:p>
-            <a:pPr algn="ctr"/>
-            <a:r>
-              <a:rPr lang="en-US" sz="1200" dirty="0" smtClean="0">
-                <a:solidFill>
-                  <a:srgbClr val="FF0000"/>
-                </a:solidFill>
-                <a:latin typeface="Arial" panose="020B0604020202020204" pitchFamily="34" charset="0"/>
-                <a:cs typeface="Arial" panose="020B0604020202020204" pitchFamily="34" charset="0"/>
-              </a:rPr>
-              <a:t>3</a:t>
-            </a:r>
-            <a:endParaRPr lang="en-IN" sz="1200" dirty="0">
-              <a:solidFill>
-                <a:srgbClr val="FF0000"/>
-              </a:solidFill>
-              <a:latin typeface="Arial" panose="020B0604020202020204" pitchFamily="34" charset="0"/>
-              <a:cs typeface="Arial" panose="020B0604020202020204" pitchFamily="34" charset="0"/>
-            </a:endParaRPr>
-          </a:p>
-        </p:txBody>
-      </p:sp>
-      <p:cxnSp>
-        <p:nvCxnSpPr>
-          <p:cNvPr id="19" name="Shape 19"/>
-          <p:cNvCxnSpPr/>
-          <p:nvPr/>
-        </p:nvCxnSpPr>
-        <p:spPr>
-          <a:xfrm rot="10800000">
-            <a:off x="7092280" y="1484784"/>
-            <a:ext cx="792088" cy="648072"/>
-          </a:xfrm>
-          <a:prstGeom prst="bentConnector3">
-            <a:avLst>
-              <a:gd name="adj1" fmla="val 50000"/>
-            </a:avLst>
-          </a:prstGeom>
-          <a:ln>
-            <a:solidFill>
-              <a:srgbClr val="FF0000"/>
-            </a:solidFill>
-            <a:tailEnd type="arrow"/>
-          </a:ln>
-        </p:spPr>
-        <p:style>
-          <a:lnRef idx="1">
-            <a:schemeClr val="accent1"/>
-          </a:lnRef>
-          <a:fillRef idx="0">
-            <a:schemeClr val="accent1"/>
-          </a:fillRef>
-          <a:effectRef idx="0">
-            <a:schemeClr val="accent1"/>
-          </a:effectRef>
-          <a:fontRef idx="minor">
-            <a:schemeClr val="tx1"/>
-          </a:fontRef>
-        </p:style>
-      </p:cxnSp>
-      <p:sp>
-        <p:nvSpPr>
-          <p:cNvPr id="21" name="Oval 20"/>
-          <p:cNvSpPr/>
-          <p:nvPr/>
-        </p:nvSpPr>
-        <p:spPr>
-          <a:xfrm>
-            <a:off x="7884368" y="1988840"/>
-            <a:ext cx="252008" cy="252008"/>
-          </a:xfrm>
-          <a:prstGeom prst="ellipse">
-            <a:avLst/>
-          </a:prstGeom>
-          <a:noFill/>
-          <a:ln>
-            <a:solidFill>
-              <a:schemeClr val="tx1"/>
-            </a:solidFill>
-          </a:ln>
-        </p:spPr>
-        <p:style>
-          <a:lnRef idx="2">
-            <a:schemeClr val="accent1">
-              <a:shade val="50000"/>
-            </a:schemeClr>
-          </a:lnRef>
-          <a:fillRef idx="1">
-            <a:schemeClr val="accent1"/>
-          </a:fillRef>
-          <a:effectRef idx="0">
-            <a:schemeClr val="accent1"/>
-          </a:effectRef>
-          <a:fontRef idx="minor">
-            <a:schemeClr val="lt1"/>
-          </a:fontRef>
-        </p:style>
-        <p:txBody>
-          <a:bodyPr rtlCol="0" anchor="ctr"/>
-          <a:lstStyle/>
-          <a:p>
-            <a:pPr algn="ctr"/>
-            <a:r>
-              <a:rPr lang="en-US" sz="1200" dirty="0" smtClean="0">
-                <a:solidFill>
-                  <a:srgbClr val="FF0000"/>
-                </a:solidFill>
-                <a:latin typeface="Arial" panose="020B0604020202020204" pitchFamily="34" charset="0"/>
-                <a:cs typeface="Arial" panose="020B0604020202020204" pitchFamily="34" charset="0"/>
-              </a:rPr>
-              <a:t>4</a:t>
-            </a:r>
-            <a:endParaRPr lang="en-IN" sz="1200" dirty="0">
-              <a:solidFill>
-                <a:srgbClr val="FF0000"/>
-              </a:solidFill>
-              <a:latin typeface="Arial" panose="020B0604020202020204" pitchFamily="34" charset="0"/>
-              <a:cs typeface="Arial" panose="020B0604020202020204" pitchFamily="34" charset="0"/>
-            </a:endParaRPr>
-          </a:p>
-        </p:txBody>
-      </p:sp>
-      <p:cxnSp>
-        <p:nvCxnSpPr>
-          <p:cNvPr id="22" name="Shape 19"/>
-          <p:cNvCxnSpPr/>
-          <p:nvPr/>
-        </p:nvCxnSpPr>
-        <p:spPr>
-          <a:xfrm rot="5400000">
-            <a:off x="7884368" y="4797152"/>
-            <a:ext cx="1152128" cy="432048"/>
-          </a:xfrm>
-          <a:prstGeom prst="bentConnector3">
-            <a:avLst>
-              <a:gd name="adj1" fmla="val 50000"/>
-            </a:avLst>
-          </a:prstGeom>
-          <a:ln>
-            <a:solidFill>
-              <a:srgbClr val="FF0000"/>
-            </a:solidFill>
-            <a:tailEnd type="arrow"/>
-          </a:ln>
-        </p:spPr>
-        <p:style>
-          <a:lnRef idx="1">
-            <a:schemeClr val="accent1"/>
-          </a:lnRef>
-          <a:fillRef idx="0">
-            <a:schemeClr val="accent1"/>
-          </a:fillRef>
-          <a:effectRef idx="0">
-            <a:schemeClr val="accent1"/>
-          </a:effectRef>
-          <a:fontRef idx="minor">
-            <a:schemeClr val="tx1"/>
-          </a:fontRef>
-        </p:style>
-      </p:cxnSp>
-      <p:sp>
-        <p:nvSpPr>
-          <p:cNvPr id="26" name="Oval 25"/>
-          <p:cNvSpPr/>
-          <p:nvPr/>
-        </p:nvSpPr>
-        <p:spPr>
-          <a:xfrm>
-            <a:off x="8532440" y="4149080"/>
-            <a:ext cx="252008" cy="252008"/>
-          </a:xfrm>
-          <a:prstGeom prst="ellipse">
-            <a:avLst/>
-          </a:prstGeom>
-          <a:noFill/>
-          <a:ln>
-            <a:solidFill>
-              <a:schemeClr val="tx1"/>
-            </a:solidFill>
-          </a:ln>
-        </p:spPr>
-        <p:style>
-          <a:lnRef idx="2">
-            <a:schemeClr val="accent1">
-              <a:shade val="50000"/>
-            </a:schemeClr>
-          </a:lnRef>
-          <a:fillRef idx="1">
-            <a:schemeClr val="accent1"/>
-          </a:fillRef>
-          <a:effectRef idx="0">
-            <a:schemeClr val="accent1"/>
-          </a:effectRef>
-          <a:fontRef idx="minor">
-            <a:schemeClr val="lt1"/>
-          </a:fontRef>
-        </p:style>
-        <p:txBody>
-          <a:bodyPr rtlCol="0" anchor="ctr"/>
-          <a:lstStyle/>
-          <a:p>
-            <a:pPr algn="ctr"/>
-            <a:r>
-              <a:rPr lang="en-US" sz="1200" dirty="0" smtClean="0">
-                <a:solidFill>
-                  <a:srgbClr val="FF0000"/>
-                </a:solidFill>
-                <a:latin typeface="Arial" panose="020B0604020202020204" pitchFamily="34" charset="0"/>
-                <a:cs typeface="Arial" panose="020B0604020202020204" pitchFamily="34" charset="0"/>
-              </a:rPr>
-              <a:t>5</a:t>
-            </a:r>
-            <a:endParaRPr lang="en-IN" sz="1200" dirty="0">
-              <a:solidFill>
-                <a:srgbClr val="FF0000"/>
-              </a:solidFill>
-              <a:latin typeface="Arial" panose="020B0604020202020204" pitchFamily="34" charset="0"/>
-              <a:cs typeface="Arial" panose="020B0604020202020204" pitchFamily="34" charset="0"/>
-            </a:endParaRPr>
-          </a:p>
-        </p:txBody>
-      </p:sp>
     </p:spTree>
+    <p:extLst>
+      <p:ext uri="{BB962C8B-B14F-4D97-AF65-F5344CB8AC3E}">
+        <p14:creationId xmlns:p14="http://schemas.microsoft.com/office/powerpoint/2010/main" val="1661688745"/>
+      </p:ext>
+    </p:extLst>
   </p:cSld>
   <p:clrMapOvr>
     <a:masterClrMapping/>
@@ -4855,122 +4307,603 @@
             <a:spLocks noGrp="1"/>
           </p:cNvSpPr>
           <p:nvPr>
-            <p:ph type="ctrTitle"/>
+            <p:ph type="title"/>
           </p:nvPr>
         </p:nvSpPr>
-        <p:spPr>
-          <a:xfrm>
-            <a:off x="0" y="260648"/>
-            <a:ext cx="9144000" cy="1080120"/>
-          </a:xfrm>
-        </p:spPr>
-        <p:txBody>
-          <a:bodyPr>
-            <a:normAutofit/>
-          </a:bodyPr>
-          <a:lstStyle/>
-          <a:p>
-            <a:pPr algn="l"/>
-            <a:r>
-              <a:rPr kumimoji="1" lang="en-US" altLang="ja-JP" sz="4800" dirty="0" smtClean="0"/>
-              <a:t>What </a:t>
-            </a:r>
-            <a:r>
-              <a:rPr lang="en-US" altLang="ja-JP" sz="4800" dirty="0" smtClean="0"/>
-              <a:t>looks good in Login Error Page</a:t>
-            </a:r>
-            <a:endParaRPr kumimoji="1" lang="ja-JP" altLang="en-US" sz="4800"/>
-          </a:p>
-        </p:txBody>
-      </p:sp>
-      <p:sp>
-        <p:nvSpPr>
-          <p:cNvPr id="3" name="Subtitle 2"/>
+        <p:spPr/>
+        <p:txBody>
+          <a:bodyPr/>
+          <a:lstStyle/>
+          <a:p>
+            <a:endParaRPr kumimoji="1" lang="ja-JP" altLang="en-US"/>
+          </a:p>
+        </p:txBody>
+      </p:sp>
+      <p:sp>
+        <p:nvSpPr>
+          <p:cNvPr id="3" name="Content Placeholder 2"/>
           <p:cNvSpPr>
             <a:spLocks noGrp="1"/>
           </p:cNvSpPr>
           <p:nvPr>
-            <p:ph type="subTitle" idx="1"/>
+            <p:ph idx="1"/>
           </p:nvPr>
         </p:nvSpPr>
-        <p:spPr>
+        <p:spPr/>
+        <p:txBody>
+          <a:bodyPr/>
+          <a:lstStyle/>
+          <a:p>
+            <a:endParaRPr kumimoji="1" lang="ja-JP" altLang="en-US"/>
+          </a:p>
+        </p:txBody>
+      </p:sp>
+      <p:pic>
+        <p:nvPicPr>
+          <p:cNvPr id="5122" name="Picture 2"/>
+          <p:cNvPicPr>
+            <a:picLocks noChangeAspect="1" noChangeArrowheads="1"/>
+          </p:cNvPicPr>
+          <p:nvPr/>
+        </p:nvPicPr>
+        <p:blipFill>
+          <a:blip r:embed="rId2" cstate="print"/>
+          <a:srcRect/>
+          <a:stretch>
+            <a:fillRect/>
+          </a:stretch>
+        </p:blipFill>
+        <p:spPr bwMode="auto">
           <a:xfrm>
-            <a:off x="611560" y="1340768"/>
-            <a:ext cx="8136904" cy="5256584"/>
-          </a:xfrm>
-        </p:spPr>
-        <p:txBody>
-          <a:bodyPr>
-            <a:normAutofit/>
-          </a:bodyPr>
-          <a:lstStyle/>
-          <a:p>
-            <a:pPr marL="457200" indent="-457200" algn="l">
-              <a:buFont typeface="+mj-lt"/>
-              <a:buAutoNum type="arabicPeriod"/>
-            </a:pPr>
-            <a:r>
-              <a:rPr lang="en-US" altLang="ja-JP" sz="2400" dirty="0" smtClean="0">
-                <a:latin typeface="+mj-lt"/>
+            <a:off x="1" y="328613"/>
+            <a:ext cx="9144000" cy="6200775"/>
+          </a:xfrm>
+          <a:prstGeom prst="rect">
+            <a:avLst/>
+          </a:prstGeom>
+          <a:noFill/>
+          <a:ln w="9525">
+            <a:noFill/>
+            <a:miter lim="800000"/>
+            <a:headEnd/>
+            <a:tailEnd/>
+          </a:ln>
+        </p:spPr>
+      </p:pic>
+      <p:cxnSp>
+        <p:nvCxnSpPr>
+          <p:cNvPr id="5" name="Shape 19"/>
+          <p:cNvCxnSpPr/>
+          <p:nvPr/>
+        </p:nvCxnSpPr>
+        <p:spPr>
+          <a:xfrm flipV="1">
+            <a:off x="1115616" y="2204864"/>
+            <a:ext cx="936104" cy="432048"/>
+          </a:xfrm>
+          <a:prstGeom prst="bentConnector3">
+            <a:avLst>
+              <a:gd name="adj1" fmla="val 50000"/>
+            </a:avLst>
+          </a:prstGeom>
+          <a:ln>
+            <a:solidFill>
+              <a:srgbClr val="FF0000"/>
+            </a:solidFill>
+            <a:tailEnd type="arrow"/>
+          </a:ln>
+        </p:spPr>
+        <p:style>
+          <a:lnRef idx="1">
+            <a:schemeClr val="accent1"/>
+          </a:lnRef>
+          <a:fillRef idx="0">
+            <a:schemeClr val="accent1"/>
+          </a:fillRef>
+          <a:effectRef idx="0">
+            <a:schemeClr val="accent1"/>
+          </a:effectRef>
+          <a:fontRef idx="minor">
+            <a:schemeClr val="tx1"/>
+          </a:fontRef>
+        </p:style>
+      </p:cxnSp>
+      <p:sp>
+        <p:nvSpPr>
+          <p:cNvPr id="6" name="Oval 5"/>
+          <p:cNvSpPr/>
+          <p:nvPr/>
+        </p:nvSpPr>
+        <p:spPr>
+          <a:xfrm>
+            <a:off x="899592" y="2492896"/>
+            <a:ext cx="252008" cy="252008"/>
+          </a:xfrm>
+          <a:prstGeom prst="ellipse">
+            <a:avLst/>
+          </a:prstGeom>
+          <a:noFill/>
+          <a:ln>
+            <a:solidFill>
+              <a:schemeClr val="tx1"/>
+            </a:solidFill>
+          </a:ln>
+        </p:spPr>
+        <p:style>
+          <a:lnRef idx="2">
+            <a:schemeClr val="accent1">
+              <a:shade val="50000"/>
+            </a:schemeClr>
+          </a:lnRef>
+          <a:fillRef idx="1">
+            <a:schemeClr val="accent1"/>
+          </a:fillRef>
+          <a:effectRef idx="0">
+            <a:schemeClr val="accent1"/>
+          </a:effectRef>
+          <a:fontRef idx="minor">
+            <a:schemeClr val="lt1"/>
+          </a:fontRef>
+        </p:style>
+        <p:txBody>
+          <a:bodyPr rtlCol="0" anchor="ctr"/>
+          <a:lstStyle/>
+          <a:p>
+            <a:pPr algn="ctr"/>
+            <a:r>
+              <a:rPr lang="en-US" sz="1200" dirty="0" smtClean="0">
+                <a:solidFill>
+                  <a:srgbClr val="FF0000"/>
+                </a:solidFill>
+                <a:latin typeface="Arial" panose="020B0604020202020204" pitchFamily="34" charset="0"/>
+                <a:cs typeface="Arial" panose="020B0604020202020204" pitchFamily="34" charset="0"/>
               </a:rPr>
-              <a:t>Error message is displayed in red color either user not registered or something went wrong.</a:t>
-            </a:r>
-          </a:p>
-          <a:p>
-            <a:pPr marL="457200" indent="-457200" algn="l">
-              <a:buFont typeface="+mj-lt"/>
-              <a:buAutoNum type="arabicPeriod"/>
-            </a:pPr>
-            <a:r>
-              <a:rPr lang="en-US" altLang="ja-JP" sz="2400" dirty="0" smtClean="0">
-                <a:latin typeface="+mj-lt"/>
+              <a:t>1</a:t>
+            </a:r>
+            <a:endParaRPr lang="en-IN" sz="1200" dirty="0">
+              <a:solidFill>
+                <a:srgbClr val="FF0000"/>
+              </a:solidFill>
+              <a:latin typeface="Arial" panose="020B0604020202020204" pitchFamily="34" charset="0"/>
+              <a:cs typeface="Arial" panose="020B0604020202020204" pitchFamily="34" charset="0"/>
+            </a:endParaRPr>
+          </a:p>
+        </p:txBody>
+      </p:sp>
+      <p:cxnSp>
+        <p:nvCxnSpPr>
+          <p:cNvPr id="7" name="Shape 19"/>
+          <p:cNvCxnSpPr/>
+          <p:nvPr/>
+        </p:nvCxnSpPr>
+        <p:spPr>
+          <a:xfrm rot="10800000">
+            <a:off x="5220072" y="2492896"/>
+            <a:ext cx="2088232" cy="216024"/>
+          </a:xfrm>
+          <a:prstGeom prst="bentConnector3">
+            <a:avLst>
+              <a:gd name="adj1" fmla="val 17923"/>
+            </a:avLst>
+          </a:prstGeom>
+          <a:ln>
+            <a:solidFill>
+              <a:srgbClr val="FF0000"/>
+            </a:solidFill>
+            <a:tailEnd type="arrow"/>
+          </a:ln>
+        </p:spPr>
+        <p:style>
+          <a:lnRef idx="1">
+            <a:schemeClr val="accent1"/>
+          </a:lnRef>
+          <a:fillRef idx="0">
+            <a:schemeClr val="accent1"/>
+          </a:fillRef>
+          <a:effectRef idx="0">
+            <a:schemeClr val="accent1"/>
+          </a:effectRef>
+          <a:fontRef idx="minor">
+            <a:schemeClr val="tx1"/>
+          </a:fontRef>
+        </p:style>
+      </p:cxnSp>
+      <p:sp>
+        <p:nvSpPr>
+          <p:cNvPr id="10" name="Oval 9"/>
+          <p:cNvSpPr/>
+          <p:nvPr/>
+        </p:nvSpPr>
+        <p:spPr>
+          <a:xfrm>
+            <a:off x="7308304" y="2564904"/>
+            <a:ext cx="252008" cy="252008"/>
+          </a:xfrm>
+          <a:prstGeom prst="ellipse">
+            <a:avLst/>
+          </a:prstGeom>
+          <a:noFill/>
+          <a:ln>
+            <a:solidFill>
+              <a:schemeClr val="tx1"/>
+            </a:solidFill>
+          </a:ln>
+        </p:spPr>
+        <p:style>
+          <a:lnRef idx="2">
+            <a:schemeClr val="accent1">
+              <a:shade val="50000"/>
+            </a:schemeClr>
+          </a:lnRef>
+          <a:fillRef idx="1">
+            <a:schemeClr val="accent1"/>
+          </a:fillRef>
+          <a:effectRef idx="0">
+            <a:schemeClr val="accent1"/>
+          </a:effectRef>
+          <a:fontRef idx="minor">
+            <a:schemeClr val="lt1"/>
+          </a:fontRef>
+        </p:style>
+        <p:txBody>
+          <a:bodyPr rtlCol="0" anchor="ctr"/>
+          <a:lstStyle/>
+          <a:p>
+            <a:pPr algn="ctr"/>
+            <a:r>
+              <a:rPr lang="en-US" sz="1200" dirty="0" smtClean="0">
+                <a:solidFill>
+                  <a:srgbClr val="FF0000"/>
+                </a:solidFill>
+                <a:latin typeface="Arial" panose="020B0604020202020204" pitchFamily="34" charset="0"/>
+                <a:cs typeface="Arial" panose="020B0604020202020204" pitchFamily="34" charset="0"/>
               </a:rPr>
-              <a:t>Forgot user id/password link is given with error message.</a:t>
-            </a:r>
-          </a:p>
-          <a:p>
-            <a:pPr marL="457200" indent="-457200" algn="l">
-              <a:buFont typeface="+mj-lt"/>
-              <a:buAutoNum type="arabicPeriod"/>
-            </a:pPr>
-            <a:r>
-              <a:rPr lang="en-US" altLang="ja-JP" sz="2400" dirty="0" smtClean="0">
-                <a:latin typeface="+mj-lt"/>
+              <a:t>2</a:t>
+            </a:r>
+            <a:endParaRPr lang="en-IN" sz="1200" dirty="0">
+              <a:solidFill>
+                <a:srgbClr val="FF0000"/>
+              </a:solidFill>
+              <a:latin typeface="Arial" panose="020B0604020202020204" pitchFamily="34" charset="0"/>
+              <a:cs typeface="Arial" panose="020B0604020202020204" pitchFamily="34" charset="0"/>
+            </a:endParaRPr>
+          </a:p>
+        </p:txBody>
+      </p:sp>
+      <p:cxnSp>
+        <p:nvCxnSpPr>
+          <p:cNvPr id="11" name="Shape 19"/>
+          <p:cNvCxnSpPr/>
+          <p:nvPr/>
+        </p:nvCxnSpPr>
+        <p:spPr>
+          <a:xfrm>
+            <a:off x="1115616" y="3717032"/>
+            <a:ext cx="1728192" cy="216024"/>
+          </a:xfrm>
+          <a:prstGeom prst="bentConnector3">
+            <a:avLst>
+              <a:gd name="adj1" fmla="val 50000"/>
+            </a:avLst>
+          </a:prstGeom>
+          <a:ln>
+            <a:solidFill>
+              <a:srgbClr val="FF0000"/>
+            </a:solidFill>
+            <a:tailEnd type="arrow"/>
+          </a:ln>
+        </p:spPr>
+        <p:style>
+          <a:lnRef idx="1">
+            <a:schemeClr val="accent1"/>
+          </a:lnRef>
+          <a:fillRef idx="0">
+            <a:schemeClr val="accent1"/>
+          </a:fillRef>
+          <a:effectRef idx="0">
+            <a:schemeClr val="accent1"/>
+          </a:effectRef>
+          <a:fontRef idx="minor">
+            <a:schemeClr val="tx1"/>
+          </a:fontRef>
+        </p:style>
+      </p:cxnSp>
+      <p:cxnSp>
+        <p:nvCxnSpPr>
+          <p:cNvPr id="12" name="Shape 19"/>
+          <p:cNvCxnSpPr/>
+          <p:nvPr/>
+        </p:nvCxnSpPr>
+        <p:spPr>
+          <a:xfrm flipV="1">
+            <a:off x="1187624" y="3501008"/>
+            <a:ext cx="1584176" cy="216024"/>
+          </a:xfrm>
+          <a:prstGeom prst="bentConnector3">
+            <a:avLst>
+              <a:gd name="adj1" fmla="val 50000"/>
+            </a:avLst>
+          </a:prstGeom>
+          <a:ln>
+            <a:solidFill>
+              <a:srgbClr val="FF0000"/>
+            </a:solidFill>
+            <a:tailEnd type="arrow"/>
+          </a:ln>
+        </p:spPr>
+        <p:style>
+          <a:lnRef idx="1">
+            <a:schemeClr val="accent1"/>
+          </a:lnRef>
+          <a:fillRef idx="0">
+            <a:schemeClr val="accent1"/>
+          </a:fillRef>
+          <a:effectRef idx="0">
+            <a:schemeClr val="accent1"/>
+          </a:effectRef>
+          <a:fontRef idx="minor">
+            <a:schemeClr val="tx1"/>
+          </a:fontRef>
+        </p:style>
+      </p:cxnSp>
+      <p:sp>
+        <p:nvSpPr>
+          <p:cNvPr id="18" name="Oval 17"/>
+          <p:cNvSpPr/>
+          <p:nvPr/>
+        </p:nvSpPr>
+        <p:spPr>
+          <a:xfrm>
+            <a:off x="899592" y="3573016"/>
+            <a:ext cx="252008" cy="252008"/>
+          </a:xfrm>
+          <a:prstGeom prst="ellipse">
+            <a:avLst/>
+          </a:prstGeom>
+          <a:noFill/>
+          <a:ln>
+            <a:solidFill>
+              <a:schemeClr val="tx1"/>
+            </a:solidFill>
+          </a:ln>
+        </p:spPr>
+        <p:style>
+          <a:lnRef idx="2">
+            <a:schemeClr val="accent1">
+              <a:shade val="50000"/>
+            </a:schemeClr>
+          </a:lnRef>
+          <a:fillRef idx="1">
+            <a:schemeClr val="accent1"/>
+          </a:fillRef>
+          <a:effectRef idx="0">
+            <a:schemeClr val="accent1"/>
+          </a:effectRef>
+          <a:fontRef idx="minor">
+            <a:schemeClr val="lt1"/>
+          </a:fontRef>
+        </p:style>
+        <p:txBody>
+          <a:bodyPr rtlCol="0" anchor="ctr"/>
+          <a:lstStyle/>
+          <a:p>
+            <a:pPr algn="ctr"/>
+            <a:r>
+              <a:rPr lang="en-US" sz="1200" dirty="0" smtClean="0">
+                <a:solidFill>
+                  <a:srgbClr val="FF0000"/>
+                </a:solidFill>
+                <a:latin typeface="Arial" panose="020B0604020202020204" pitchFamily="34" charset="0"/>
+                <a:cs typeface="Arial" panose="020B0604020202020204" pitchFamily="34" charset="0"/>
               </a:rPr>
-              <a:t>For every text box specific required error is displayed.</a:t>
-            </a:r>
-          </a:p>
-          <a:p>
-            <a:pPr marL="457200" indent="-457200" algn="l">
-              <a:buFont typeface="+mj-lt"/>
-              <a:buAutoNum type="arabicPeriod"/>
-            </a:pPr>
-            <a:r>
-              <a:rPr lang="en-US" altLang="ja-JP" sz="2400" dirty="0" smtClean="0">
-                <a:latin typeface="+mj-lt"/>
+              <a:t>3</a:t>
+            </a:r>
+            <a:endParaRPr lang="en-IN" sz="1200" dirty="0">
+              <a:solidFill>
+                <a:srgbClr val="FF0000"/>
+              </a:solidFill>
+              <a:latin typeface="Arial" panose="020B0604020202020204" pitchFamily="34" charset="0"/>
+              <a:cs typeface="Arial" panose="020B0604020202020204" pitchFamily="34" charset="0"/>
+            </a:endParaRPr>
+          </a:p>
+        </p:txBody>
+      </p:sp>
+      <p:cxnSp>
+        <p:nvCxnSpPr>
+          <p:cNvPr id="19" name="Shape 19"/>
+          <p:cNvCxnSpPr/>
+          <p:nvPr/>
+        </p:nvCxnSpPr>
+        <p:spPr>
+          <a:xfrm rot="10800000">
+            <a:off x="7092280" y="1484784"/>
+            <a:ext cx="792088" cy="648072"/>
+          </a:xfrm>
+          <a:prstGeom prst="bentConnector3">
+            <a:avLst>
+              <a:gd name="adj1" fmla="val 50000"/>
+            </a:avLst>
+          </a:prstGeom>
+          <a:ln>
+            <a:solidFill>
+              <a:srgbClr val="FF0000"/>
+            </a:solidFill>
+            <a:tailEnd type="arrow"/>
+          </a:ln>
+        </p:spPr>
+        <p:style>
+          <a:lnRef idx="1">
+            <a:schemeClr val="accent1"/>
+          </a:lnRef>
+          <a:fillRef idx="0">
+            <a:schemeClr val="accent1"/>
+          </a:fillRef>
+          <a:effectRef idx="0">
+            <a:schemeClr val="accent1"/>
+          </a:effectRef>
+          <a:fontRef idx="minor">
+            <a:schemeClr val="tx1"/>
+          </a:fontRef>
+        </p:style>
+      </p:cxnSp>
+      <p:sp>
+        <p:nvSpPr>
+          <p:cNvPr id="21" name="Oval 20"/>
+          <p:cNvSpPr/>
+          <p:nvPr/>
+        </p:nvSpPr>
+        <p:spPr>
+          <a:xfrm>
+            <a:off x="7884368" y="1988840"/>
+            <a:ext cx="252008" cy="252008"/>
+          </a:xfrm>
+          <a:prstGeom prst="ellipse">
+            <a:avLst/>
+          </a:prstGeom>
+          <a:noFill/>
+          <a:ln>
+            <a:solidFill>
+              <a:schemeClr val="tx1"/>
+            </a:solidFill>
+          </a:ln>
+        </p:spPr>
+        <p:style>
+          <a:lnRef idx="2">
+            <a:schemeClr val="accent1">
+              <a:shade val="50000"/>
+            </a:schemeClr>
+          </a:lnRef>
+          <a:fillRef idx="1">
+            <a:schemeClr val="accent1"/>
+          </a:fillRef>
+          <a:effectRef idx="0">
+            <a:schemeClr val="accent1"/>
+          </a:effectRef>
+          <a:fontRef idx="minor">
+            <a:schemeClr val="lt1"/>
+          </a:fontRef>
+        </p:style>
+        <p:txBody>
+          <a:bodyPr rtlCol="0" anchor="ctr"/>
+          <a:lstStyle/>
+          <a:p>
+            <a:pPr algn="ctr"/>
+            <a:r>
+              <a:rPr lang="en-US" sz="1200" dirty="0" smtClean="0">
+                <a:solidFill>
+                  <a:srgbClr val="FF0000"/>
+                </a:solidFill>
+                <a:latin typeface="Arial" panose="020B0604020202020204" pitchFamily="34" charset="0"/>
+                <a:cs typeface="Arial" panose="020B0604020202020204" pitchFamily="34" charset="0"/>
               </a:rPr>
-              <a:t>Link is given which helps to secure login with strong user id and password.</a:t>
-            </a:r>
-          </a:p>
-          <a:p>
-            <a:pPr marL="457200" indent="-457200" algn="l">
-              <a:buFont typeface="+mj-lt"/>
-              <a:buAutoNum type="arabicPeriod"/>
-            </a:pPr>
-            <a:r>
-              <a:rPr lang="en-US" altLang="ja-JP" sz="2400" dirty="0" smtClean="0">
-                <a:latin typeface="+mj-lt"/>
+              <a:t>4</a:t>
+            </a:r>
+            <a:endParaRPr lang="en-IN" sz="1200" dirty="0">
+              <a:solidFill>
+                <a:srgbClr val="FF0000"/>
+              </a:solidFill>
+              <a:latin typeface="Arial" panose="020B0604020202020204" pitchFamily="34" charset="0"/>
+              <a:cs typeface="Arial" panose="020B0604020202020204" pitchFamily="34" charset="0"/>
+            </a:endParaRPr>
+          </a:p>
+        </p:txBody>
+      </p:sp>
+      <p:cxnSp>
+        <p:nvCxnSpPr>
+          <p:cNvPr id="22" name="Shape 19"/>
+          <p:cNvCxnSpPr/>
+          <p:nvPr/>
+        </p:nvCxnSpPr>
+        <p:spPr>
+          <a:xfrm rot="5400000">
+            <a:off x="7884368" y="4797152"/>
+            <a:ext cx="1152128" cy="432048"/>
+          </a:xfrm>
+          <a:prstGeom prst="bentConnector3">
+            <a:avLst>
+              <a:gd name="adj1" fmla="val 50000"/>
+            </a:avLst>
+          </a:prstGeom>
+          <a:ln>
+            <a:solidFill>
+              <a:srgbClr val="FF0000"/>
+            </a:solidFill>
+            <a:tailEnd type="arrow"/>
+          </a:ln>
+        </p:spPr>
+        <p:style>
+          <a:lnRef idx="1">
+            <a:schemeClr val="accent1"/>
+          </a:lnRef>
+          <a:fillRef idx="0">
+            <a:schemeClr val="accent1"/>
+          </a:fillRef>
+          <a:effectRef idx="0">
+            <a:schemeClr val="accent1"/>
+          </a:effectRef>
+          <a:fontRef idx="minor">
+            <a:schemeClr val="tx1"/>
+          </a:fontRef>
+        </p:style>
+      </p:cxnSp>
+      <p:sp>
+        <p:nvSpPr>
+          <p:cNvPr id="26" name="Oval 25"/>
+          <p:cNvSpPr/>
+          <p:nvPr/>
+        </p:nvSpPr>
+        <p:spPr>
+          <a:xfrm>
+            <a:off x="8532440" y="4149080"/>
+            <a:ext cx="252008" cy="252008"/>
+          </a:xfrm>
+          <a:prstGeom prst="ellipse">
+            <a:avLst/>
+          </a:prstGeom>
+          <a:noFill/>
+          <a:ln>
+            <a:solidFill>
+              <a:schemeClr val="tx1"/>
+            </a:solidFill>
+          </a:ln>
+        </p:spPr>
+        <p:style>
+          <a:lnRef idx="2">
+            <a:schemeClr val="accent1">
+              <a:shade val="50000"/>
+            </a:schemeClr>
+          </a:lnRef>
+          <a:fillRef idx="1">
+            <a:schemeClr val="accent1"/>
+          </a:fillRef>
+          <a:effectRef idx="0">
+            <a:schemeClr val="accent1"/>
+          </a:effectRef>
+          <a:fontRef idx="minor">
+            <a:schemeClr val="lt1"/>
+          </a:fontRef>
+        </p:style>
+        <p:txBody>
+          <a:bodyPr rtlCol="0" anchor="ctr"/>
+          <a:lstStyle/>
+          <a:p>
+            <a:pPr algn="ctr"/>
+            <a:r>
+              <a:rPr lang="en-US" sz="1200" dirty="0" smtClean="0">
+                <a:solidFill>
+                  <a:srgbClr val="FF0000"/>
+                </a:solidFill>
+                <a:latin typeface="Arial" panose="020B0604020202020204" pitchFamily="34" charset="0"/>
+                <a:cs typeface="Arial" panose="020B0604020202020204" pitchFamily="34" charset="0"/>
               </a:rPr>
-              <a:t>Chatbot is popped to chat with organizations help section and get help.</a:t>
-            </a:r>
-          </a:p>
-          <a:p>
-            <a:pPr marL="457200" indent="-457200" algn="l">
-              <a:buFont typeface="+mj-lt"/>
-              <a:buAutoNum type="arabicPeriod"/>
-            </a:pPr>
-            <a:endParaRPr kumimoji="1" lang="ja-JP" altLang="en-US" sz="2400">
-              <a:latin typeface="+mj-lt"/>
+              <a:t>5</a:t>
+            </a:r>
+            <a:endParaRPr lang="en-IN" sz="1200" dirty="0">
+              <a:solidFill>
+                <a:srgbClr val="FF0000"/>
+              </a:solidFill>
+              <a:latin typeface="Arial" panose="020B0604020202020204" pitchFamily="34" charset="0"/>
+              <a:cs typeface="Arial" panose="020B0604020202020204" pitchFamily="34" charset="0"/>
             </a:endParaRPr>
           </a:p>
         </p:txBody>
@@ -5000,972 +4933,129 @@
           <a:chExt cx="0" cy="0"/>
         </a:xfrm>
       </p:grpSpPr>
-      <p:pic>
-        <p:nvPicPr>
-          <p:cNvPr id="6147" name="Picture 3"/>
-          <p:cNvPicPr>
-            <a:picLocks noChangeAspect="1" noChangeArrowheads="1"/>
-          </p:cNvPicPr>
-          <p:nvPr/>
-        </p:nvPicPr>
-        <p:blipFill>
-          <a:blip r:embed="rId2" cstate="print"/>
-          <a:srcRect/>
-          <a:stretch>
-            <a:fillRect/>
-          </a:stretch>
-        </p:blipFill>
-        <p:spPr bwMode="auto">
+      <p:sp>
+        <p:nvSpPr>
+          <p:cNvPr id="2" name="Title 1"/>
+          <p:cNvSpPr>
+            <a:spLocks noGrp="1"/>
+          </p:cNvSpPr>
+          <p:nvPr>
+            <p:ph type="ctrTitle"/>
+          </p:nvPr>
+        </p:nvSpPr>
+        <p:spPr>
           <a:xfrm>
-            <a:off x="0" y="290513"/>
-            <a:ext cx="9144001" cy="6567487"/>
-          </a:xfrm>
-          <a:prstGeom prst="rect">
-            <a:avLst/>
-          </a:prstGeom>
-          <a:noFill/>
-          <a:ln w="9525">
-            <a:noFill/>
-            <a:miter lim="800000"/>
-            <a:headEnd/>
-            <a:tailEnd/>
-          </a:ln>
-        </p:spPr>
-      </p:pic>
-      <p:cxnSp>
-        <p:nvCxnSpPr>
-          <p:cNvPr id="4" name="Shape 19"/>
-          <p:cNvCxnSpPr/>
-          <p:nvPr/>
-        </p:nvCxnSpPr>
-        <p:spPr>
-          <a:xfrm flipV="1">
-            <a:off x="1115616" y="2204864"/>
-            <a:ext cx="936104" cy="432048"/>
-          </a:xfrm>
-          <a:prstGeom prst="bentConnector3">
-            <a:avLst>
-              <a:gd name="adj1" fmla="val 50000"/>
-            </a:avLst>
-          </a:prstGeom>
-          <a:ln>
-            <a:solidFill>
-              <a:srgbClr val="FF0000"/>
-            </a:solidFill>
-            <a:tailEnd type="arrow"/>
-          </a:ln>
-        </p:spPr>
-        <p:style>
-          <a:lnRef idx="1">
-            <a:schemeClr val="accent1"/>
-          </a:lnRef>
-          <a:fillRef idx="0">
-            <a:schemeClr val="accent1"/>
-          </a:fillRef>
-          <a:effectRef idx="0">
-            <a:schemeClr val="accent1"/>
-          </a:effectRef>
-          <a:fontRef idx="minor">
-            <a:schemeClr val="tx1"/>
-          </a:fontRef>
-        </p:style>
-      </p:cxnSp>
-      <p:sp>
-        <p:nvSpPr>
-          <p:cNvPr id="5" name="Oval 4"/>
-          <p:cNvSpPr/>
-          <p:nvPr/>
+            <a:off x="0" y="260648"/>
+            <a:ext cx="9144000" cy="1080120"/>
+          </a:xfrm>
+        </p:spPr>
+        <p:txBody>
+          <a:bodyPr>
+            <a:normAutofit/>
+          </a:bodyPr>
+          <a:lstStyle/>
+          <a:p>
+            <a:pPr algn="l"/>
+            <a:r>
+              <a:rPr kumimoji="1" lang="en-US" altLang="ja-JP" sz="4800" dirty="0" smtClean="0"/>
+              <a:t>What </a:t>
+            </a:r>
+            <a:r>
+              <a:rPr lang="en-US" altLang="ja-JP" sz="4800" dirty="0" smtClean="0"/>
+              <a:t>looks good in Login Error Page</a:t>
+            </a:r>
+            <a:endParaRPr kumimoji="1" lang="ja-JP" altLang="en-US" sz="4800"/>
+          </a:p>
+        </p:txBody>
+      </p:sp>
+      <p:sp>
+        <p:nvSpPr>
+          <p:cNvPr id="3" name="Subtitle 2"/>
+          <p:cNvSpPr>
+            <a:spLocks noGrp="1"/>
+          </p:cNvSpPr>
+          <p:nvPr>
+            <p:ph type="subTitle" idx="1"/>
+          </p:nvPr>
         </p:nvSpPr>
         <p:spPr>
           <a:xfrm>
-            <a:off x="899592" y="2564904"/>
-            <a:ext cx="252008" cy="252008"/>
-          </a:xfrm>
-          <a:prstGeom prst="ellipse">
-            <a:avLst/>
-          </a:prstGeom>
-          <a:noFill/>
-          <a:ln>
-            <a:solidFill>
-              <a:schemeClr val="tx1"/>
-            </a:solidFill>
-          </a:ln>
-        </p:spPr>
-        <p:style>
-          <a:lnRef idx="2">
-            <a:schemeClr val="accent1">
-              <a:shade val="50000"/>
-            </a:schemeClr>
-          </a:lnRef>
-          <a:fillRef idx="1">
-            <a:schemeClr val="accent1"/>
-          </a:fillRef>
-          <a:effectRef idx="0">
-            <a:schemeClr val="accent1"/>
-          </a:effectRef>
-          <a:fontRef idx="minor">
-            <a:schemeClr val="lt1"/>
-          </a:fontRef>
-        </p:style>
-        <p:txBody>
-          <a:bodyPr rtlCol="0" anchor="ctr"/>
-          <a:lstStyle/>
-          <a:p>
-            <a:pPr algn="ctr"/>
-            <a:r>
-              <a:rPr lang="en-US" sz="1200" dirty="0" smtClean="0">
-                <a:solidFill>
-                  <a:srgbClr val="FF0000"/>
-                </a:solidFill>
-                <a:latin typeface="Arial" panose="020B0604020202020204" pitchFamily="34" charset="0"/>
-                <a:cs typeface="Arial" panose="020B0604020202020204" pitchFamily="34" charset="0"/>
+            <a:off x="611560" y="1340768"/>
+            <a:ext cx="8136904" cy="5256584"/>
+          </a:xfrm>
+        </p:spPr>
+        <p:txBody>
+          <a:bodyPr>
+            <a:normAutofit/>
+          </a:bodyPr>
+          <a:lstStyle/>
+          <a:p>
+            <a:pPr marL="457200" indent="-457200" algn="l">
+              <a:buFont typeface="+mj-lt"/>
+              <a:buAutoNum type="arabicPeriod"/>
+            </a:pPr>
+            <a:r>
+              <a:rPr lang="en-US" altLang="ja-JP" sz="2400" dirty="0" smtClean="0">
+                <a:latin typeface="+mj-lt"/>
               </a:rPr>
-              <a:t>1</a:t>
-            </a:r>
-            <a:endParaRPr lang="en-IN" sz="1200" dirty="0">
-              <a:solidFill>
-                <a:srgbClr val="FF0000"/>
-              </a:solidFill>
-              <a:latin typeface="Arial" panose="020B0604020202020204" pitchFamily="34" charset="0"/>
-              <a:cs typeface="Arial" panose="020B0604020202020204" pitchFamily="34" charset="0"/>
-            </a:endParaRPr>
-          </a:p>
-        </p:txBody>
-      </p:sp>
-      <p:cxnSp>
-        <p:nvCxnSpPr>
-          <p:cNvPr id="7" name="Shape 19"/>
-          <p:cNvCxnSpPr/>
-          <p:nvPr/>
-        </p:nvCxnSpPr>
-        <p:spPr>
-          <a:xfrm rot="10800000" flipV="1">
-            <a:off x="4644008" y="3861048"/>
-            <a:ext cx="1584176" cy="144016"/>
-          </a:xfrm>
-          <a:prstGeom prst="bentConnector3">
-            <a:avLst>
-              <a:gd name="adj1" fmla="val 50000"/>
-            </a:avLst>
-          </a:prstGeom>
-          <a:ln>
-            <a:solidFill>
-              <a:srgbClr val="FF0000"/>
-            </a:solidFill>
-            <a:tailEnd type="arrow"/>
-          </a:ln>
-        </p:spPr>
-        <p:style>
-          <a:lnRef idx="1">
-            <a:schemeClr val="accent1"/>
-          </a:lnRef>
-          <a:fillRef idx="0">
-            <a:schemeClr val="accent1"/>
-          </a:fillRef>
-          <a:effectRef idx="0">
-            <a:schemeClr val="accent1"/>
-          </a:effectRef>
-          <a:fontRef idx="minor">
-            <a:schemeClr val="tx1"/>
-          </a:fontRef>
-        </p:style>
-      </p:cxnSp>
-      <p:sp>
-        <p:nvSpPr>
-          <p:cNvPr id="11" name="Oval 10"/>
-          <p:cNvSpPr/>
-          <p:nvPr/>
-        </p:nvSpPr>
-        <p:spPr>
-          <a:xfrm>
-            <a:off x="6228184" y="3717032"/>
-            <a:ext cx="252008" cy="252008"/>
-          </a:xfrm>
-          <a:prstGeom prst="ellipse">
-            <a:avLst/>
-          </a:prstGeom>
-          <a:noFill/>
-          <a:ln>
-            <a:solidFill>
-              <a:schemeClr val="tx1"/>
-            </a:solidFill>
-          </a:ln>
-        </p:spPr>
-        <p:style>
-          <a:lnRef idx="2">
-            <a:schemeClr val="accent1">
-              <a:shade val="50000"/>
-            </a:schemeClr>
-          </a:lnRef>
-          <a:fillRef idx="1">
-            <a:schemeClr val="accent1"/>
-          </a:fillRef>
-          <a:effectRef idx="0">
-            <a:schemeClr val="accent1"/>
-          </a:effectRef>
-          <a:fontRef idx="minor">
-            <a:schemeClr val="lt1"/>
-          </a:fontRef>
-        </p:style>
-        <p:txBody>
-          <a:bodyPr rtlCol="0" anchor="ctr"/>
-          <a:lstStyle/>
-          <a:p>
-            <a:pPr algn="ctr"/>
-            <a:r>
-              <a:rPr lang="en-US" sz="1200" dirty="0" smtClean="0">
-                <a:solidFill>
-                  <a:srgbClr val="FF0000"/>
-                </a:solidFill>
-                <a:latin typeface="Arial" panose="020B0604020202020204" pitchFamily="34" charset="0"/>
-                <a:cs typeface="Arial" panose="020B0604020202020204" pitchFamily="34" charset="0"/>
+              <a:t>Error message is displayed in red color either user not registered or something went wrong.</a:t>
+            </a:r>
+          </a:p>
+          <a:p>
+            <a:pPr marL="457200" indent="-457200" algn="l">
+              <a:buFont typeface="+mj-lt"/>
+              <a:buAutoNum type="arabicPeriod"/>
+            </a:pPr>
+            <a:r>
+              <a:rPr lang="en-US" altLang="ja-JP" sz="2400" dirty="0" smtClean="0">
+                <a:latin typeface="+mj-lt"/>
               </a:rPr>
-              <a:t>3</a:t>
-            </a:r>
-            <a:endParaRPr lang="en-IN" sz="1200" dirty="0">
-              <a:solidFill>
-                <a:srgbClr val="FF0000"/>
-              </a:solidFill>
-              <a:latin typeface="Arial" panose="020B0604020202020204" pitchFamily="34" charset="0"/>
-              <a:cs typeface="Arial" panose="020B0604020202020204" pitchFamily="34" charset="0"/>
-            </a:endParaRPr>
-          </a:p>
-        </p:txBody>
-      </p:sp>
-      <p:cxnSp>
-        <p:nvCxnSpPr>
-          <p:cNvPr id="12" name="Shape 19"/>
-          <p:cNvCxnSpPr/>
-          <p:nvPr/>
-        </p:nvCxnSpPr>
-        <p:spPr>
-          <a:xfrm flipV="1">
-            <a:off x="251520" y="4077072"/>
-            <a:ext cx="1080120" cy="504056"/>
-          </a:xfrm>
-          <a:prstGeom prst="bentConnector3">
-            <a:avLst>
-              <a:gd name="adj1" fmla="val 50000"/>
-            </a:avLst>
-          </a:prstGeom>
-          <a:ln>
-            <a:solidFill>
-              <a:srgbClr val="FF0000"/>
-            </a:solidFill>
-            <a:tailEnd type="arrow"/>
-          </a:ln>
-        </p:spPr>
-        <p:style>
-          <a:lnRef idx="1">
-            <a:schemeClr val="accent1"/>
-          </a:lnRef>
-          <a:fillRef idx="0">
-            <a:schemeClr val="accent1"/>
-          </a:fillRef>
-          <a:effectRef idx="0">
-            <a:schemeClr val="accent1"/>
-          </a:effectRef>
-          <a:fontRef idx="minor">
-            <a:schemeClr val="tx1"/>
-          </a:fontRef>
-        </p:style>
-      </p:cxnSp>
-      <p:sp>
-        <p:nvSpPr>
-          <p:cNvPr id="15" name="Oval 14"/>
-          <p:cNvSpPr/>
-          <p:nvPr/>
-        </p:nvSpPr>
-        <p:spPr>
-          <a:xfrm>
-            <a:off x="0" y="4437112"/>
-            <a:ext cx="252008" cy="252008"/>
-          </a:xfrm>
-          <a:prstGeom prst="ellipse">
-            <a:avLst/>
-          </a:prstGeom>
-          <a:noFill/>
-          <a:ln>
-            <a:solidFill>
-              <a:schemeClr val="tx1"/>
-            </a:solidFill>
-          </a:ln>
-        </p:spPr>
-        <p:style>
-          <a:lnRef idx="2">
-            <a:schemeClr val="accent1">
-              <a:shade val="50000"/>
-            </a:schemeClr>
-          </a:lnRef>
-          <a:fillRef idx="1">
-            <a:schemeClr val="accent1"/>
-          </a:fillRef>
-          <a:effectRef idx="0">
-            <a:schemeClr val="accent1"/>
-          </a:effectRef>
-          <a:fontRef idx="minor">
-            <a:schemeClr val="lt1"/>
-          </a:fontRef>
-        </p:style>
-        <p:txBody>
-          <a:bodyPr rtlCol="0" anchor="ctr"/>
-          <a:lstStyle/>
-          <a:p>
-            <a:pPr algn="ctr"/>
-            <a:r>
-              <a:rPr lang="en-US" sz="1200" dirty="0" smtClean="0">
-                <a:solidFill>
-                  <a:srgbClr val="FF0000"/>
-                </a:solidFill>
-                <a:latin typeface="Arial" panose="020B0604020202020204" pitchFamily="34" charset="0"/>
-                <a:cs typeface="Arial" panose="020B0604020202020204" pitchFamily="34" charset="0"/>
+              <a:t>Forgot user id/password link is given with error message.</a:t>
+            </a:r>
+          </a:p>
+          <a:p>
+            <a:pPr marL="457200" indent="-457200" algn="l">
+              <a:buFont typeface="+mj-lt"/>
+              <a:buAutoNum type="arabicPeriod"/>
+            </a:pPr>
+            <a:r>
+              <a:rPr lang="en-US" altLang="ja-JP" sz="2400" dirty="0" smtClean="0">
+                <a:latin typeface="+mj-lt"/>
               </a:rPr>
-              <a:t>2</a:t>
-            </a:r>
-            <a:endParaRPr lang="en-IN" sz="1200" dirty="0">
-              <a:solidFill>
-                <a:srgbClr val="FF0000"/>
-              </a:solidFill>
-              <a:latin typeface="Arial" panose="020B0604020202020204" pitchFamily="34" charset="0"/>
-              <a:cs typeface="Arial" panose="020B0604020202020204" pitchFamily="34" charset="0"/>
-            </a:endParaRPr>
-          </a:p>
-        </p:txBody>
-      </p:sp>
-      <p:cxnSp>
-        <p:nvCxnSpPr>
-          <p:cNvPr id="16" name="Shape 19"/>
-          <p:cNvCxnSpPr/>
-          <p:nvPr/>
-        </p:nvCxnSpPr>
-        <p:spPr>
-          <a:xfrm rot="10800000">
-            <a:off x="7524328" y="4941168"/>
-            <a:ext cx="971600" cy="792088"/>
-          </a:xfrm>
-          <a:prstGeom prst="bentConnector3">
-            <a:avLst>
-              <a:gd name="adj1" fmla="val 50000"/>
-            </a:avLst>
-          </a:prstGeom>
-          <a:ln>
-            <a:solidFill>
-              <a:srgbClr val="FF0000"/>
-            </a:solidFill>
-            <a:tailEnd type="arrow"/>
-          </a:ln>
-        </p:spPr>
-        <p:style>
-          <a:lnRef idx="1">
-            <a:schemeClr val="accent1"/>
-          </a:lnRef>
-          <a:fillRef idx="0">
-            <a:schemeClr val="accent1"/>
-          </a:fillRef>
-          <a:effectRef idx="0">
-            <a:schemeClr val="accent1"/>
-          </a:effectRef>
-          <a:fontRef idx="minor">
-            <a:schemeClr val="tx1"/>
-          </a:fontRef>
-        </p:style>
-      </p:cxnSp>
-      <p:cxnSp>
-        <p:nvCxnSpPr>
-          <p:cNvPr id="20" name="Shape 19"/>
-          <p:cNvCxnSpPr/>
-          <p:nvPr/>
-        </p:nvCxnSpPr>
-        <p:spPr>
-          <a:xfrm rot="10800000" flipV="1">
-            <a:off x="7452320" y="5733256"/>
-            <a:ext cx="1080120" cy="504056"/>
-          </a:xfrm>
-          <a:prstGeom prst="bentConnector3">
-            <a:avLst>
-              <a:gd name="adj1" fmla="val 50000"/>
-            </a:avLst>
-          </a:prstGeom>
-          <a:ln>
-            <a:solidFill>
-              <a:srgbClr val="FF0000"/>
-            </a:solidFill>
-            <a:tailEnd type="arrow"/>
-          </a:ln>
-        </p:spPr>
-        <p:style>
-          <a:lnRef idx="1">
-            <a:schemeClr val="accent1"/>
-          </a:lnRef>
-          <a:fillRef idx="0">
-            <a:schemeClr val="accent1"/>
-          </a:fillRef>
-          <a:effectRef idx="0">
-            <a:schemeClr val="accent1"/>
-          </a:effectRef>
-          <a:fontRef idx="minor">
-            <a:schemeClr val="tx1"/>
-          </a:fontRef>
-        </p:style>
-      </p:cxnSp>
-      <p:sp>
-        <p:nvSpPr>
-          <p:cNvPr id="22" name="Oval 21"/>
-          <p:cNvSpPr/>
-          <p:nvPr/>
-        </p:nvSpPr>
-        <p:spPr>
-          <a:xfrm>
-            <a:off x="8532440" y="5589240"/>
-            <a:ext cx="252008" cy="252008"/>
-          </a:xfrm>
-          <a:prstGeom prst="ellipse">
-            <a:avLst/>
-          </a:prstGeom>
-          <a:noFill/>
-          <a:ln>
-            <a:solidFill>
-              <a:schemeClr val="tx1"/>
-            </a:solidFill>
-          </a:ln>
-        </p:spPr>
-        <p:style>
-          <a:lnRef idx="2">
-            <a:schemeClr val="accent1">
-              <a:shade val="50000"/>
-            </a:schemeClr>
-          </a:lnRef>
-          <a:fillRef idx="1">
-            <a:schemeClr val="accent1"/>
-          </a:fillRef>
-          <a:effectRef idx="0">
-            <a:schemeClr val="accent1"/>
-          </a:effectRef>
-          <a:fontRef idx="minor">
-            <a:schemeClr val="lt1"/>
-          </a:fontRef>
-        </p:style>
-        <p:txBody>
-          <a:bodyPr rtlCol="0" anchor="ctr"/>
-          <a:lstStyle/>
-          <a:p>
-            <a:pPr algn="ctr"/>
-            <a:r>
-              <a:rPr lang="en-US" sz="1200" dirty="0" smtClean="0">
-                <a:solidFill>
-                  <a:srgbClr val="FF0000"/>
-                </a:solidFill>
-                <a:latin typeface="Arial" panose="020B0604020202020204" pitchFamily="34" charset="0"/>
-                <a:cs typeface="Arial" panose="020B0604020202020204" pitchFamily="34" charset="0"/>
+              <a:t>For every text box specific required error is displayed.</a:t>
+            </a:r>
+          </a:p>
+          <a:p>
+            <a:pPr marL="457200" indent="-457200" algn="l">
+              <a:buFont typeface="+mj-lt"/>
+              <a:buAutoNum type="arabicPeriod"/>
+            </a:pPr>
+            <a:r>
+              <a:rPr lang="en-US" altLang="ja-JP" sz="2400" dirty="0" smtClean="0">
+                <a:latin typeface="+mj-lt"/>
               </a:rPr>
-              <a:t>4</a:t>
-            </a:r>
-            <a:endParaRPr lang="en-IN" sz="1200" dirty="0">
-              <a:solidFill>
-                <a:srgbClr val="FF0000"/>
-              </a:solidFill>
-              <a:latin typeface="Arial" panose="020B0604020202020204" pitchFamily="34" charset="0"/>
-              <a:cs typeface="Arial" panose="020B0604020202020204" pitchFamily="34" charset="0"/>
-            </a:endParaRPr>
-          </a:p>
-        </p:txBody>
-      </p:sp>
-      <p:cxnSp>
-        <p:nvCxnSpPr>
-          <p:cNvPr id="23" name="Shape 19"/>
-          <p:cNvCxnSpPr/>
-          <p:nvPr/>
-        </p:nvCxnSpPr>
-        <p:spPr>
-          <a:xfrm rot="16200000" flipH="1">
-            <a:off x="8172400" y="3573016"/>
-            <a:ext cx="792088" cy="504056"/>
-          </a:xfrm>
-          <a:prstGeom prst="bentConnector3">
-            <a:avLst>
-              <a:gd name="adj1" fmla="val 50000"/>
-            </a:avLst>
-          </a:prstGeom>
-          <a:ln>
-            <a:solidFill>
-              <a:srgbClr val="FF0000"/>
-            </a:solidFill>
-            <a:tailEnd type="arrow"/>
-          </a:ln>
-        </p:spPr>
-        <p:style>
-          <a:lnRef idx="1">
-            <a:schemeClr val="accent1"/>
-          </a:lnRef>
-          <a:fillRef idx="0">
-            <a:schemeClr val="accent1"/>
-          </a:fillRef>
-          <a:effectRef idx="0">
-            <a:schemeClr val="accent1"/>
-          </a:effectRef>
-          <a:fontRef idx="minor">
-            <a:schemeClr val="tx1"/>
-          </a:fontRef>
-        </p:style>
-      </p:cxnSp>
-      <p:sp>
-        <p:nvSpPr>
-          <p:cNvPr id="26" name="Oval 25"/>
-          <p:cNvSpPr/>
-          <p:nvPr/>
-        </p:nvSpPr>
-        <p:spPr>
-          <a:xfrm>
-            <a:off x="8172400" y="3212976"/>
-            <a:ext cx="252008" cy="252008"/>
-          </a:xfrm>
-          <a:prstGeom prst="ellipse">
-            <a:avLst/>
-          </a:prstGeom>
-          <a:noFill/>
-          <a:ln>
-            <a:solidFill>
-              <a:schemeClr val="tx1"/>
-            </a:solidFill>
-          </a:ln>
-        </p:spPr>
-        <p:style>
-          <a:lnRef idx="2">
-            <a:schemeClr val="accent1">
-              <a:shade val="50000"/>
-            </a:schemeClr>
-          </a:lnRef>
-          <a:fillRef idx="1">
-            <a:schemeClr val="accent1"/>
-          </a:fillRef>
-          <a:effectRef idx="0">
-            <a:schemeClr val="accent1"/>
-          </a:effectRef>
-          <a:fontRef idx="minor">
-            <a:schemeClr val="lt1"/>
-          </a:fontRef>
-        </p:style>
-        <p:txBody>
-          <a:bodyPr rtlCol="0" anchor="ctr"/>
-          <a:lstStyle/>
-          <a:p>
-            <a:pPr algn="ctr"/>
-            <a:r>
-              <a:rPr lang="en-US" sz="1200" dirty="0" smtClean="0">
-                <a:solidFill>
-                  <a:srgbClr val="FF0000"/>
-                </a:solidFill>
-                <a:latin typeface="Arial" panose="020B0604020202020204" pitchFamily="34" charset="0"/>
-                <a:cs typeface="Arial" panose="020B0604020202020204" pitchFamily="34" charset="0"/>
+              <a:t>Link is given which helps to secure login with strong user id and password.</a:t>
+            </a:r>
+          </a:p>
+          <a:p>
+            <a:pPr marL="457200" indent="-457200" algn="l">
+              <a:buFont typeface="+mj-lt"/>
+              <a:buAutoNum type="arabicPeriod"/>
+            </a:pPr>
+            <a:r>
+              <a:rPr lang="en-US" altLang="ja-JP" sz="2400" dirty="0" smtClean="0">
+                <a:latin typeface="+mj-lt"/>
               </a:rPr>
-              <a:t>5</a:t>
-            </a:r>
-            <a:endParaRPr lang="en-IN" sz="1200" dirty="0">
-              <a:solidFill>
-                <a:srgbClr val="FF0000"/>
-              </a:solidFill>
-              <a:latin typeface="Arial" panose="020B0604020202020204" pitchFamily="34" charset="0"/>
-              <a:cs typeface="Arial" panose="020B0604020202020204" pitchFamily="34" charset="0"/>
-            </a:endParaRPr>
-          </a:p>
-        </p:txBody>
-      </p:sp>
-      <p:cxnSp>
-        <p:nvCxnSpPr>
-          <p:cNvPr id="27" name="Shape 19"/>
-          <p:cNvCxnSpPr/>
-          <p:nvPr/>
-        </p:nvCxnSpPr>
-        <p:spPr>
-          <a:xfrm rot="10800000">
-            <a:off x="6012160" y="1556792"/>
-            <a:ext cx="1440160" cy="216024"/>
-          </a:xfrm>
-          <a:prstGeom prst="bentConnector3">
-            <a:avLst>
-              <a:gd name="adj1" fmla="val 50000"/>
-            </a:avLst>
-          </a:prstGeom>
-          <a:ln>
-            <a:solidFill>
-              <a:srgbClr val="FF0000"/>
-            </a:solidFill>
-            <a:tailEnd type="arrow"/>
-          </a:ln>
-        </p:spPr>
-        <p:style>
-          <a:lnRef idx="1">
-            <a:schemeClr val="accent1"/>
-          </a:lnRef>
-          <a:fillRef idx="0">
-            <a:schemeClr val="accent1"/>
-          </a:fillRef>
-          <a:effectRef idx="0">
-            <a:schemeClr val="accent1"/>
-          </a:effectRef>
-          <a:fontRef idx="minor">
-            <a:schemeClr val="tx1"/>
-          </a:fontRef>
-        </p:style>
-      </p:cxnSp>
-      <p:sp>
-        <p:nvSpPr>
-          <p:cNvPr id="30" name="Oval 29"/>
-          <p:cNvSpPr/>
-          <p:nvPr/>
-        </p:nvSpPr>
-        <p:spPr>
-          <a:xfrm>
-            <a:off x="7452320" y="1628800"/>
-            <a:ext cx="252008" cy="252008"/>
-          </a:xfrm>
-          <a:prstGeom prst="ellipse">
-            <a:avLst/>
-          </a:prstGeom>
-          <a:noFill/>
-          <a:ln>
-            <a:solidFill>
-              <a:schemeClr val="tx1"/>
-            </a:solidFill>
-          </a:ln>
-        </p:spPr>
-        <p:style>
-          <a:lnRef idx="2">
-            <a:schemeClr val="accent1">
-              <a:shade val="50000"/>
-            </a:schemeClr>
-          </a:lnRef>
-          <a:fillRef idx="1">
-            <a:schemeClr val="accent1"/>
-          </a:fillRef>
-          <a:effectRef idx="0">
-            <a:schemeClr val="accent1"/>
-          </a:effectRef>
-          <a:fontRef idx="minor">
-            <a:schemeClr val="lt1"/>
-          </a:fontRef>
-        </p:style>
-        <p:txBody>
-          <a:bodyPr rtlCol="0" anchor="ctr"/>
-          <a:lstStyle/>
-          <a:p>
-            <a:pPr algn="ctr"/>
-            <a:r>
-              <a:rPr lang="en-US" sz="1200" dirty="0" smtClean="0">
-                <a:solidFill>
-                  <a:srgbClr val="FF0000"/>
-                </a:solidFill>
-                <a:latin typeface="Arial" panose="020B0604020202020204" pitchFamily="34" charset="0"/>
-                <a:cs typeface="Arial" panose="020B0604020202020204" pitchFamily="34" charset="0"/>
-              </a:rPr>
-              <a:t>6</a:t>
-            </a:r>
-            <a:endParaRPr lang="en-IN" sz="1200" dirty="0">
-              <a:solidFill>
-                <a:srgbClr val="FF0000"/>
-              </a:solidFill>
-              <a:latin typeface="Arial" panose="020B0604020202020204" pitchFamily="34" charset="0"/>
-              <a:cs typeface="Arial" panose="020B0604020202020204" pitchFamily="34" charset="0"/>
-            </a:endParaRPr>
-          </a:p>
-        </p:txBody>
-      </p:sp>
-      <p:cxnSp>
-        <p:nvCxnSpPr>
-          <p:cNvPr id="31" name="Shape 19"/>
-          <p:cNvCxnSpPr/>
-          <p:nvPr/>
-        </p:nvCxnSpPr>
-        <p:spPr>
-          <a:xfrm rot="10800000">
-            <a:off x="7740352" y="2204864"/>
-            <a:ext cx="720080" cy="360040"/>
-          </a:xfrm>
-          <a:prstGeom prst="bentConnector3">
-            <a:avLst>
-              <a:gd name="adj1" fmla="val 50000"/>
-            </a:avLst>
-          </a:prstGeom>
-          <a:ln>
-            <a:solidFill>
-              <a:srgbClr val="FF0000"/>
-            </a:solidFill>
-            <a:tailEnd type="arrow"/>
-          </a:ln>
-        </p:spPr>
-        <p:style>
-          <a:lnRef idx="1">
-            <a:schemeClr val="accent1"/>
-          </a:lnRef>
-          <a:fillRef idx="0">
-            <a:schemeClr val="accent1"/>
-          </a:fillRef>
-          <a:effectRef idx="0">
-            <a:schemeClr val="accent1"/>
-          </a:effectRef>
-          <a:fontRef idx="minor">
-            <a:schemeClr val="tx1"/>
-          </a:fontRef>
-        </p:style>
-      </p:cxnSp>
-      <p:sp>
-        <p:nvSpPr>
-          <p:cNvPr id="34" name="Oval 33"/>
-          <p:cNvSpPr/>
-          <p:nvPr/>
-        </p:nvSpPr>
-        <p:spPr>
-          <a:xfrm>
-            <a:off x="8460432" y="2420888"/>
-            <a:ext cx="252008" cy="252008"/>
-          </a:xfrm>
-          <a:prstGeom prst="ellipse">
-            <a:avLst/>
-          </a:prstGeom>
-          <a:noFill/>
-          <a:ln>
-            <a:solidFill>
-              <a:schemeClr val="tx1"/>
-            </a:solidFill>
-          </a:ln>
-        </p:spPr>
-        <p:style>
-          <a:lnRef idx="2">
-            <a:schemeClr val="accent1">
-              <a:shade val="50000"/>
-            </a:schemeClr>
-          </a:lnRef>
-          <a:fillRef idx="1">
-            <a:schemeClr val="accent1"/>
-          </a:fillRef>
-          <a:effectRef idx="0">
-            <a:schemeClr val="accent1"/>
-          </a:effectRef>
-          <a:fontRef idx="minor">
-            <a:schemeClr val="lt1"/>
-          </a:fontRef>
-        </p:style>
-        <p:txBody>
-          <a:bodyPr rtlCol="0" anchor="ctr"/>
-          <a:lstStyle/>
-          <a:p>
-            <a:pPr algn="ctr"/>
-            <a:r>
-              <a:rPr lang="en-US" sz="1200" dirty="0" smtClean="0">
-                <a:solidFill>
-                  <a:srgbClr val="FF0000"/>
-                </a:solidFill>
-                <a:latin typeface="Arial" panose="020B0604020202020204" pitchFamily="34" charset="0"/>
-                <a:cs typeface="Arial" panose="020B0604020202020204" pitchFamily="34" charset="0"/>
-              </a:rPr>
-              <a:t>7</a:t>
-            </a:r>
-            <a:endParaRPr lang="en-IN" sz="1200" dirty="0">
-              <a:solidFill>
-                <a:srgbClr val="FF0000"/>
-              </a:solidFill>
-              <a:latin typeface="Arial" panose="020B0604020202020204" pitchFamily="34" charset="0"/>
-              <a:cs typeface="Arial" panose="020B0604020202020204" pitchFamily="34" charset="0"/>
-            </a:endParaRPr>
-          </a:p>
-        </p:txBody>
-      </p:sp>
-      <p:cxnSp>
-        <p:nvCxnSpPr>
-          <p:cNvPr id="35" name="Shape 19"/>
-          <p:cNvCxnSpPr/>
-          <p:nvPr/>
-        </p:nvCxnSpPr>
-        <p:spPr>
-          <a:xfrm rot="10800000">
-            <a:off x="5004048" y="2636912"/>
-            <a:ext cx="936104" cy="216024"/>
-          </a:xfrm>
-          <a:prstGeom prst="bentConnector3">
-            <a:avLst>
-              <a:gd name="adj1" fmla="val 50000"/>
-            </a:avLst>
-          </a:prstGeom>
-          <a:ln>
-            <a:solidFill>
-              <a:srgbClr val="FF0000"/>
-            </a:solidFill>
-            <a:tailEnd type="arrow"/>
-          </a:ln>
-        </p:spPr>
-        <p:style>
-          <a:lnRef idx="1">
-            <a:schemeClr val="accent1"/>
-          </a:lnRef>
-          <a:fillRef idx="0">
-            <a:schemeClr val="accent1"/>
-          </a:fillRef>
-          <a:effectRef idx="0">
-            <a:schemeClr val="accent1"/>
-          </a:effectRef>
-          <a:fontRef idx="minor">
-            <a:schemeClr val="tx1"/>
-          </a:fontRef>
-        </p:style>
-      </p:cxnSp>
-      <p:sp>
-        <p:nvSpPr>
-          <p:cNvPr id="37" name="Oval 36"/>
-          <p:cNvSpPr/>
-          <p:nvPr/>
-        </p:nvSpPr>
-        <p:spPr>
-          <a:xfrm>
-            <a:off x="5940152" y="2708920"/>
-            <a:ext cx="252008" cy="252008"/>
-          </a:xfrm>
-          <a:prstGeom prst="ellipse">
-            <a:avLst/>
-          </a:prstGeom>
-          <a:noFill/>
-          <a:ln>
-            <a:solidFill>
-              <a:schemeClr val="tx1"/>
-            </a:solidFill>
-          </a:ln>
-        </p:spPr>
-        <p:style>
-          <a:lnRef idx="2">
-            <a:schemeClr val="accent1">
-              <a:shade val="50000"/>
-            </a:schemeClr>
-          </a:lnRef>
-          <a:fillRef idx="1">
-            <a:schemeClr val="accent1"/>
-          </a:fillRef>
-          <a:effectRef idx="0">
-            <a:schemeClr val="accent1"/>
-          </a:effectRef>
-          <a:fontRef idx="minor">
-            <a:schemeClr val="lt1"/>
-          </a:fontRef>
-        </p:style>
-        <p:txBody>
-          <a:bodyPr rtlCol="0" anchor="ctr"/>
-          <a:lstStyle/>
-          <a:p>
-            <a:pPr algn="ctr"/>
-            <a:r>
-              <a:rPr lang="en-US" sz="1200" dirty="0" smtClean="0">
-                <a:solidFill>
-                  <a:srgbClr val="FF0000"/>
-                </a:solidFill>
-                <a:latin typeface="Arial" panose="020B0604020202020204" pitchFamily="34" charset="0"/>
-                <a:cs typeface="Arial" panose="020B0604020202020204" pitchFamily="34" charset="0"/>
-              </a:rPr>
-              <a:t>8</a:t>
-            </a:r>
-            <a:endParaRPr lang="en-IN" sz="1200" dirty="0">
-              <a:solidFill>
-                <a:srgbClr val="FF0000"/>
-              </a:solidFill>
-              <a:latin typeface="Arial" panose="020B0604020202020204" pitchFamily="34" charset="0"/>
-              <a:cs typeface="Arial" panose="020B0604020202020204" pitchFamily="34" charset="0"/>
-            </a:endParaRPr>
-          </a:p>
-        </p:txBody>
-      </p:sp>
-      <p:cxnSp>
-        <p:nvCxnSpPr>
-          <p:cNvPr id="38" name="Shape 19"/>
-          <p:cNvCxnSpPr/>
-          <p:nvPr/>
-        </p:nvCxnSpPr>
-        <p:spPr>
-          <a:xfrm rot="10800000">
-            <a:off x="5292080" y="2276872"/>
-            <a:ext cx="1008112" cy="360040"/>
-          </a:xfrm>
-          <a:prstGeom prst="bentConnector3">
-            <a:avLst>
-              <a:gd name="adj1" fmla="val 50000"/>
-            </a:avLst>
-          </a:prstGeom>
-          <a:ln>
-            <a:solidFill>
-              <a:srgbClr val="FF0000"/>
-            </a:solidFill>
-            <a:tailEnd type="arrow"/>
-          </a:ln>
-        </p:spPr>
-        <p:style>
-          <a:lnRef idx="1">
-            <a:schemeClr val="accent1"/>
-          </a:lnRef>
-          <a:fillRef idx="0">
-            <a:schemeClr val="accent1"/>
-          </a:fillRef>
-          <a:effectRef idx="0">
-            <a:schemeClr val="accent1"/>
-          </a:effectRef>
-          <a:fontRef idx="minor">
-            <a:schemeClr val="tx1"/>
-          </a:fontRef>
-        </p:style>
-      </p:cxnSp>
-      <p:sp>
-        <p:nvSpPr>
-          <p:cNvPr id="40" name="Oval 39"/>
-          <p:cNvSpPr/>
-          <p:nvPr/>
-        </p:nvSpPr>
-        <p:spPr>
-          <a:xfrm>
-            <a:off x="6300192" y="2564904"/>
-            <a:ext cx="252008" cy="252008"/>
-          </a:xfrm>
-          <a:prstGeom prst="ellipse">
-            <a:avLst/>
-          </a:prstGeom>
-          <a:noFill/>
-          <a:ln>
-            <a:solidFill>
-              <a:schemeClr val="tx1"/>
-            </a:solidFill>
-          </a:ln>
-        </p:spPr>
-        <p:style>
-          <a:lnRef idx="2">
-            <a:schemeClr val="accent1">
-              <a:shade val="50000"/>
-            </a:schemeClr>
-          </a:lnRef>
-          <a:fillRef idx="1">
-            <a:schemeClr val="accent1"/>
-          </a:fillRef>
-          <a:effectRef idx="0">
-            <a:schemeClr val="accent1"/>
-          </a:effectRef>
-          <a:fontRef idx="minor">
-            <a:schemeClr val="lt1"/>
-          </a:fontRef>
-        </p:style>
-        <p:txBody>
-          <a:bodyPr rtlCol="0" anchor="ctr"/>
-          <a:lstStyle/>
-          <a:p>
-            <a:pPr algn="ctr"/>
-            <a:r>
-              <a:rPr lang="en-US" sz="1200" dirty="0" smtClean="0">
-                <a:solidFill>
-                  <a:srgbClr val="FF0000"/>
-                </a:solidFill>
-                <a:latin typeface="Arial" panose="020B0604020202020204" pitchFamily="34" charset="0"/>
-                <a:cs typeface="Arial" panose="020B0604020202020204" pitchFamily="34" charset="0"/>
-              </a:rPr>
-              <a:t>9</a:t>
-            </a:r>
-            <a:endParaRPr lang="en-IN" sz="1200" dirty="0">
-              <a:solidFill>
-                <a:srgbClr val="FF0000"/>
-              </a:solidFill>
-              <a:latin typeface="Arial" panose="020B0604020202020204" pitchFamily="34" charset="0"/>
-              <a:cs typeface="Arial" panose="020B0604020202020204" pitchFamily="34" charset="0"/>
+              <a:t>Chatbot is popped to chat with organizations help section and get help.</a:t>
+            </a:r>
+          </a:p>
+          <a:p>
+            <a:pPr marL="457200" indent="-457200" algn="l">
+              <a:buFont typeface="+mj-lt"/>
+              <a:buAutoNum type="arabicPeriod"/>
+            </a:pPr>
+            <a:endParaRPr kumimoji="1" lang="ja-JP" altLang="en-US" sz="2400">
+              <a:latin typeface="+mj-lt"/>
             </a:endParaRPr>
           </a:p>
         </p:txBody>
@@ -5995,152 +5085,972 @@
           <a:chExt cx="0" cy="0"/>
         </a:xfrm>
       </p:grpSpPr>
-      <p:sp>
-        <p:nvSpPr>
-          <p:cNvPr id="2" name="Title 1"/>
-          <p:cNvSpPr>
-            <a:spLocks noGrp="1"/>
-          </p:cNvSpPr>
-          <p:nvPr>
-            <p:ph type="ctrTitle"/>
-          </p:nvPr>
-        </p:nvSpPr>
-        <p:spPr>
+      <p:pic>
+        <p:nvPicPr>
+          <p:cNvPr id="6147" name="Picture 3"/>
+          <p:cNvPicPr>
+            <a:picLocks noChangeAspect="1" noChangeArrowheads="1"/>
+          </p:cNvPicPr>
+          <p:nvPr/>
+        </p:nvPicPr>
+        <p:blipFill>
+          <a:blip r:embed="rId2" cstate="print"/>
+          <a:srcRect/>
+          <a:stretch>
+            <a:fillRect/>
+          </a:stretch>
+        </p:blipFill>
+        <p:spPr bwMode="auto">
           <a:xfrm>
-            <a:off x="0" y="1371600"/>
-            <a:ext cx="9144000" cy="905272"/>
-          </a:xfrm>
-        </p:spPr>
-        <p:txBody>
-          <a:bodyPr>
-            <a:normAutofit/>
-          </a:bodyPr>
-          <a:lstStyle/>
-          <a:p>
-            <a:pPr algn="l"/>
-            <a:r>
-              <a:rPr kumimoji="1" lang="en-US" altLang="ja-JP" sz="4800" dirty="0" smtClean="0"/>
-              <a:t>What looks good in Super deal page</a:t>
-            </a:r>
-            <a:endParaRPr kumimoji="1" lang="ja-JP" altLang="en-US" sz="4800"/>
-          </a:p>
-        </p:txBody>
-      </p:sp>
-      <p:sp>
-        <p:nvSpPr>
-          <p:cNvPr id="3" name="Subtitle 2"/>
-          <p:cNvSpPr>
-            <a:spLocks noGrp="1"/>
-          </p:cNvSpPr>
-          <p:nvPr>
-            <p:ph type="subTitle" idx="1"/>
-          </p:nvPr>
+            <a:off x="0" y="290513"/>
+            <a:ext cx="9144001" cy="6567487"/>
+          </a:xfrm>
+          <a:prstGeom prst="rect">
+            <a:avLst/>
+          </a:prstGeom>
+          <a:noFill/>
+          <a:ln w="9525">
+            <a:noFill/>
+            <a:miter lim="800000"/>
+            <a:headEnd/>
+            <a:tailEnd/>
+          </a:ln>
+        </p:spPr>
+      </p:pic>
+      <p:cxnSp>
+        <p:nvCxnSpPr>
+          <p:cNvPr id="4" name="Shape 19"/>
+          <p:cNvCxnSpPr/>
+          <p:nvPr/>
+        </p:nvCxnSpPr>
+        <p:spPr>
+          <a:xfrm flipV="1">
+            <a:off x="1115616" y="2204864"/>
+            <a:ext cx="936104" cy="432048"/>
+          </a:xfrm>
+          <a:prstGeom prst="bentConnector3">
+            <a:avLst>
+              <a:gd name="adj1" fmla="val 50000"/>
+            </a:avLst>
+          </a:prstGeom>
+          <a:ln>
+            <a:solidFill>
+              <a:srgbClr val="FF0000"/>
+            </a:solidFill>
+            <a:tailEnd type="arrow"/>
+          </a:ln>
+        </p:spPr>
+        <p:style>
+          <a:lnRef idx="1">
+            <a:schemeClr val="accent1"/>
+          </a:lnRef>
+          <a:fillRef idx="0">
+            <a:schemeClr val="accent1"/>
+          </a:fillRef>
+          <a:effectRef idx="0">
+            <a:schemeClr val="accent1"/>
+          </a:effectRef>
+          <a:fontRef idx="minor">
+            <a:schemeClr val="tx1"/>
+          </a:fontRef>
+        </p:style>
+      </p:cxnSp>
+      <p:sp>
+        <p:nvSpPr>
+          <p:cNvPr id="5" name="Oval 4"/>
+          <p:cNvSpPr/>
+          <p:nvPr/>
         </p:nvSpPr>
         <p:spPr>
           <a:xfrm>
-            <a:off x="395536" y="2348880"/>
-            <a:ext cx="8352928" cy="4176464"/>
-          </a:xfrm>
-        </p:spPr>
-        <p:txBody>
-          <a:bodyPr>
-            <a:normAutofit lnSpcReduction="10000"/>
-          </a:bodyPr>
-          <a:lstStyle/>
-          <a:p>
-            <a:pPr marL="514350" indent="-514350" algn="l">
-              <a:buFont typeface="+mj-lt"/>
-              <a:buAutoNum type="arabicPeriod"/>
-            </a:pPr>
-            <a:r>
-              <a:rPr lang="en-US" altLang="ja-JP" dirty="0" smtClean="0">
-                <a:latin typeface="+mj-lt"/>
+            <a:off x="899592" y="2564904"/>
+            <a:ext cx="252008" cy="252008"/>
+          </a:xfrm>
+          <a:prstGeom prst="ellipse">
+            <a:avLst/>
+          </a:prstGeom>
+          <a:noFill/>
+          <a:ln>
+            <a:solidFill>
+              <a:schemeClr val="tx1"/>
+            </a:solidFill>
+          </a:ln>
+        </p:spPr>
+        <p:style>
+          <a:lnRef idx="2">
+            <a:schemeClr val="accent1">
+              <a:shade val="50000"/>
+            </a:schemeClr>
+          </a:lnRef>
+          <a:fillRef idx="1">
+            <a:schemeClr val="accent1"/>
+          </a:fillRef>
+          <a:effectRef idx="0">
+            <a:schemeClr val="accent1"/>
+          </a:effectRef>
+          <a:fontRef idx="minor">
+            <a:schemeClr val="lt1"/>
+          </a:fontRef>
+        </p:style>
+        <p:txBody>
+          <a:bodyPr rtlCol="0" anchor="ctr"/>
+          <a:lstStyle/>
+          <a:p>
+            <a:pPr algn="ctr"/>
+            <a:r>
+              <a:rPr lang="en-US" sz="1200" dirty="0" smtClean="0">
+                <a:solidFill>
+                  <a:srgbClr val="FF0000"/>
+                </a:solidFill>
+                <a:latin typeface="Arial" panose="020B0604020202020204" pitchFamily="34" charset="0"/>
+                <a:cs typeface="Arial" panose="020B0604020202020204" pitchFamily="34" charset="0"/>
               </a:rPr>
-              <a:t>Search tab is provided to search specific product</a:t>
-            </a:r>
-          </a:p>
-          <a:p>
-            <a:pPr marL="514350" indent="-514350" algn="l">
-              <a:buFont typeface="+mj-lt"/>
-              <a:buAutoNum type="arabicPeriod"/>
-            </a:pPr>
-            <a:r>
-              <a:rPr kumimoji="1" lang="en-US" altLang="ja-JP" dirty="0" smtClean="0">
-                <a:latin typeface="+mj-lt"/>
+              <a:t>1</a:t>
+            </a:r>
+            <a:endParaRPr lang="en-IN" sz="1200" dirty="0">
+              <a:solidFill>
+                <a:srgbClr val="FF0000"/>
+              </a:solidFill>
+              <a:latin typeface="Arial" panose="020B0604020202020204" pitchFamily="34" charset="0"/>
+              <a:cs typeface="Arial" panose="020B0604020202020204" pitchFamily="34" charset="0"/>
+            </a:endParaRPr>
+          </a:p>
+        </p:txBody>
+      </p:sp>
+      <p:cxnSp>
+        <p:nvCxnSpPr>
+          <p:cNvPr id="7" name="Shape 19"/>
+          <p:cNvCxnSpPr/>
+          <p:nvPr/>
+        </p:nvCxnSpPr>
+        <p:spPr>
+          <a:xfrm rot="10800000" flipV="1">
+            <a:off x="4644008" y="3861048"/>
+            <a:ext cx="1584176" cy="144016"/>
+          </a:xfrm>
+          <a:prstGeom prst="bentConnector3">
+            <a:avLst>
+              <a:gd name="adj1" fmla="val 50000"/>
+            </a:avLst>
+          </a:prstGeom>
+          <a:ln>
+            <a:solidFill>
+              <a:srgbClr val="FF0000"/>
+            </a:solidFill>
+            <a:tailEnd type="arrow"/>
+          </a:ln>
+        </p:spPr>
+        <p:style>
+          <a:lnRef idx="1">
+            <a:schemeClr val="accent1"/>
+          </a:lnRef>
+          <a:fillRef idx="0">
+            <a:schemeClr val="accent1"/>
+          </a:fillRef>
+          <a:effectRef idx="0">
+            <a:schemeClr val="accent1"/>
+          </a:effectRef>
+          <a:fontRef idx="minor">
+            <a:schemeClr val="tx1"/>
+          </a:fontRef>
+        </p:style>
+      </p:cxnSp>
+      <p:sp>
+        <p:nvSpPr>
+          <p:cNvPr id="11" name="Oval 10"/>
+          <p:cNvSpPr/>
+          <p:nvPr/>
+        </p:nvSpPr>
+        <p:spPr>
+          <a:xfrm>
+            <a:off x="6228184" y="3717032"/>
+            <a:ext cx="252008" cy="252008"/>
+          </a:xfrm>
+          <a:prstGeom prst="ellipse">
+            <a:avLst/>
+          </a:prstGeom>
+          <a:noFill/>
+          <a:ln>
+            <a:solidFill>
+              <a:schemeClr val="tx1"/>
+            </a:solidFill>
+          </a:ln>
+        </p:spPr>
+        <p:style>
+          <a:lnRef idx="2">
+            <a:schemeClr val="accent1">
+              <a:shade val="50000"/>
+            </a:schemeClr>
+          </a:lnRef>
+          <a:fillRef idx="1">
+            <a:schemeClr val="accent1"/>
+          </a:fillRef>
+          <a:effectRef idx="0">
+            <a:schemeClr val="accent1"/>
+          </a:effectRef>
+          <a:fontRef idx="minor">
+            <a:schemeClr val="lt1"/>
+          </a:fontRef>
+        </p:style>
+        <p:txBody>
+          <a:bodyPr rtlCol="0" anchor="ctr"/>
+          <a:lstStyle/>
+          <a:p>
+            <a:pPr algn="ctr"/>
+            <a:r>
+              <a:rPr lang="en-US" sz="1200" dirty="0" smtClean="0">
+                <a:solidFill>
+                  <a:srgbClr val="FF0000"/>
+                </a:solidFill>
+                <a:latin typeface="Arial" panose="020B0604020202020204" pitchFamily="34" charset="0"/>
+                <a:cs typeface="Arial" panose="020B0604020202020204" pitchFamily="34" charset="0"/>
               </a:rPr>
-              <a:t>In this section deals </a:t>
-            </a:r>
-            <a:r>
-              <a:rPr lang="en-US" altLang="ja-JP" dirty="0" smtClean="0">
-                <a:latin typeface="+mj-lt"/>
+              <a:t>3</a:t>
+            </a:r>
+            <a:endParaRPr lang="en-IN" sz="1200" dirty="0">
+              <a:solidFill>
+                <a:srgbClr val="FF0000"/>
+              </a:solidFill>
+              <a:latin typeface="Arial" panose="020B0604020202020204" pitchFamily="34" charset="0"/>
+              <a:cs typeface="Arial" panose="020B0604020202020204" pitchFamily="34" charset="0"/>
+            </a:endParaRPr>
+          </a:p>
+        </p:txBody>
+      </p:sp>
+      <p:cxnSp>
+        <p:nvCxnSpPr>
+          <p:cNvPr id="12" name="Shape 19"/>
+          <p:cNvCxnSpPr/>
+          <p:nvPr/>
+        </p:nvCxnSpPr>
+        <p:spPr>
+          <a:xfrm flipV="1">
+            <a:off x="251520" y="4077072"/>
+            <a:ext cx="1080120" cy="504056"/>
+          </a:xfrm>
+          <a:prstGeom prst="bentConnector3">
+            <a:avLst>
+              <a:gd name="adj1" fmla="val 50000"/>
+            </a:avLst>
+          </a:prstGeom>
+          <a:ln>
+            <a:solidFill>
+              <a:srgbClr val="FF0000"/>
+            </a:solidFill>
+            <a:tailEnd type="arrow"/>
+          </a:ln>
+        </p:spPr>
+        <p:style>
+          <a:lnRef idx="1">
+            <a:schemeClr val="accent1"/>
+          </a:lnRef>
+          <a:fillRef idx="0">
+            <a:schemeClr val="accent1"/>
+          </a:fillRef>
+          <a:effectRef idx="0">
+            <a:schemeClr val="accent1"/>
+          </a:effectRef>
+          <a:fontRef idx="minor">
+            <a:schemeClr val="tx1"/>
+          </a:fontRef>
+        </p:style>
+      </p:cxnSp>
+      <p:sp>
+        <p:nvSpPr>
+          <p:cNvPr id="15" name="Oval 14"/>
+          <p:cNvSpPr/>
+          <p:nvPr/>
+        </p:nvSpPr>
+        <p:spPr>
+          <a:xfrm>
+            <a:off x="0" y="4437112"/>
+            <a:ext cx="252008" cy="252008"/>
+          </a:xfrm>
+          <a:prstGeom prst="ellipse">
+            <a:avLst/>
+          </a:prstGeom>
+          <a:noFill/>
+          <a:ln>
+            <a:solidFill>
+              <a:schemeClr val="tx1"/>
+            </a:solidFill>
+          </a:ln>
+        </p:spPr>
+        <p:style>
+          <a:lnRef idx="2">
+            <a:schemeClr val="accent1">
+              <a:shade val="50000"/>
+            </a:schemeClr>
+          </a:lnRef>
+          <a:fillRef idx="1">
+            <a:schemeClr val="accent1"/>
+          </a:fillRef>
+          <a:effectRef idx="0">
+            <a:schemeClr val="accent1"/>
+          </a:effectRef>
+          <a:fontRef idx="minor">
+            <a:schemeClr val="lt1"/>
+          </a:fontRef>
+        </p:style>
+        <p:txBody>
+          <a:bodyPr rtlCol="0" anchor="ctr"/>
+          <a:lstStyle/>
+          <a:p>
+            <a:pPr algn="ctr"/>
+            <a:r>
+              <a:rPr lang="en-US" sz="1200" dirty="0" smtClean="0">
+                <a:solidFill>
+                  <a:srgbClr val="FF0000"/>
+                </a:solidFill>
+                <a:latin typeface="Arial" panose="020B0604020202020204" pitchFamily="34" charset="0"/>
+                <a:cs typeface="Arial" panose="020B0604020202020204" pitchFamily="34" charset="0"/>
               </a:rPr>
-              <a:t>links about </a:t>
-            </a:r>
-            <a:r>
-              <a:rPr kumimoji="1" lang="en-US" altLang="ja-JP" dirty="0" smtClean="0">
-                <a:latin typeface="+mj-lt"/>
+              <a:t>2</a:t>
+            </a:r>
+            <a:endParaRPr lang="en-IN" sz="1200" dirty="0">
+              <a:solidFill>
+                <a:srgbClr val="FF0000"/>
+              </a:solidFill>
+              <a:latin typeface="Arial" panose="020B0604020202020204" pitchFamily="34" charset="0"/>
+              <a:cs typeface="Arial" panose="020B0604020202020204" pitchFamily="34" charset="0"/>
+            </a:endParaRPr>
+          </a:p>
+        </p:txBody>
+      </p:sp>
+      <p:cxnSp>
+        <p:nvCxnSpPr>
+          <p:cNvPr id="16" name="Shape 19"/>
+          <p:cNvCxnSpPr/>
+          <p:nvPr/>
+        </p:nvCxnSpPr>
+        <p:spPr>
+          <a:xfrm rot="10800000">
+            <a:off x="7524328" y="4941168"/>
+            <a:ext cx="971600" cy="792088"/>
+          </a:xfrm>
+          <a:prstGeom prst="bentConnector3">
+            <a:avLst>
+              <a:gd name="adj1" fmla="val 50000"/>
+            </a:avLst>
+          </a:prstGeom>
+          <a:ln>
+            <a:solidFill>
+              <a:srgbClr val="FF0000"/>
+            </a:solidFill>
+            <a:tailEnd type="arrow"/>
+          </a:ln>
+        </p:spPr>
+        <p:style>
+          <a:lnRef idx="1">
+            <a:schemeClr val="accent1"/>
+          </a:lnRef>
+          <a:fillRef idx="0">
+            <a:schemeClr val="accent1"/>
+          </a:fillRef>
+          <a:effectRef idx="0">
+            <a:schemeClr val="accent1"/>
+          </a:effectRef>
+          <a:fontRef idx="minor">
+            <a:schemeClr val="tx1"/>
+          </a:fontRef>
+        </p:style>
+      </p:cxnSp>
+      <p:cxnSp>
+        <p:nvCxnSpPr>
+          <p:cNvPr id="20" name="Shape 19"/>
+          <p:cNvCxnSpPr/>
+          <p:nvPr/>
+        </p:nvCxnSpPr>
+        <p:spPr>
+          <a:xfrm rot="10800000" flipV="1">
+            <a:off x="7452320" y="5733256"/>
+            <a:ext cx="1080120" cy="504056"/>
+          </a:xfrm>
+          <a:prstGeom prst="bentConnector3">
+            <a:avLst>
+              <a:gd name="adj1" fmla="val 50000"/>
+            </a:avLst>
+          </a:prstGeom>
+          <a:ln>
+            <a:solidFill>
+              <a:srgbClr val="FF0000"/>
+            </a:solidFill>
+            <a:tailEnd type="arrow"/>
+          </a:ln>
+        </p:spPr>
+        <p:style>
+          <a:lnRef idx="1">
+            <a:schemeClr val="accent1"/>
+          </a:lnRef>
+          <a:fillRef idx="0">
+            <a:schemeClr val="accent1"/>
+          </a:fillRef>
+          <a:effectRef idx="0">
+            <a:schemeClr val="accent1"/>
+          </a:effectRef>
+          <a:fontRef idx="minor">
+            <a:schemeClr val="tx1"/>
+          </a:fontRef>
+        </p:style>
+      </p:cxnSp>
+      <p:sp>
+        <p:nvSpPr>
+          <p:cNvPr id="22" name="Oval 21"/>
+          <p:cNvSpPr/>
+          <p:nvPr/>
+        </p:nvSpPr>
+        <p:spPr>
+          <a:xfrm>
+            <a:off x="8532440" y="5589240"/>
+            <a:ext cx="252008" cy="252008"/>
+          </a:xfrm>
+          <a:prstGeom prst="ellipse">
+            <a:avLst/>
+          </a:prstGeom>
+          <a:noFill/>
+          <a:ln>
+            <a:solidFill>
+              <a:schemeClr val="tx1"/>
+            </a:solidFill>
+          </a:ln>
+        </p:spPr>
+        <p:style>
+          <a:lnRef idx="2">
+            <a:schemeClr val="accent1">
+              <a:shade val="50000"/>
+            </a:schemeClr>
+          </a:lnRef>
+          <a:fillRef idx="1">
+            <a:schemeClr val="accent1"/>
+          </a:fillRef>
+          <a:effectRef idx="0">
+            <a:schemeClr val="accent1"/>
+          </a:effectRef>
+          <a:fontRef idx="minor">
+            <a:schemeClr val="lt1"/>
+          </a:fontRef>
+        </p:style>
+        <p:txBody>
+          <a:bodyPr rtlCol="0" anchor="ctr"/>
+          <a:lstStyle/>
+          <a:p>
+            <a:pPr algn="ctr"/>
+            <a:r>
+              <a:rPr lang="en-US" sz="1200" dirty="0" smtClean="0">
+                <a:solidFill>
+                  <a:srgbClr val="FF0000"/>
+                </a:solidFill>
+                <a:latin typeface="Arial" panose="020B0604020202020204" pitchFamily="34" charset="0"/>
+                <a:cs typeface="Arial" panose="020B0604020202020204" pitchFamily="34" charset="0"/>
               </a:rPr>
-              <a:t>available deals, deals available with free shipping and different categories are displayed.</a:t>
-            </a:r>
-          </a:p>
-          <a:p>
-            <a:pPr marL="514350" indent="-514350" algn="l">
-              <a:buFont typeface="+mj-lt"/>
-              <a:buAutoNum type="arabicPeriod"/>
-            </a:pPr>
-            <a:r>
-              <a:rPr kumimoji="1" lang="en-US" altLang="ja-JP" dirty="0" smtClean="0">
-                <a:latin typeface="+mj-lt"/>
+              <a:t>4</a:t>
+            </a:r>
+            <a:endParaRPr lang="en-IN" sz="1200" dirty="0">
+              <a:solidFill>
+                <a:srgbClr val="FF0000"/>
+              </a:solidFill>
+              <a:latin typeface="Arial" panose="020B0604020202020204" pitchFamily="34" charset="0"/>
+              <a:cs typeface="Arial" panose="020B0604020202020204" pitchFamily="34" charset="0"/>
+            </a:endParaRPr>
+          </a:p>
+        </p:txBody>
+      </p:sp>
+      <p:cxnSp>
+        <p:nvCxnSpPr>
+          <p:cNvPr id="23" name="Shape 19"/>
+          <p:cNvCxnSpPr/>
+          <p:nvPr/>
+        </p:nvCxnSpPr>
+        <p:spPr>
+          <a:xfrm rot="16200000" flipH="1">
+            <a:off x="8172400" y="3573016"/>
+            <a:ext cx="792088" cy="504056"/>
+          </a:xfrm>
+          <a:prstGeom prst="bentConnector3">
+            <a:avLst>
+              <a:gd name="adj1" fmla="val 50000"/>
+            </a:avLst>
+          </a:prstGeom>
+          <a:ln>
+            <a:solidFill>
+              <a:srgbClr val="FF0000"/>
+            </a:solidFill>
+            <a:tailEnd type="arrow"/>
+          </a:ln>
+        </p:spPr>
+        <p:style>
+          <a:lnRef idx="1">
+            <a:schemeClr val="accent1"/>
+          </a:lnRef>
+          <a:fillRef idx="0">
+            <a:schemeClr val="accent1"/>
+          </a:fillRef>
+          <a:effectRef idx="0">
+            <a:schemeClr val="accent1"/>
+          </a:effectRef>
+          <a:fontRef idx="minor">
+            <a:schemeClr val="tx1"/>
+          </a:fontRef>
+        </p:style>
+      </p:cxnSp>
+      <p:sp>
+        <p:nvSpPr>
+          <p:cNvPr id="26" name="Oval 25"/>
+          <p:cNvSpPr/>
+          <p:nvPr/>
+        </p:nvSpPr>
+        <p:spPr>
+          <a:xfrm>
+            <a:off x="8172400" y="3212976"/>
+            <a:ext cx="252008" cy="252008"/>
+          </a:xfrm>
+          <a:prstGeom prst="ellipse">
+            <a:avLst/>
+          </a:prstGeom>
+          <a:noFill/>
+          <a:ln>
+            <a:solidFill>
+              <a:schemeClr val="tx1"/>
+            </a:solidFill>
+          </a:ln>
+        </p:spPr>
+        <p:style>
+          <a:lnRef idx="2">
+            <a:schemeClr val="accent1">
+              <a:shade val="50000"/>
+            </a:schemeClr>
+          </a:lnRef>
+          <a:fillRef idx="1">
+            <a:schemeClr val="accent1"/>
+          </a:fillRef>
+          <a:effectRef idx="0">
+            <a:schemeClr val="accent1"/>
+          </a:effectRef>
+          <a:fontRef idx="minor">
+            <a:schemeClr val="lt1"/>
+          </a:fontRef>
+        </p:style>
+        <p:txBody>
+          <a:bodyPr rtlCol="0" anchor="ctr"/>
+          <a:lstStyle/>
+          <a:p>
+            <a:pPr algn="ctr"/>
+            <a:r>
+              <a:rPr lang="en-US" sz="1200" dirty="0" smtClean="0">
+                <a:solidFill>
+                  <a:srgbClr val="FF0000"/>
+                </a:solidFill>
+                <a:latin typeface="Arial" panose="020B0604020202020204" pitchFamily="34" charset="0"/>
+                <a:cs typeface="Arial" panose="020B0604020202020204" pitchFamily="34" charset="0"/>
               </a:rPr>
-              <a:t>The time and date is displayed when deal will end.</a:t>
-            </a:r>
-          </a:p>
-          <a:p>
-            <a:pPr marL="514350" indent="-514350" algn="l">
-              <a:buFont typeface="+mj-lt"/>
-              <a:buAutoNum type="arabicPeriod"/>
-            </a:pPr>
-            <a:r>
-              <a:rPr kumimoji="1" lang="en-US" altLang="ja-JP" dirty="0" smtClean="0">
-                <a:latin typeface="+mj-lt"/>
+              <a:t>5</a:t>
+            </a:r>
+            <a:endParaRPr lang="en-IN" sz="1200" dirty="0">
+              <a:solidFill>
+                <a:srgbClr val="FF0000"/>
+              </a:solidFill>
+              <a:latin typeface="Arial" panose="020B0604020202020204" pitchFamily="34" charset="0"/>
+              <a:cs typeface="Arial" panose="020B0604020202020204" pitchFamily="34" charset="0"/>
+            </a:endParaRPr>
+          </a:p>
+        </p:txBody>
+      </p:sp>
+      <p:cxnSp>
+        <p:nvCxnSpPr>
+          <p:cNvPr id="27" name="Shape 19"/>
+          <p:cNvCxnSpPr/>
+          <p:nvPr/>
+        </p:nvCxnSpPr>
+        <p:spPr>
+          <a:xfrm rot="10800000">
+            <a:off x="6012160" y="1556792"/>
+            <a:ext cx="1440160" cy="216024"/>
+          </a:xfrm>
+          <a:prstGeom prst="bentConnector3">
+            <a:avLst>
+              <a:gd name="adj1" fmla="val 50000"/>
+            </a:avLst>
+          </a:prstGeom>
+          <a:ln>
+            <a:solidFill>
+              <a:srgbClr val="FF0000"/>
+            </a:solidFill>
+            <a:tailEnd type="arrow"/>
+          </a:ln>
+        </p:spPr>
+        <p:style>
+          <a:lnRef idx="1">
+            <a:schemeClr val="accent1"/>
+          </a:lnRef>
+          <a:fillRef idx="0">
+            <a:schemeClr val="accent1"/>
+          </a:fillRef>
+          <a:effectRef idx="0">
+            <a:schemeClr val="accent1"/>
+          </a:effectRef>
+          <a:fontRef idx="minor">
+            <a:schemeClr val="tx1"/>
+          </a:fontRef>
+        </p:style>
+      </p:cxnSp>
+      <p:sp>
+        <p:nvSpPr>
+          <p:cNvPr id="30" name="Oval 29"/>
+          <p:cNvSpPr/>
+          <p:nvPr/>
+        </p:nvSpPr>
+        <p:spPr>
+          <a:xfrm>
+            <a:off x="7452320" y="1628800"/>
+            <a:ext cx="252008" cy="252008"/>
+          </a:xfrm>
+          <a:prstGeom prst="ellipse">
+            <a:avLst/>
+          </a:prstGeom>
+          <a:noFill/>
+          <a:ln>
+            <a:solidFill>
+              <a:schemeClr val="tx1"/>
+            </a:solidFill>
+          </a:ln>
+        </p:spPr>
+        <p:style>
+          <a:lnRef idx="2">
+            <a:schemeClr val="accent1">
+              <a:shade val="50000"/>
+            </a:schemeClr>
+          </a:lnRef>
+          <a:fillRef idx="1">
+            <a:schemeClr val="accent1"/>
+          </a:fillRef>
+          <a:effectRef idx="0">
+            <a:schemeClr val="accent1"/>
+          </a:effectRef>
+          <a:fontRef idx="minor">
+            <a:schemeClr val="lt1"/>
+          </a:fontRef>
+        </p:style>
+        <p:txBody>
+          <a:bodyPr rtlCol="0" anchor="ctr"/>
+          <a:lstStyle/>
+          <a:p>
+            <a:pPr algn="ctr"/>
+            <a:r>
+              <a:rPr lang="en-US" sz="1200" dirty="0" smtClean="0">
+                <a:solidFill>
+                  <a:srgbClr val="FF0000"/>
+                </a:solidFill>
+                <a:latin typeface="Arial" panose="020B0604020202020204" pitchFamily="34" charset="0"/>
+                <a:cs typeface="Arial" panose="020B0604020202020204" pitchFamily="34" charset="0"/>
               </a:rPr>
-              <a:t> Cost of the product and discount available is mentioned with product.</a:t>
-            </a:r>
-          </a:p>
-          <a:p>
-            <a:pPr marL="514350" indent="-514350" algn="l">
-              <a:buFont typeface="+mj-lt"/>
-              <a:buAutoNum type="arabicPeriod"/>
-            </a:pPr>
-            <a:r>
-              <a:rPr kumimoji="1" lang="en-US" altLang="ja-JP" dirty="0" smtClean="0">
-                <a:latin typeface="+mj-lt"/>
+              <a:t>6</a:t>
+            </a:r>
+            <a:endParaRPr lang="en-IN" sz="1200" dirty="0">
+              <a:solidFill>
+                <a:srgbClr val="FF0000"/>
+              </a:solidFill>
+              <a:latin typeface="Arial" panose="020B0604020202020204" pitchFamily="34" charset="0"/>
+              <a:cs typeface="Arial" panose="020B0604020202020204" pitchFamily="34" charset="0"/>
+            </a:endParaRPr>
+          </a:p>
+        </p:txBody>
+      </p:sp>
+      <p:cxnSp>
+        <p:nvCxnSpPr>
+          <p:cNvPr id="31" name="Shape 19"/>
+          <p:cNvCxnSpPr/>
+          <p:nvPr/>
+        </p:nvCxnSpPr>
+        <p:spPr>
+          <a:xfrm rot="10800000">
+            <a:off x="7740352" y="2204864"/>
+            <a:ext cx="720080" cy="360040"/>
+          </a:xfrm>
+          <a:prstGeom prst="bentConnector3">
+            <a:avLst>
+              <a:gd name="adj1" fmla="val 50000"/>
+            </a:avLst>
+          </a:prstGeom>
+          <a:ln>
+            <a:solidFill>
+              <a:srgbClr val="FF0000"/>
+            </a:solidFill>
+            <a:tailEnd type="arrow"/>
+          </a:ln>
+        </p:spPr>
+        <p:style>
+          <a:lnRef idx="1">
+            <a:schemeClr val="accent1"/>
+          </a:lnRef>
+          <a:fillRef idx="0">
+            <a:schemeClr val="accent1"/>
+          </a:fillRef>
+          <a:effectRef idx="0">
+            <a:schemeClr val="accent1"/>
+          </a:effectRef>
+          <a:fontRef idx="minor">
+            <a:schemeClr val="tx1"/>
+          </a:fontRef>
+        </p:style>
+      </p:cxnSp>
+      <p:sp>
+        <p:nvSpPr>
+          <p:cNvPr id="34" name="Oval 33"/>
+          <p:cNvSpPr/>
+          <p:nvPr/>
+        </p:nvSpPr>
+        <p:spPr>
+          <a:xfrm>
+            <a:off x="8460432" y="2420888"/>
+            <a:ext cx="252008" cy="252008"/>
+          </a:xfrm>
+          <a:prstGeom prst="ellipse">
+            <a:avLst/>
+          </a:prstGeom>
+          <a:noFill/>
+          <a:ln>
+            <a:solidFill>
+              <a:schemeClr val="tx1"/>
+            </a:solidFill>
+          </a:ln>
+        </p:spPr>
+        <p:style>
+          <a:lnRef idx="2">
+            <a:schemeClr val="accent1">
+              <a:shade val="50000"/>
+            </a:schemeClr>
+          </a:lnRef>
+          <a:fillRef idx="1">
+            <a:schemeClr val="accent1"/>
+          </a:fillRef>
+          <a:effectRef idx="0">
+            <a:schemeClr val="accent1"/>
+          </a:effectRef>
+          <a:fontRef idx="minor">
+            <a:schemeClr val="lt1"/>
+          </a:fontRef>
+        </p:style>
+        <p:txBody>
+          <a:bodyPr rtlCol="0" anchor="ctr"/>
+          <a:lstStyle/>
+          <a:p>
+            <a:pPr algn="ctr"/>
+            <a:r>
+              <a:rPr lang="en-US" sz="1200" dirty="0" smtClean="0">
+                <a:solidFill>
+                  <a:srgbClr val="FF0000"/>
+                </a:solidFill>
+                <a:latin typeface="Arial" panose="020B0604020202020204" pitchFamily="34" charset="0"/>
+                <a:cs typeface="Arial" panose="020B0604020202020204" pitchFamily="34" charset="0"/>
               </a:rPr>
-              <a:t>Top button is provided which is on right side of the page.</a:t>
-            </a:r>
-          </a:p>
-          <a:p>
-            <a:pPr marL="514350" indent="-514350" algn="l">
-              <a:buFont typeface="+mj-lt"/>
-              <a:buAutoNum type="arabicPeriod"/>
-            </a:pPr>
-            <a:r>
-              <a:rPr lang="en-US" altLang="ja-JP" dirty="0" smtClean="0">
-                <a:latin typeface="+mj-lt"/>
+              <a:t>7</a:t>
+            </a:r>
+            <a:endParaRPr lang="en-IN" sz="1200" dirty="0">
+              <a:solidFill>
+                <a:srgbClr val="FF0000"/>
+              </a:solidFill>
+              <a:latin typeface="Arial" panose="020B0604020202020204" pitchFamily="34" charset="0"/>
+              <a:cs typeface="Arial" panose="020B0604020202020204" pitchFamily="34" charset="0"/>
+            </a:endParaRPr>
+          </a:p>
+        </p:txBody>
+      </p:sp>
+      <p:cxnSp>
+        <p:nvCxnSpPr>
+          <p:cNvPr id="35" name="Shape 19"/>
+          <p:cNvCxnSpPr/>
+          <p:nvPr/>
+        </p:nvCxnSpPr>
+        <p:spPr>
+          <a:xfrm rot="10800000">
+            <a:off x="5004048" y="2636912"/>
+            <a:ext cx="936104" cy="216024"/>
+          </a:xfrm>
+          <a:prstGeom prst="bentConnector3">
+            <a:avLst>
+              <a:gd name="adj1" fmla="val 50000"/>
+            </a:avLst>
+          </a:prstGeom>
+          <a:ln>
+            <a:solidFill>
+              <a:srgbClr val="FF0000"/>
+            </a:solidFill>
+            <a:tailEnd type="arrow"/>
+          </a:ln>
+        </p:spPr>
+        <p:style>
+          <a:lnRef idx="1">
+            <a:schemeClr val="accent1"/>
+          </a:lnRef>
+          <a:fillRef idx="0">
+            <a:schemeClr val="accent1"/>
+          </a:fillRef>
+          <a:effectRef idx="0">
+            <a:schemeClr val="accent1"/>
+          </a:effectRef>
+          <a:fontRef idx="minor">
+            <a:schemeClr val="tx1"/>
+          </a:fontRef>
+        </p:style>
+      </p:cxnSp>
+      <p:sp>
+        <p:nvSpPr>
+          <p:cNvPr id="37" name="Oval 36"/>
+          <p:cNvSpPr/>
+          <p:nvPr/>
+        </p:nvSpPr>
+        <p:spPr>
+          <a:xfrm>
+            <a:off x="5940152" y="2708920"/>
+            <a:ext cx="252008" cy="252008"/>
+          </a:xfrm>
+          <a:prstGeom prst="ellipse">
+            <a:avLst/>
+          </a:prstGeom>
+          <a:noFill/>
+          <a:ln>
+            <a:solidFill>
+              <a:schemeClr val="tx1"/>
+            </a:solidFill>
+          </a:ln>
+        </p:spPr>
+        <p:style>
+          <a:lnRef idx="2">
+            <a:schemeClr val="accent1">
+              <a:shade val="50000"/>
+            </a:schemeClr>
+          </a:lnRef>
+          <a:fillRef idx="1">
+            <a:schemeClr val="accent1"/>
+          </a:fillRef>
+          <a:effectRef idx="0">
+            <a:schemeClr val="accent1"/>
+          </a:effectRef>
+          <a:fontRef idx="minor">
+            <a:schemeClr val="lt1"/>
+          </a:fontRef>
+        </p:style>
+        <p:txBody>
+          <a:bodyPr rtlCol="0" anchor="ctr"/>
+          <a:lstStyle/>
+          <a:p>
+            <a:pPr algn="ctr"/>
+            <a:r>
+              <a:rPr lang="en-US" sz="1200" dirty="0" smtClean="0">
+                <a:solidFill>
+                  <a:srgbClr val="FF0000"/>
+                </a:solidFill>
+                <a:latin typeface="Arial" panose="020B0604020202020204" pitchFamily="34" charset="0"/>
+                <a:cs typeface="Arial" panose="020B0604020202020204" pitchFamily="34" charset="0"/>
               </a:rPr>
-              <a:t>Log in button is provided with message to receive super deal offers user must login.</a:t>
-            </a:r>
-            <a:endParaRPr kumimoji="1" lang="en-US" altLang="ja-JP" dirty="0" smtClean="0">
-              <a:latin typeface="+mj-lt"/>
+              <a:t>8</a:t>
+            </a:r>
+            <a:endParaRPr lang="en-IN" sz="1200" dirty="0">
+              <a:solidFill>
+                <a:srgbClr val="FF0000"/>
+              </a:solidFill>
+              <a:latin typeface="Arial" panose="020B0604020202020204" pitchFamily="34" charset="0"/>
+              <a:cs typeface="Arial" panose="020B0604020202020204" pitchFamily="34" charset="0"/>
             </a:endParaRPr>
           </a:p>
-          <a:p>
-            <a:pPr marL="514350" indent="-514350" algn="l">
-              <a:buFont typeface="+mj-lt"/>
-              <a:buAutoNum type="arabicPeriod"/>
-            </a:pPr>
-            <a:endParaRPr kumimoji="1" lang="ja-JP" altLang="en-US">
-              <a:latin typeface="+mj-lt"/>
+        </p:txBody>
+      </p:sp>
+      <p:cxnSp>
+        <p:nvCxnSpPr>
+          <p:cNvPr id="38" name="Shape 19"/>
+          <p:cNvCxnSpPr/>
+          <p:nvPr/>
+        </p:nvCxnSpPr>
+        <p:spPr>
+          <a:xfrm rot="10800000">
+            <a:off x="5292080" y="2276872"/>
+            <a:ext cx="1008112" cy="360040"/>
+          </a:xfrm>
+          <a:prstGeom prst="bentConnector3">
+            <a:avLst>
+              <a:gd name="adj1" fmla="val 50000"/>
+            </a:avLst>
+          </a:prstGeom>
+          <a:ln>
+            <a:solidFill>
+              <a:srgbClr val="FF0000"/>
+            </a:solidFill>
+            <a:tailEnd type="arrow"/>
+          </a:ln>
+        </p:spPr>
+        <p:style>
+          <a:lnRef idx="1">
+            <a:schemeClr val="accent1"/>
+          </a:lnRef>
+          <a:fillRef idx="0">
+            <a:schemeClr val="accent1"/>
+          </a:fillRef>
+          <a:effectRef idx="0">
+            <a:schemeClr val="accent1"/>
+          </a:effectRef>
+          <a:fontRef idx="minor">
+            <a:schemeClr val="tx1"/>
+          </a:fontRef>
+        </p:style>
+      </p:cxnSp>
+      <p:sp>
+        <p:nvSpPr>
+          <p:cNvPr id="40" name="Oval 39"/>
+          <p:cNvSpPr/>
+          <p:nvPr/>
+        </p:nvSpPr>
+        <p:spPr>
+          <a:xfrm>
+            <a:off x="6300192" y="2564904"/>
+            <a:ext cx="252008" cy="252008"/>
+          </a:xfrm>
+          <a:prstGeom prst="ellipse">
+            <a:avLst/>
+          </a:prstGeom>
+          <a:noFill/>
+          <a:ln>
+            <a:solidFill>
+              <a:schemeClr val="tx1"/>
+            </a:solidFill>
+          </a:ln>
+        </p:spPr>
+        <p:style>
+          <a:lnRef idx="2">
+            <a:schemeClr val="accent1">
+              <a:shade val="50000"/>
+            </a:schemeClr>
+          </a:lnRef>
+          <a:fillRef idx="1">
+            <a:schemeClr val="accent1"/>
+          </a:fillRef>
+          <a:effectRef idx="0">
+            <a:schemeClr val="accent1"/>
+          </a:effectRef>
+          <a:fontRef idx="minor">
+            <a:schemeClr val="lt1"/>
+          </a:fontRef>
+        </p:style>
+        <p:txBody>
+          <a:bodyPr rtlCol="0" anchor="ctr"/>
+          <a:lstStyle/>
+          <a:p>
+            <a:pPr algn="ctr"/>
+            <a:r>
+              <a:rPr lang="en-US" sz="1200" dirty="0" smtClean="0">
+                <a:solidFill>
+                  <a:srgbClr val="FF0000"/>
+                </a:solidFill>
+                <a:latin typeface="Arial" panose="020B0604020202020204" pitchFamily="34" charset="0"/>
+                <a:cs typeface="Arial" panose="020B0604020202020204" pitchFamily="34" charset="0"/>
+              </a:rPr>
+              <a:t>9</a:t>
+            </a:r>
+            <a:endParaRPr lang="en-IN" sz="1200" dirty="0">
+              <a:solidFill>
+                <a:srgbClr val="FF0000"/>
+              </a:solidFill>
+              <a:latin typeface="Arial" panose="020B0604020202020204" pitchFamily="34" charset="0"/>
+              <a:cs typeface="Arial" panose="020B0604020202020204" pitchFamily="34" charset="0"/>
             </a:endParaRPr>
           </a:p>
         </p:txBody>
@@ -6172,6 +6082,37 @@
       </p:grpSpPr>
       <p:sp>
         <p:nvSpPr>
+          <p:cNvPr id="2" name="Title 1"/>
+          <p:cNvSpPr>
+            <a:spLocks noGrp="1"/>
+          </p:cNvSpPr>
+          <p:nvPr>
+            <p:ph type="ctrTitle"/>
+          </p:nvPr>
+        </p:nvSpPr>
+        <p:spPr>
+          <a:xfrm>
+            <a:off x="0" y="1371600"/>
+            <a:ext cx="9144000" cy="905272"/>
+          </a:xfrm>
+        </p:spPr>
+        <p:txBody>
+          <a:bodyPr>
+            <a:normAutofit/>
+          </a:bodyPr>
+          <a:lstStyle/>
+          <a:p>
+            <a:pPr algn="l"/>
+            <a:r>
+              <a:rPr kumimoji="1" lang="en-US" altLang="ja-JP" sz="4800" dirty="0" smtClean="0"/>
+              <a:t>What looks good in Super deal page</a:t>
+            </a:r>
+            <a:endParaRPr kumimoji="1" lang="ja-JP" altLang="en-US" sz="4800"/>
+          </a:p>
+        </p:txBody>
+      </p:sp>
+      <p:sp>
+        <p:nvSpPr>
           <p:cNvPr id="3" name="Subtitle 2"/>
           <p:cNvSpPr>
             <a:spLocks noGrp="1"/>
@@ -6182,60 +6123,108 @@
         </p:nvSpPr>
         <p:spPr>
           <a:xfrm>
-            <a:off x="533400" y="692696"/>
-            <a:ext cx="7854696" cy="5112568"/>
+            <a:off x="395536" y="2348880"/>
+            <a:ext cx="8352928" cy="4176464"/>
           </a:xfrm>
         </p:spPr>
         <p:txBody>
           <a:bodyPr>
-            <a:normAutofit/>
+            <a:normAutofit lnSpcReduction="10000"/>
           </a:bodyPr>
           <a:lstStyle/>
           <a:p>
-            <a:pPr marL="457200" indent="-457200" algn="l">
+            <a:pPr marL="514350" indent="-514350" algn="l">
               <a:buFont typeface="+mj-lt"/>
-              <a:buAutoNum type="arabicPeriod" startAt="7"/>
+              <a:buAutoNum type="arabicPeriod"/>
             </a:pPr>
             <a:r>
-              <a:rPr lang="en-US" altLang="ja-JP" sz="2400" dirty="0" smtClean="0">
+              <a:rPr lang="en-US" altLang="ja-JP" dirty="0" smtClean="0">
                 <a:latin typeface="+mj-lt"/>
               </a:rPr>
-              <a:t>When clicked on button popup is displayed with what are the current deals or shout out deals.</a:t>
-            </a:r>
-          </a:p>
-          <a:p>
-            <a:pPr marL="457200" indent="-457200" algn="l">
+              <a:t>Search tab is provided to search specific product</a:t>
+            </a:r>
+          </a:p>
+          <a:p>
+            <a:pPr marL="514350" indent="-514350" algn="l">
               <a:buFont typeface="+mj-lt"/>
-              <a:buAutoNum type="arabicPeriod" startAt="7"/>
+              <a:buAutoNum type="arabicPeriod"/>
             </a:pPr>
             <a:r>
-              <a:rPr kumimoji="1" lang="en-US" altLang="ja-JP" sz="2400" dirty="0" smtClean="0">
+              <a:rPr kumimoji="1" lang="en-US" altLang="ja-JP" dirty="0" smtClean="0">
                 <a:latin typeface="+mj-lt"/>
               </a:rPr>
-              <a:t>Filter tabs are given of different popular brands such as Nike,etc.</a:t>
-            </a:r>
-          </a:p>
-          <a:p>
-            <a:pPr marL="457200" indent="-457200" algn="l">
-              <a:buFont typeface="+mj-lt"/>
-              <a:buAutoNum type="arabicPeriod" startAt="7"/>
-            </a:pPr>
-            <a:r>
-              <a:rPr lang="en-US" altLang="ja-JP" sz="2400" dirty="0" smtClean="0">
+              <a:t>In this section deals </a:t>
+            </a:r>
+            <a:r>
+              <a:rPr lang="en-US" altLang="ja-JP" dirty="0" smtClean="0">
                 <a:latin typeface="+mj-lt"/>
               </a:rPr>
-              <a:t>When clicked on this button the items which are available for 24 hrs only are displayed</a:t>
-            </a:r>
-            <a:endParaRPr kumimoji="1" lang="en-US" altLang="ja-JP" sz="2400" dirty="0" smtClean="0">
+              <a:t>links about </a:t>
+            </a:r>
+            <a:r>
+              <a:rPr kumimoji="1" lang="en-US" altLang="ja-JP" dirty="0" smtClean="0">
+                <a:latin typeface="+mj-lt"/>
+              </a:rPr>
+              <a:t>available deals, deals available with free shipping and different categories are displayed.</a:t>
+            </a:r>
+          </a:p>
+          <a:p>
+            <a:pPr marL="514350" indent="-514350" algn="l">
+              <a:buFont typeface="+mj-lt"/>
+              <a:buAutoNum type="arabicPeriod"/>
+            </a:pPr>
+            <a:r>
+              <a:rPr kumimoji="1" lang="en-US" altLang="ja-JP" dirty="0" smtClean="0">
+                <a:latin typeface="+mj-lt"/>
+              </a:rPr>
+              <a:t>The time and date is displayed when deal will end.</a:t>
+            </a:r>
+          </a:p>
+          <a:p>
+            <a:pPr marL="514350" indent="-514350" algn="l">
+              <a:buFont typeface="+mj-lt"/>
+              <a:buAutoNum type="arabicPeriod"/>
+            </a:pPr>
+            <a:r>
+              <a:rPr kumimoji="1" lang="en-US" altLang="ja-JP" dirty="0" smtClean="0">
+                <a:latin typeface="+mj-lt"/>
+              </a:rPr>
+              <a:t> Cost of the product and discount available is mentioned with product.</a:t>
+            </a:r>
+          </a:p>
+          <a:p>
+            <a:pPr marL="514350" indent="-514350" algn="l">
+              <a:buFont typeface="+mj-lt"/>
+              <a:buAutoNum type="arabicPeriod"/>
+            </a:pPr>
+            <a:r>
+              <a:rPr kumimoji="1" lang="en-US" altLang="ja-JP" dirty="0" smtClean="0">
+                <a:latin typeface="+mj-lt"/>
+              </a:rPr>
+              <a:t>Top button is provided which is on right side of the page.</a:t>
+            </a:r>
+          </a:p>
+          <a:p>
+            <a:pPr marL="514350" indent="-514350" algn="l">
+              <a:buFont typeface="+mj-lt"/>
+              <a:buAutoNum type="arabicPeriod"/>
+            </a:pPr>
+            <a:r>
+              <a:rPr lang="en-US" altLang="ja-JP" dirty="0" smtClean="0">
+                <a:latin typeface="+mj-lt"/>
+              </a:rPr>
+              <a:t>Log in button is provided with message to receive super deal offers user must login.</a:t>
+            </a:r>
+            <a:endParaRPr kumimoji="1" lang="en-US" altLang="ja-JP" dirty="0" smtClean="0">
               <a:latin typeface="+mj-lt"/>
             </a:endParaRPr>
           </a:p>
           <a:p>
-            <a:pPr marL="457200" indent="-457200" algn="l">
+            <a:pPr marL="514350" indent="-514350" algn="l">
               <a:buFont typeface="+mj-lt"/>
-              <a:buAutoNum type="arabicPeriod" startAt="7"/>
+              <a:buAutoNum type="arabicPeriod"/>
             </a:pPr>
-            <a:endParaRPr kumimoji="1" lang="ja-JP" altLang="en-US" sz="2400">
+            <a:endParaRPr kumimoji="1" lang="ja-JP" altLang="en-US">
               <a:latin typeface="+mj-lt"/>
             </a:endParaRPr>
           </a:p>
@@ -6266,634 +6255,73 @@
           <a:chExt cx="0" cy="0"/>
         </a:xfrm>
       </p:grpSpPr>
-      <p:pic>
-        <p:nvPicPr>
-          <p:cNvPr id="7171" name="Picture 3"/>
-          <p:cNvPicPr>
-            <a:picLocks noChangeAspect="1" noChangeArrowheads="1"/>
-          </p:cNvPicPr>
-          <p:nvPr/>
-        </p:nvPicPr>
-        <p:blipFill>
-          <a:blip r:embed="rId2" cstate="print"/>
-          <a:srcRect/>
-          <a:stretch>
-            <a:fillRect/>
-          </a:stretch>
-        </p:blipFill>
-        <p:spPr bwMode="auto">
+      <p:sp>
+        <p:nvSpPr>
+          <p:cNvPr id="3" name="Subtitle 2"/>
+          <p:cNvSpPr>
+            <a:spLocks noGrp="1"/>
+          </p:cNvSpPr>
+          <p:nvPr>
+            <p:ph type="subTitle" idx="1"/>
+          </p:nvPr>
+        </p:nvSpPr>
+        <p:spPr>
           <a:xfrm>
-            <a:off x="1" y="290513"/>
-            <a:ext cx="9144000" cy="6567487"/>
-          </a:xfrm>
-          <a:prstGeom prst="rect">
-            <a:avLst/>
-          </a:prstGeom>
-          <a:noFill/>
-          <a:ln w="9525">
-            <a:noFill/>
-            <a:miter lim="800000"/>
-            <a:headEnd/>
-            <a:tailEnd/>
-          </a:ln>
-        </p:spPr>
-      </p:pic>
-      <p:cxnSp>
-        <p:nvCxnSpPr>
-          <p:cNvPr id="4" name="Shape 19"/>
-          <p:cNvCxnSpPr/>
-          <p:nvPr/>
-        </p:nvCxnSpPr>
-        <p:spPr>
-          <a:xfrm rot="5400000" flipH="1" flipV="1">
-            <a:off x="-396552" y="1556792"/>
-            <a:ext cx="1512168" cy="216024"/>
-          </a:xfrm>
-          <a:prstGeom prst="bentConnector3">
-            <a:avLst>
-              <a:gd name="adj1" fmla="val 50000"/>
-            </a:avLst>
-          </a:prstGeom>
-          <a:ln>
-            <a:solidFill>
-              <a:srgbClr val="FF0000"/>
-            </a:solidFill>
-            <a:tailEnd type="arrow"/>
-          </a:ln>
-        </p:spPr>
-        <p:style>
-          <a:lnRef idx="1">
-            <a:schemeClr val="accent1"/>
-          </a:lnRef>
-          <a:fillRef idx="0">
-            <a:schemeClr val="accent1"/>
-          </a:fillRef>
-          <a:effectRef idx="0">
-            <a:schemeClr val="accent1"/>
-          </a:effectRef>
-          <a:fontRef idx="minor">
-            <a:schemeClr val="tx1"/>
-          </a:fontRef>
-        </p:style>
-      </p:cxnSp>
-      <p:sp>
-        <p:nvSpPr>
-          <p:cNvPr id="10" name="Oval 9"/>
-          <p:cNvSpPr/>
-          <p:nvPr/>
-        </p:nvSpPr>
-        <p:spPr>
-          <a:xfrm>
-            <a:off x="179512" y="2420888"/>
-            <a:ext cx="252008" cy="252008"/>
-          </a:xfrm>
-          <a:prstGeom prst="ellipse">
-            <a:avLst/>
-          </a:prstGeom>
-          <a:noFill/>
-          <a:ln>
-            <a:solidFill>
-              <a:schemeClr val="tx1"/>
-            </a:solidFill>
-          </a:ln>
-        </p:spPr>
-        <p:style>
-          <a:lnRef idx="2">
-            <a:schemeClr val="accent1">
-              <a:shade val="50000"/>
-            </a:schemeClr>
-          </a:lnRef>
-          <a:fillRef idx="1">
-            <a:schemeClr val="accent1"/>
-          </a:fillRef>
-          <a:effectRef idx="0">
-            <a:schemeClr val="accent1"/>
-          </a:effectRef>
-          <a:fontRef idx="minor">
-            <a:schemeClr val="lt1"/>
-          </a:fontRef>
-        </p:style>
-        <p:txBody>
-          <a:bodyPr rtlCol="0" anchor="ctr"/>
-          <a:lstStyle/>
-          <a:p>
-            <a:pPr algn="ctr"/>
-            <a:r>
-              <a:rPr lang="en-US" sz="1200" dirty="0" smtClean="0">
-                <a:solidFill>
-                  <a:srgbClr val="FF0000"/>
-                </a:solidFill>
-                <a:latin typeface="Arial" panose="020B0604020202020204" pitchFamily="34" charset="0"/>
-                <a:cs typeface="Arial" panose="020B0604020202020204" pitchFamily="34" charset="0"/>
+            <a:off x="533400" y="692696"/>
+            <a:ext cx="7854696" cy="5112568"/>
+          </a:xfrm>
+        </p:spPr>
+        <p:txBody>
+          <a:bodyPr>
+            <a:normAutofit/>
+          </a:bodyPr>
+          <a:lstStyle/>
+          <a:p>
+            <a:pPr marL="457200" indent="-457200" algn="l">
+              <a:buFont typeface="+mj-lt"/>
+              <a:buAutoNum type="arabicPeriod" startAt="7"/>
+            </a:pPr>
+            <a:r>
+              <a:rPr lang="en-US" altLang="ja-JP" sz="2400" dirty="0" smtClean="0">
+                <a:latin typeface="+mj-lt"/>
               </a:rPr>
-              <a:t>1</a:t>
-            </a:r>
-            <a:endParaRPr lang="en-IN" sz="1200" dirty="0">
-              <a:solidFill>
-                <a:srgbClr val="FF0000"/>
-              </a:solidFill>
-              <a:latin typeface="Arial" panose="020B0604020202020204" pitchFamily="34" charset="0"/>
-              <a:cs typeface="Arial" panose="020B0604020202020204" pitchFamily="34" charset="0"/>
+              <a:t>When clicked on button popup is displayed with what are the current deals or shout out deals.</a:t>
+            </a:r>
+          </a:p>
+          <a:p>
+            <a:pPr marL="457200" indent="-457200" algn="l">
+              <a:buFont typeface="+mj-lt"/>
+              <a:buAutoNum type="arabicPeriod" startAt="7"/>
+            </a:pPr>
+            <a:r>
+              <a:rPr kumimoji="1" lang="en-US" altLang="ja-JP" sz="2400" dirty="0" smtClean="0">
+                <a:latin typeface="+mj-lt"/>
+              </a:rPr>
+              <a:t>Filter tabs are given of different popular brands such as Nike,etc.</a:t>
+            </a:r>
+          </a:p>
+          <a:p>
+            <a:pPr marL="457200" indent="-457200" algn="l">
+              <a:buFont typeface="+mj-lt"/>
+              <a:buAutoNum type="arabicPeriod" startAt="7"/>
+            </a:pPr>
+            <a:r>
+              <a:rPr lang="en-US" altLang="ja-JP" sz="2400" dirty="0" smtClean="0">
+                <a:latin typeface="+mj-lt"/>
+              </a:rPr>
+              <a:t>When clicked on this button the items which are available for 24 hrs only are displayed</a:t>
+            </a:r>
+            <a:endParaRPr kumimoji="1" lang="en-US" altLang="ja-JP" sz="2400" dirty="0" smtClean="0">
+              <a:latin typeface="+mj-lt"/>
             </a:endParaRPr>
           </a:p>
-        </p:txBody>
-      </p:sp>
-      <p:cxnSp>
-        <p:nvCxnSpPr>
-          <p:cNvPr id="11" name="Shape 19"/>
-          <p:cNvCxnSpPr/>
-          <p:nvPr/>
-        </p:nvCxnSpPr>
-        <p:spPr>
-          <a:xfrm rot="10800000" flipV="1">
-            <a:off x="8172400" y="3284984"/>
-            <a:ext cx="720080" cy="216024"/>
-          </a:xfrm>
-          <a:prstGeom prst="bentConnector3">
-            <a:avLst>
-              <a:gd name="adj1" fmla="val 50000"/>
-            </a:avLst>
-          </a:prstGeom>
-          <a:ln>
-            <a:solidFill>
-              <a:srgbClr val="FF0000"/>
-            </a:solidFill>
-            <a:tailEnd type="arrow"/>
-          </a:ln>
-        </p:spPr>
-        <p:style>
-          <a:lnRef idx="1">
-            <a:schemeClr val="accent1"/>
-          </a:lnRef>
-          <a:fillRef idx="0">
-            <a:schemeClr val="accent1"/>
-          </a:fillRef>
-          <a:effectRef idx="0">
-            <a:schemeClr val="accent1"/>
-          </a:effectRef>
-          <a:fontRef idx="minor">
-            <a:schemeClr val="tx1"/>
-          </a:fontRef>
-        </p:style>
-      </p:cxnSp>
-      <p:sp>
-        <p:nvSpPr>
-          <p:cNvPr id="15" name="Oval 14"/>
-          <p:cNvSpPr/>
-          <p:nvPr/>
-        </p:nvSpPr>
-        <p:spPr>
-          <a:xfrm>
-            <a:off x="8891992" y="3140968"/>
-            <a:ext cx="252008" cy="252008"/>
-          </a:xfrm>
-          <a:prstGeom prst="ellipse">
-            <a:avLst/>
-          </a:prstGeom>
-          <a:noFill/>
-          <a:ln>
-            <a:solidFill>
-              <a:schemeClr val="tx1"/>
-            </a:solidFill>
-          </a:ln>
-        </p:spPr>
-        <p:style>
-          <a:lnRef idx="2">
-            <a:schemeClr val="accent1">
-              <a:shade val="50000"/>
-            </a:schemeClr>
-          </a:lnRef>
-          <a:fillRef idx="1">
-            <a:schemeClr val="accent1"/>
-          </a:fillRef>
-          <a:effectRef idx="0">
-            <a:schemeClr val="accent1"/>
-          </a:effectRef>
-          <a:fontRef idx="minor">
-            <a:schemeClr val="lt1"/>
-          </a:fontRef>
-        </p:style>
-        <p:txBody>
-          <a:bodyPr rtlCol="0" anchor="ctr"/>
-          <a:lstStyle/>
-          <a:p>
-            <a:pPr algn="ctr"/>
-            <a:r>
-              <a:rPr lang="en-US" sz="1200" dirty="0" smtClean="0">
-                <a:solidFill>
-                  <a:srgbClr val="FF0000"/>
-                </a:solidFill>
-                <a:latin typeface="Arial" panose="020B0604020202020204" pitchFamily="34" charset="0"/>
-                <a:cs typeface="Arial" panose="020B0604020202020204" pitchFamily="34" charset="0"/>
-              </a:rPr>
-              <a:t>2</a:t>
-            </a:r>
-            <a:endParaRPr lang="en-IN" sz="1200" dirty="0">
-              <a:solidFill>
-                <a:srgbClr val="FF0000"/>
-              </a:solidFill>
-              <a:latin typeface="Arial" panose="020B0604020202020204" pitchFamily="34" charset="0"/>
-              <a:cs typeface="Arial" panose="020B0604020202020204" pitchFamily="34" charset="0"/>
-            </a:endParaRPr>
-          </a:p>
-        </p:txBody>
-      </p:sp>
-      <p:cxnSp>
-        <p:nvCxnSpPr>
-          <p:cNvPr id="16" name="Shape 19"/>
-          <p:cNvCxnSpPr/>
-          <p:nvPr/>
-        </p:nvCxnSpPr>
-        <p:spPr>
-          <a:xfrm>
-            <a:off x="323528" y="4149080"/>
-            <a:ext cx="1008112" cy="288032"/>
-          </a:xfrm>
-          <a:prstGeom prst="bentConnector3">
-            <a:avLst>
-              <a:gd name="adj1" fmla="val 50000"/>
-            </a:avLst>
-          </a:prstGeom>
-          <a:ln>
-            <a:solidFill>
-              <a:srgbClr val="FF0000"/>
-            </a:solidFill>
-            <a:tailEnd type="arrow"/>
-          </a:ln>
-        </p:spPr>
-        <p:style>
-          <a:lnRef idx="1">
-            <a:schemeClr val="accent1"/>
-          </a:lnRef>
-          <a:fillRef idx="0">
-            <a:schemeClr val="accent1"/>
-          </a:fillRef>
-          <a:effectRef idx="0">
-            <a:schemeClr val="accent1"/>
-          </a:effectRef>
-          <a:fontRef idx="minor">
-            <a:schemeClr val="tx1"/>
-          </a:fontRef>
-        </p:style>
-      </p:cxnSp>
-      <p:sp>
-        <p:nvSpPr>
-          <p:cNvPr id="19" name="Oval 18"/>
-          <p:cNvSpPr/>
-          <p:nvPr/>
-        </p:nvSpPr>
-        <p:spPr>
-          <a:xfrm>
-            <a:off x="107504" y="4005064"/>
-            <a:ext cx="252008" cy="252008"/>
-          </a:xfrm>
-          <a:prstGeom prst="ellipse">
-            <a:avLst/>
-          </a:prstGeom>
-          <a:noFill/>
-          <a:ln>
-            <a:solidFill>
-              <a:schemeClr val="tx1"/>
-            </a:solidFill>
-          </a:ln>
-        </p:spPr>
-        <p:style>
-          <a:lnRef idx="2">
-            <a:schemeClr val="accent1">
-              <a:shade val="50000"/>
-            </a:schemeClr>
-          </a:lnRef>
-          <a:fillRef idx="1">
-            <a:schemeClr val="accent1"/>
-          </a:fillRef>
-          <a:effectRef idx="0">
-            <a:schemeClr val="accent1"/>
-          </a:effectRef>
-          <a:fontRef idx="minor">
-            <a:schemeClr val="lt1"/>
-          </a:fontRef>
-        </p:style>
-        <p:txBody>
-          <a:bodyPr rtlCol="0" anchor="ctr"/>
-          <a:lstStyle/>
-          <a:p>
-            <a:pPr algn="ctr"/>
-            <a:r>
-              <a:rPr lang="en-US" sz="1200" dirty="0" smtClean="0">
-                <a:solidFill>
-                  <a:srgbClr val="FF0000"/>
-                </a:solidFill>
-                <a:latin typeface="Arial" panose="020B0604020202020204" pitchFamily="34" charset="0"/>
-                <a:cs typeface="Arial" panose="020B0604020202020204" pitchFamily="34" charset="0"/>
-              </a:rPr>
-              <a:t>3</a:t>
-            </a:r>
-            <a:endParaRPr lang="en-IN" sz="1200" dirty="0">
-              <a:solidFill>
-                <a:srgbClr val="FF0000"/>
-              </a:solidFill>
-              <a:latin typeface="Arial" panose="020B0604020202020204" pitchFamily="34" charset="0"/>
-              <a:cs typeface="Arial" panose="020B0604020202020204" pitchFamily="34" charset="0"/>
-            </a:endParaRPr>
-          </a:p>
-        </p:txBody>
-      </p:sp>
-      <p:cxnSp>
-        <p:nvCxnSpPr>
-          <p:cNvPr id="20" name="Shape 19"/>
-          <p:cNvCxnSpPr/>
-          <p:nvPr/>
-        </p:nvCxnSpPr>
-        <p:spPr>
-          <a:xfrm rot="10800000">
-            <a:off x="1331640" y="1700808"/>
-            <a:ext cx="1872208" cy="648072"/>
-          </a:xfrm>
-          <a:prstGeom prst="bentConnector3">
-            <a:avLst>
-              <a:gd name="adj1" fmla="val 50000"/>
-            </a:avLst>
-          </a:prstGeom>
-          <a:ln>
-            <a:solidFill>
-              <a:srgbClr val="FF0000"/>
-            </a:solidFill>
-            <a:tailEnd type="arrow"/>
-          </a:ln>
-        </p:spPr>
-        <p:style>
-          <a:lnRef idx="1">
-            <a:schemeClr val="accent1"/>
-          </a:lnRef>
-          <a:fillRef idx="0">
-            <a:schemeClr val="accent1"/>
-          </a:fillRef>
-          <a:effectRef idx="0">
-            <a:schemeClr val="accent1"/>
-          </a:effectRef>
-          <a:fontRef idx="minor">
-            <a:schemeClr val="tx1"/>
-          </a:fontRef>
-        </p:style>
-      </p:cxnSp>
-      <p:sp>
-        <p:nvSpPr>
-          <p:cNvPr id="22" name="Oval 21"/>
-          <p:cNvSpPr/>
-          <p:nvPr/>
-        </p:nvSpPr>
-        <p:spPr>
-          <a:xfrm>
-            <a:off x="3203848" y="2204864"/>
-            <a:ext cx="252008" cy="252008"/>
-          </a:xfrm>
-          <a:prstGeom prst="ellipse">
-            <a:avLst/>
-          </a:prstGeom>
-          <a:noFill/>
-          <a:ln>
-            <a:solidFill>
-              <a:schemeClr val="tx1"/>
-            </a:solidFill>
-          </a:ln>
-        </p:spPr>
-        <p:style>
-          <a:lnRef idx="2">
-            <a:schemeClr val="accent1">
-              <a:shade val="50000"/>
-            </a:schemeClr>
-          </a:lnRef>
-          <a:fillRef idx="1">
-            <a:schemeClr val="accent1"/>
-          </a:fillRef>
-          <a:effectRef idx="0">
-            <a:schemeClr val="accent1"/>
-          </a:effectRef>
-          <a:fontRef idx="minor">
-            <a:schemeClr val="lt1"/>
-          </a:fontRef>
-        </p:style>
-        <p:txBody>
-          <a:bodyPr rtlCol="0" anchor="ctr"/>
-          <a:lstStyle/>
-          <a:p>
-            <a:pPr algn="ctr"/>
-            <a:r>
-              <a:rPr lang="en-US" sz="1200" dirty="0" smtClean="0">
-                <a:solidFill>
-                  <a:srgbClr val="FF0000"/>
-                </a:solidFill>
-                <a:latin typeface="Arial" panose="020B0604020202020204" pitchFamily="34" charset="0"/>
-                <a:cs typeface="Arial" panose="020B0604020202020204" pitchFamily="34" charset="0"/>
-              </a:rPr>
-              <a:t>4</a:t>
-            </a:r>
-            <a:endParaRPr lang="en-IN" sz="1200" dirty="0">
-              <a:solidFill>
-                <a:srgbClr val="FF0000"/>
-              </a:solidFill>
-              <a:latin typeface="Arial" panose="020B0604020202020204" pitchFamily="34" charset="0"/>
-              <a:cs typeface="Arial" panose="020B0604020202020204" pitchFamily="34" charset="0"/>
-            </a:endParaRPr>
-          </a:p>
-        </p:txBody>
-      </p:sp>
-      <p:cxnSp>
-        <p:nvCxnSpPr>
-          <p:cNvPr id="23" name="Shape 19"/>
-          <p:cNvCxnSpPr/>
-          <p:nvPr/>
-        </p:nvCxnSpPr>
-        <p:spPr>
-          <a:xfrm flipV="1">
-            <a:off x="6156176" y="5739606"/>
-            <a:ext cx="1086470" cy="497706"/>
-          </a:xfrm>
-          <a:prstGeom prst="bentConnector3">
-            <a:avLst>
-              <a:gd name="adj1" fmla="val 50000"/>
-            </a:avLst>
-          </a:prstGeom>
-          <a:ln>
-            <a:solidFill>
-              <a:srgbClr val="FF0000"/>
-            </a:solidFill>
-            <a:tailEnd type="arrow"/>
-          </a:ln>
-        </p:spPr>
-        <p:style>
-          <a:lnRef idx="1">
-            <a:schemeClr val="accent1"/>
-          </a:lnRef>
-          <a:fillRef idx="0">
-            <a:schemeClr val="accent1"/>
-          </a:fillRef>
-          <a:effectRef idx="0">
-            <a:schemeClr val="accent1"/>
-          </a:effectRef>
-          <a:fontRef idx="minor">
-            <a:schemeClr val="tx1"/>
-          </a:fontRef>
-        </p:style>
-      </p:cxnSp>
-      <p:sp>
-        <p:nvSpPr>
-          <p:cNvPr id="26" name="Oval 25"/>
-          <p:cNvSpPr/>
-          <p:nvPr/>
-        </p:nvSpPr>
-        <p:spPr>
-          <a:xfrm>
-            <a:off x="5940152" y="6093296"/>
-            <a:ext cx="252008" cy="252008"/>
-          </a:xfrm>
-          <a:prstGeom prst="ellipse">
-            <a:avLst/>
-          </a:prstGeom>
-          <a:noFill/>
-          <a:ln>
-            <a:solidFill>
-              <a:schemeClr val="tx1"/>
-            </a:solidFill>
-          </a:ln>
-        </p:spPr>
-        <p:style>
-          <a:lnRef idx="2">
-            <a:schemeClr val="accent1">
-              <a:shade val="50000"/>
-            </a:schemeClr>
-          </a:lnRef>
-          <a:fillRef idx="1">
-            <a:schemeClr val="accent1"/>
-          </a:fillRef>
-          <a:effectRef idx="0">
-            <a:schemeClr val="accent1"/>
-          </a:effectRef>
-          <a:fontRef idx="minor">
-            <a:schemeClr val="lt1"/>
-          </a:fontRef>
-        </p:style>
-        <p:txBody>
-          <a:bodyPr rtlCol="0" anchor="ctr"/>
-          <a:lstStyle/>
-          <a:p>
-            <a:pPr algn="ctr"/>
-            <a:r>
-              <a:rPr lang="en-US" sz="1200" dirty="0" smtClean="0">
-                <a:solidFill>
-                  <a:srgbClr val="FF0000"/>
-                </a:solidFill>
-                <a:latin typeface="Arial" panose="020B0604020202020204" pitchFamily="34" charset="0"/>
-                <a:cs typeface="Arial" panose="020B0604020202020204" pitchFamily="34" charset="0"/>
-              </a:rPr>
-              <a:t>5</a:t>
-            </a:r>
-            <a:endParaRPr lang="en-IN" sz="1200" dirty="0">
-              <a:solidFill>
-                <a:srgbClr val="FF0000"/>
-              </a:solidFill>
-              <a:latin typeface="Arial" panose="020B0604020202020204" pitchFamily="34" charset="0"/>
-              <a:cs typeface="Arial" panose="020B0604020202020204" pitchFamily="34" charset="0"/>
-            </a:endParaRPr>
-          </a:p>
-        </p:txBody>
-      </p:sp>
-      <p:cxnSp>
-        <p:nvCxnSpPr>
-          <p:cNvPr id="27" name="Shape 19"/>
-          <p:cNvCxnSpPr/>
-          <p:nvPr/>
-        </p:nvCxnSpPr>
-        <p:spPr>
-          <a:xfrm rot="10800000">
-            <a:off x="4572000" y="6237312"/>
-            <a:ext cx="1728192" cy="360040"/>
-          </a:xfrm>
-          <a:prstGeom prst="bentConnector3">
-            <a:avLst>
-              <a:gd name="adj1" fmla="val 50000"/>
-            </a:avLst>
-          </a:prstGeom>
-          <a:ln>
-            <a:solidFill>
-              <a:srgbClr val="FF0000"/>
-            </a:solidFill>
-            <a:tailEnd type="arrow"/>
-          </a:ln>
-        </p:spPr>
-        <p:style>
-          <a:lnRef idx="1">
-            <a:schemeClr val="accent1"/>
-          </a:lnRef>
-          <a:fillRef idx="0">
-            <a:schemeClr val="accent1"/>
-          </a:fillRef>
-          <a:effectRef idx="0">
-            <a:schemeClr val="accent1"/>
-          </a:effectRef>
-          <a:fontRef idx="minor">
-            <a:schemeClr val="tx1"/>
-          </a:fontRef>
-        </p:style>
-      </p:cxnSp>
-      <p:sp>
-        <p:nvSpPr>
-          <p:cNvPr id="30" name="Oval 29"/>
-          <p:cNvSpPr/>
-          <p:nvPr/>
-        </p:nvSpPr>
-        <p:spPr>
-          <a:xfrm>
-            <a:off x="6300192" y="6453336"/>
-            <a:ext cx="252008" cy="252008"/>
-          </a:xfrm>
-          <a:prstGeom prst="ellipse">
-            <a:avLst/>
-          </a:prstGeom>
-          <a:noFill/>
-          <a:ln>
-            <a:solidFill>
-              <a:schemeClr val="tx1"/>
-            </a:solidFill>
-          </a:ln>
-        </p:spPr>
-        <p:style>
-          <a:lnRef idx="2">
-            <a:schemeClr val="accent1">
-              <a:shade val="50000"/>
-            </a:schemeClr>
-          </a:lnRef>
-          <a:fillRef idx="1">
-            <a:schemeClr val="accent1"/>
-          </a:fillRef>
-          <a:effectRef idx="0">
-            <a:schemeClr val="accent1"/>
-          </a:effectRef>
-          <a:fontRef idx="minor">
-            <a:schemeClr val="lt1"/>
-          </a:fontRef>
-        </p:style>
-        <p:txBody>
-          <a:bodyPr rtlCol="0" anchor="ctr"/>
-          <a:lstStyle/>
-          <a:p>
-            <a:pPr algn="ctr"/>
-            <a:r>
-              <a:rPr lang="en-US" sz="1200" dirty="0" smtClean="0">
-                <a:solidFill>
-                  <a:srgbClr val="FF0000"/>
-                </a:solidFill>
-                <a:latin typeface="Arial" panose="020B0604020202020204" pitchFamily="34" charset="0"/>
-                <a:cs typeface="Arial" panose="020B0604020202020204" pitchFamily="34" charset="0"/>
-              </a:rPr>
-              <a:t>6</a:t>
-            </a:r>
-            <a:endParaRPr lang="en-IN" sz="1200" dirty="0">
-              <a:solidFill>
-                <a:srgbClr val="FF0000"/>
-              </a:solidFill>
-              <a:latin typeface="Arial" panose="020B0604020202020204" pitchFamily="34" charset="0"/>
-              <a:cs typeface="Arial" panose="020B0604020202020204" pitchFamily="34" charset="0"/>
+          <a:p>
+            <a:pPr marL="457200" indent="-457200" algn="l">
+              <a:buFont typeface="+mj-lt"/>
+              <a:buAutoNum type="arabicPeriod" startAt="7"/>
+            </a:pPr>
+            <a:endParaRPr kumimoji="1" lang="ja-JP" altLang="en-US" sz="2400">
+              <a:latin typeface="+mj-lt"/>
             </a:endParaRPr>
           </a:p>
         </p:txBody>
@@ -6923,129 +6351,635 @@
           <a:chExt cx="0" cy="0"/>
         </a:xfrm>
       </p:grpSpPr>
-      <p:sp>
-        <p:nvSpPr>
-          <p:cNvPr id="2" name="Title 1"/>
-          <p:cNvSpPr>
-            <a:spLocks noGrp="1"/>
-          </p:cNvSpPr>
-          <p:nvPr>
-            <p:ph type="ctrTitle"/>
-          </p:nvPr>
-        </p:nvSpPr>
-        <p:spPr>
+      <p:pic>
+        <p:nvPicPr>
+          <p:cNvPr id="7171" name="Picture 3"/>
+          <p:cNvPicPr>
+            <a:picLocks noChangeAspect="1" noChangeArrowheads="1"/>
+          </p:cNvPicPr>
+          <p:nvPr/>
+        </p:nvPicPr>
+        <p:blipFill>
+          <a:blip r:embed="rId2" cstate="print"/>
+          <a:srcRect/>
+          <a:stretch>
+            <a:fillRect/>
+          </a:stretch>
+        </p:blipFill>
+        <p:spPr bwMode="auto">
           <a:xfrm>
-            <a:off x="539552" y="188640"/>
-            <a:ext cx="8280920" cy="792088"/>
-          </a:xfrm>
-        </p:spPr>
-        <p:txBody>
-          <a:bodyPr>
-            <a:normAutofit fontScale="90000"/>
-          </a:bodyPr>
+            <a:off x="1" y="290513"/>
+            <a:ext cx="9144000" cy="6567487"/>
+          </a:xfrm>
+          <a:prstGeom prst="rect">
+            <a:avLst/>
+          </a:prstGeom>
+          <a:noFill/>
+          <a:ln w="9525">
+            <a:noFill/>
+            <a:miter lim="800000"/>
+            <a:headEnd/>
+            <a:tailEnd/>
+          </a:ln>
+        </p:spPr>
+      </p:pic>
+      <p:cxnSp>
+        <p:nvCxnSpPr>
+          <p:cNvPr id="4" name="Shape 19"/>
+          <p:cNvCxnSpPr/>
+          <p:nvPr/>
+        </p:nvCxnSpPr>
+        <p:spPr>
+          <a:xfrm rot="5400000" flipH="1" flipV="1">
+            <a:off x="-396552" y="1556792"/>
+            <a:ext cx="1512168" cy="216024"/>
+          </a:xfrm>
+          <a:prstGeom prst="bentConnector3">
+            <a:avLst>
+              <a:gd name="adj1" fmla="val 50000"/>
+            </a:avLst>
+          </a:prstGeom>
+          <a:ln>
+            <a:solidFill>
+              <a:srgbClr val="FF0000"/>
+            </a:solidFill>
+            <a:tailEnd type="arrow"/>
+          </a:ln>
+        </p:spPr>
+        <p:style>
+          <a:lnRef idx="1">
+            <a:schemeClr val="accent1"/>
+          </a:lnRef>
+          <a:fillRef idx="0">
+            <a:schemeClr val="accent1"/>
+          </a:fillRef>
+          <a:effectRef idx="0">
+            <a:schemeClr val="accent1"/>
+          </a:effectRef>
+          <a:fontRef idx="minor">
+            <a:schemeClr val="tx1"/>
+          </a:fontRef>
+        </p:style>
+      </p:cxnSp>
+      <p:sp>
+        <p:nvSpPr>
+          <p:cNvPr id="10" name="Oval 9"/>
+          <p:cNvSpPr/>
+          <p:nvPr/>
+        </p:nvSpPr>
+        <p:spPr>
+          <a:xfrm>
+            <a:off x="179512" y="2420888"/>
+            <a:ext cx="252008" cy="252008"/>
+          </a:xfrm>
+          <a:prstGeom prst="ellipse">
+            <a:avLst/>
+          </a:prstGeom>
+          <a:noFill/>
+          <a:ln>
+            <a:solidFill>
+              <a:schemeClr val="tx1"/>
+            </a:solidFill>
+          </a:ln>
+        </p:spPr>
+        <p:style>
+          <a:lnRef idx="2">
+            <a:schemeClr val="accent1">
+              <a:shade val="50000"/>
+            </a:schemeClr>
+          </a:lnRef>
+          <a:fillRef idx="1">
+            <a:schemeClr val="accent1"/>
+          </a:fillRef>
+          <a:effectRef idx="0">
+            <a:schemeClr val="accent1"/>
+          </a:effectRef>
+          <a:fontRef idx="minor">
+            <a:schemeClr val="lt1"/>
+          </a:fontRef>
+        </p:style>
+        <p:txBody>
+          <a:bodyPr rtlCol="0" anchor="ctr"/>
           <a:lstStyle/>
           <a:p>
             <a:pPr algn="ctr"/>
             <a:r>
-              <a:rPr kumimoji="1" lang="en-US" altLang="ja-JP" sz="4000" dirty="0" smtClean="0"/>
-              <a:t>What looks good in Rakuten Rebate Page</a:t>
-            </a:r>
-            <a:endParaRPr kumimoji="1" lang="ja-JP" altLang="en-US" sz="4000"/>
-          </a:p>
-        </p:txBody>
-      </p:sp>
-      <p:sp>
-        <p:nvSpPr>
-          <p:cNvPr id="3" name="Subtitle 2"/>
-          <p:cNvSpPr>
-            <a:spLocks noGrp="1"/>
-          </p:cNvSpPr>
-          <p:nvPr>
-            <p:ph type="subTitle" idx="1"/>
-          </p:nvPr>
+              <a:rPr lang="en-US" sz="1200" dirty="0" smtClean="0">
+                <a:solidFill>
+                  <a:srgbClr val="FF0000"/>
+                </a:solidFill>
+                <a:latin typeface="Arial" panose="020B0604020202020204" pitchFamily="34" charset="0"/>
+                <a:cs typeface="Arial" panose="020B0604020202020204" pitchFamily="34" charset="0"/>
+              </a:rPr>
+              <a:t>1</a:t>
+            </a:r>
+            <a:endParaRPr lang="en-IN" sz="1200" dirty="0">
+              <a:solidFill>
+                <a:srgbClr val="FF0000"/>
+              </a:solidFill>
+              <a:latin typeface="Arial" panose="020B0604020202020204" pitchFamily="34" charset="0"/>
+              <a:cs typeface="Arial" panose="020B0604020202020204" pitchFamily="34" charset="0"/>
+            </a:endParaRPr>
+          </a:p>
+        </p:txBody>
+      </p:sp>
+      <p:cxnSp>
+        <p:nvCxnSpPr>
+          <p:cNvPr id="11" name="Shape 19"/>
+          <p:cNvCxnSpPr/>
+          <p:nvPr/>
+        </p:nvCxnSpPr>
+        <p:spPr>
+          <a:xfrm rot="10800000" flipV="1">
+            <a:off x="8172400" y="3284984"/>
+            <a:ext cx="720080" cy="216024"/>
+          </a:xfrm>
+          <a:prstGeom prst="bentConnector3">
+            <a:avLst>
+              <a:gd name="adj1" fmla="val 50000"/>
+            </a:avLst>
+          </a:prstGeom>
+          <a:ln>
+            <a:solidFill>
+              <a:srgbClr val="FF0000"/>
+            </a:solidFill>
+            <a:tailEnd type="arrow"/>
+          </a:ln>
+        </p:spPr>
+        <p:style>
+          <a:lnRef idx="1">
+            <a:schemeClr val="accent1"/>
+          </a:lnRef>
+          <a:fillRef idx="0">
+            <a:schemeClr val="accent1"/>
+          </a:fillRef>
+          <a:effectRef idx="0">
+            <a:schemeClr val="accent1"/>
+          </a:effectRef>
+          <a:fontRef idx="minor">
+            <a:schemeClr val="tx1"/>
+          </a:fontRef>
+        </p:style>
+      </p:cxnSp>
+      <p:sp>
+        <p:nvSpPr>
+          <p:cNvPr id="15" name="Oval 14"/>
+          <p:cNvSpPr/>
+          <p:nvPr/>
         </p:nvSpPr>
         <p:spPr>
           <a:xfrm>
-            <a:off x="467544" y="1052736"/>
-            <a:ext cx="7854696" cy="4536504"/>
-          </a:xfrm>
-        </p:spPr>
-        <p:txBody>
-          <a:bodyPr>
-            <a:noAutofit/>
-          </a:bodyPr>
-          <a:lstStyle/>
-          <a:p>
-            <a:pPr marL="457200" indent="-457200" algn="l">
-              <a:buFont typeface="+mj-lt"/>
-              <a:buAutoNum type="arabicPeriod"/>
-            </a:pPr>
-            <a:r>
-              <a:rPr lang="en-US" altLang="ja-JP" sz="2400" dirty="0" smtClean="0">
-                <a:latin typeface="+mj-lt"/>
+            <a:off x="8891992" y="3140968"/>
+            <a:ext cx="252008" cy="252008"/>
+          </a:xfrm>
+          <a:prstGeom prst="ellipse">
+            <a:avLst/>
+          </a:prstGeom>
+          <a:noFill/>
+          <a:ln>
+            <a:solidFill>
+              <a:schemeClr val="tx1"/>
+            </a:solidFill>
+          </a:ln>
+        </p:spPr>
+        <p:style>
+          <a:lnRef idx="2">
+            <a:schemeClr val="accent1">
+              <a:shade val="50000"/>
+            </a:schemeClr>
+          </a:lnRef>
+          <a:fillRef idx="1">
+            <a:schemeClr val="accent1"/>
+          </a:fillRef>
+          <a:effectRef idx="0">
+            <a:schemeClr val="accent1"/>
+          </a:effectRef>
+          <a:fontRef idx="minor">
+            <a:schemeClr val="lt1"/>
+          </a:fontRef>
+        </p:style>
+        <p:txBody>
+          <a:bodyPr rtlCol="0" anchor="ctr"/>
+          <a:lstStyle/>
+          <a:p>
+            <a:pPr algn="ctr"/>
+            <a:r>
+              <a:rPr lang="en-US" sz="1200" dirty="0" smtClean="0">
+                <a:solidFill>
+                  <a:srgbClr val="FF0000"/>
+                </a:solidFill>
+                <a:latin typeface="Arial" panose="020B0604020202020204" pitchFamily="34" charset="0"/>
+                <a:cs typeface="Arial" panose="020B0604020202020204" pitchFamily="34" charset="0"/>
               </a:rPr>
-              <a:t>Clicked on this tab page is redirected to the products organization page.</a:t>
-            </a:r>
-          </a:p>
-          <a:p>
-            <a:pPr marL="457200" indent="-457200" algn="l">
-              <a:buFont typeface="+mj-lt"/>
-              <a:buAutoNum type="arabicPeriod"/>
-            </a:pPr>
-            <a:r>
-              <a:rPr kumimoji="1" lang="en-US" altLang="ja-JP" sz="2400" dirty="0" smtClean="0">
-                <a:latin typeface="+mj-lt"/>
+              <a:t>2</a:t>
+            </a:r>
+            <a:endParaRPr lang="en-IN" sz="1200" dirty="0">
+              <a:solidFill>
+                <a:srgbClr val="FF0000"/>
+              </a:solidFill>
+              <a:latin typeface="Arial" panose="020B0604020202020204" pitchFamily="34" charset="0"/>
+              <a:cs typeface="Arial" panose="020B0604020202020204" pitchFamily="34" charset="0"/>
+            </a:endParaRPr>
+          </a:p>
+        </p:txBody>
+      </p:sp>
+      <p:cxnSp>
+        <p:nvCxnSpPr>
+          <p:cNvPr id="16" name="Shape 19"/>
+          <p:cNvCxnSpPr/>
+          <p:nvPr/>
+        </p:nvCxnSpPr>
+        <p:spPr>
+          <a:xfrm>
+            <a:off x="323528" y="4149080"/>
+            <a:ext cx="1008112" cy="288032"/>
+          </a:xfrm>
+          <a:prstGeom prst="bentConnector3">
+            <a:avLst>
+              <a:gd name="adj1" fmla="val 50000"/>
+            </a:avLst>
+          </a:prstGeom>
+          <a:ln>
+            <a:solidFill>
+              <a:srgbClr val="FF0000"/>
+            </a:solidFill>
+            <a:tailEnd type="arrow"/>
+          </a:ln>
+        </p:spPr>
+        <p:style>
+          <a:lnRef idx="1">
+            <a:schemeClr val="accent1"/>
+          </a:lnRef>
+          <a:fillRef idx="0">
+            <a:schemeClr val="accent1"/>
+          </a:fillRef>
+          <a:effectRef idx="0">
+            <a:schemeClr val="accent1"/>
+          </a:effectRef>
+          <a:fontRef idx="minor">
+            <a:schemeClr val="tx1"/>
+          </a:fontRef>
+        </p:style>
+      </p:cxnSp>
+      <p:sp>
+        <p:nvSpPr>
+          <p:cNvPr id="19" name="Oval 18"/>
+          <p:cNvSpPr/>
+          <p:nvPr/>
+        </p:nvSpPr>
+        <p:spPr>
+          <a:xfrm>
+            <a:off x="107504" y="4005064"/>
+            <a:ext cx="252008" cy="252008"/>
+          </a:xfrm>
+          <a:prstGeom prst="ellipse">
+            <a:avLst/>
+          </a:prstGeom>
+          <a:noFill/>
+          <a:ln>
+            <a:solidFill>
+              <a:schemeClr val="tx1"/>
+            </a:solidFill>
+          </a:ln>
+        </p:spPr>
+        <p:style>
+          <a:lnRef idx="2">
+            <a:schemeClr val="accent1">
+              <a:shade val="50000"/>
+            </a:schemeClr>
+          </a:lnRef>
+          <a:fillRef idx="1">
+            <a:schemeClr val="accent1"/>
+          </a:fillRef>
+          <a:effectRef idx="0">
+            <a:schemeClr val="accent1"/>
+          </a:effectRef>
+          <a:fontRef idx="minor">
+            <a:schemeClr val="lt1"/>
+          </a:fontRef>
+        </p:style>
+        <p:txBody>
+          <a:bodyPr rtlCol="0" anchor="ctr"/>
+          <a:lstStyle/>
+          <a:p>
+            <a:pPr algn="ctr"/>
+            <a:r>
+              <a:rPr lang="en-US" sz="1200" dirty="0" smtClean="0">
+                <a:solidFill>
+                  <a:srgbClr val="FF0000"/>
+                </a:solidFill>
+                <a:latin typeface="Arial" panose="020B0604020202020204" pitchFamily="34" charset="0"/>
+                <a:cs typeface="Arial" panose="020B0604020202020204" pitchFamily="34" charset="0"/>
               </a:rPr>
-              <a:t>This section contains tabs with name of organization as rebate page campaigns for different organizations and its products.</a:t>
-            </a:r>
-          </a:p>
-          <a:p>
-            <a:pPr marL="457200" indent="-457200" algn="l">
-              <a:buFont typeface="+mj-lt"/>
-              <a:buAutoNum type="arabicPeriod"/>
-            </a:pPr>
-            <a:r>
-              <a:rPr lang="en-US" altLang="ja-JP" sz="2400" dirty="0" smtClean="0">
-                <a:latin typeface="+mj-lt"/>
+              <a:t>3</a:t>
+            </a:r>
+            <a:endParaRPr lang="en-IN" sz="1200" dirty="0">
+              <a:solidFill>
+                <a:srgbClr val="FF0000"/>
+              </a:solidFill>
+              <a:latin typeface="Arial" panose="020B0604020202020204" pitchFamily="34" charset="0"/>
+              <a:cs typeface="Arial" panose="020B0604020202020204" pitchFamily="34" charset="0"/>
+            </a:endParaRPr>
+          </a:p>
+        </p:txBody>
+      </p:sp>
+      <p:cxnSp>
+        <p:nvCxnSpPr>
+          <p:cNvPr id="20" name="Shape 19"/>
+          <p:cNvCxnSpPr/>
+          <p:nvPr/>
+        </p:nvCxnSpPr>
+        <p:spPr>
+          <a:xfrm rot="10800000">
+            <a:off x="1331640" y="1700808"/>
+            <a:ext cx="1872208" cy="648072"/>
+          </a:xfrm>
+          <a:prstGeom prst="bentConnector3">
+            <a:avLst>
+              <a:gd name="adj1" fmla="val 50000"/>
+            </a:avLst>
+          </a:prstGeom>
+          <a:ln>
+            <a:solidFill>
+              <a:srgbClr val="FF0000"/>
+            </a:solidFill>
+            <a:tailEnd type="arrow"/>
+          </a:ln>
+        </p:spPr>
+        <p:style>
+          <a:lnRef idx="1">
+            <a:schemeClr val="accent1"/>
+          </a:lnRef>
+          <a:fillRef idx="0">
+            <a:schemeClr val="accent1"/>
+          </a:fillRef>
+          <a:effectRef idx="0">
+            <a:schemeClr val="accent1"/>
+          </a:effectRef>
+          <a:fontRef idx="minor">
+            <a:schemeClr val="tx1"/>
+          </a:fontRef>
+        </p:style>
+      </p:cxnSp>
+      <p:sp>
+        <p:nvSpPr>
+          <p:cNvPr id="22" name="Oval 21"/>
+          <p:cNvSpPr/>
+          <p:nvPr/>
+        </p:nvSpPr>
+        <p:spPr>
+          <a:xfrm>
+            <a:off x="3203848" y="2204864"/>
+            <a:ext cx="252008" cy="252008"/>
+          </a:xfrm>
+          <a:prstGeom prst="ellipse">
+            <a:avLst/>
+          </a:prstGeom>
+          <a:noFill/>
+          <a:ln>
+            <a:solidFill>
+              <a:schemeClr val="tx1"/>
+            </a:solidFill>
+          </a:ln>
+        </p:spPr>
+        <p:style>
+          <a:lnRef idx="2">
+            <a:schemeClr val="accent1">
+              <a:shade val="50000"/>
+            </a:schemeClr>
+          </a:lnRef>
+          <a:fillRef idx="1">
+            <a:schemeClr val="accent1"/>
+          </a:fillRef>
+          <a:effectRef idx="0">
+            <a:schemeClr val="accent1"/>
+          </a:effectRef>
+          <a:fontRef idx="minor">
+            <a:schemeClr val="lt1"/>
+          </a:fontRef>
+        </p:style>
+        <p:txBody>
+          <a:bodyPr rtlCol="0" anchor="ctr"/>
+          <a:lstStyle/>
+          <a:p>
+            <a:pPr algn="ctr"/>
+            <a:r>
+              <a:rPr lang="en-US" sz="1200" dirty="0" smtClean="0">
+                <a:solidFill>
+                  <a:srgbClr val="FF0000"/>
+                </a:solidFill>
+                <a:latin typeface="Arial" panose="020B0604020202020204" pitchFamily="34" charset="0"/>
+                <a:cs typeface="Arial" panose="020B0604020202020204" pitchFamily="34" charset="0"/>
               </a:rPr>
-              <a:t>When clicked on this image tab page is redirected to the products page after buying them you can score points.</a:t>
-            </a:r>
-          </a:p>
-          <a:p>
-            <a:pPr marL="457200" indent="-457200" algn="l">
-              <a:buFont typeface="+mj-lt"/>
-              <a:buAutoNum type="arabicPeriod"/>
-            </a:pPr>
-            <a:r>
-              <a:rPr lang="en-US" altLang="ja-JP" sz="2400" dirty="0" smtClean="0">
-                <a:latin typeface="+mj-lt"/>
+              <a:t>4</a:t>
+            </a:r>
+            <a:endParaRPr lang="en-IN" sz="1200" dirty="0">
+              <a:solidFill>
+                <a:srgbClr val="FF0000"/>
+              </a:solidFill>
+              <a:latin typeface="Arial" panose="020B0604020202020204" pitchFamily="34" charset="0"/>
+              <a:cs typeface="Arial" panose="020B0604020202020204" pitchFamily="34" charset="0"/>
+            </a:endParaRPr>
+          </a:p>
+        </p:txBody>
+      </p:sp>
+      <p:cxnSp>
+        <p:nvCxnSpPr>
+          <p:cNvPr id="23" name="Shape 19"/>
+          <p:cNvCxnSpPr/>
+          <p:nvPr/>
+        </p:nvCxnSpPr>
+        <p:spPr>
+          <a:xfrm flipV="1">
+            <a:off x="6156176" y="5739606"/>
+            <a:ext cx="1086470" cy="497706"/>
+          </a:xfrm>
+          <a:prstGeom prst="bentConnector3">
+            <a:avLst>
+              <a:gd name="adj1" fmla="val 50000"/>
+            </a:avLst>
+          </a:prstGeom>
+          <a:ln>
+            <a:solidFill>
+              <a:srgbClr val="FF0000"/>
+            </a:solidFill>
+            <a:tailEnd type="arrow"/>
+          </a:ln>
+        </p:spPr>
+        <p:style>
+          <a:lnRef idx="1">
+            <a:schemeClr val="accent1"/>
+          </a:lnRef>
+          <a:fillRef idx="0">
+            <a:schemeClr val="accent1"/>
+          </a:fillRef>
+          <a:effectRef idx="0">
+            <a:schemeClr val="accent1"/>
+          </a:effectRef>
+          <a:fontRef idx="minor">
+            <a:schemeClr val="tx1"/>
+          </a:fontRef>
+        </p:style>
+      </p:cxnSp>
+      <p:sp>
+        <p:nvSpPr>
+          <p:cNvPr id="26" name="Oval 25"/>
+          <p:cNvSpPr/>
+          <p:nvPr/>
+        </p:nvSpPr>
+        <p:spPr>
+          <a:xfrm>
+            <a:off x="5940152" y="6093296"/>
+            <a:ext cx="252008" cy="252008"/>
+          </a:xfrm>
+          <a:prstGeom prst="ellipse">
+            <a:avLst/>
+          </a:prstGeom>
+          <a:noFill/>
+          <a:ln>
+            <a:solidFill>
+              <a:schemeClr val="tx1"/>
+            </a:solidFill>
+          </a:ln>
+        </p:spPr>
+        <p:style>
+          <a:lnRef idx="2">
+            <a:schemeClr val="accent1">
+              <a:shade val="50000"/>
+            </a:schemeClr>
+          </a:lnRef>
+          <a:fillRef idx="1">
+            <a:schemeClr val="accent1"/>
+          </a:fillRef>
+          <a:effectRef idx="0">
+            <a:schemeClr val="accent1"/>
+          </a:effectRef>
+          <a:fontRef idx="minor">
+            <a:schemeClr val="lt1"/>
+          </a:fontRef>
+        </p:style>
+        <p:txBody>
+          <a:bodyPr rtlCol="0" anchor="ctr"/>
+          <a:lstStyle/>
+          <a:p>
+            <a:pPr algn="ctr"/>
+            <a:r>
+              <a:rPr lang="en-US" sz="1200" dirty="0" smtClean="0">
+                <a:solidFill>
+                  <a:srgbClr val="FF0000"/>
+                </a:solidFill>
+                <a:latin typeface="Arial" panose="020B0604020202020204" pitchFamily="34" charset="0"/>
+                <a:cs typeface="Arial" panose="020B0604020202020204" pitchFamily="34" charset="0"/>
               </a:rPr>
-              <a:t>When clicked on tab drop down is displayed for the different products available under rakuten rebate.</a:t>
-            </a:r>
-          </a:p>
-          <a:p>
-            <a:pPr marL="457200" indent="-457200" algn="l">
-              <a:buFont typeface="+mj-lt"/>
-              <a:buAutoNum type="arabicPeriod"/>
-            </a:pPr>
-            <a:r>
-              <a:rPr lang="en-US" altLang="ja-JP" sz="2400" dirty="0" smtClean="0">
-                <a:latin typeface="+mj-lt"/>
+              <a:t>5</a:t>
+            </a:r>
+            <a:endParaRPr lang="en-IN" sz="1200" dirty="0">
+              <a:solidFill>
+                <a:srgbClr val="FF0000"/>
+              </a:solidFill>
+              <a:latin typeface="Arial" panose="020B0604020202020204" pitchFamily="34" charset="0"/>
+              <a:cs typeface="Arial" panose="020B0604020202020204" pitchFamily="34" charset="0"/>
+            </a:endParaRPr>
+          </a:p>
+        </p:txBody>
+      </p:sp>
+      <p:cxnSp>
+        <p:nvCxnSpPr>
+          <p:cNvPr id="27" name="Shape 19"/>
+          <p:cNvCxnSpPr/>
+          <p:nvPr/>
+        </p:nvCxnSpPr>
+        <p:spPr>
+          <a:xfrm rot="10800000">
+            <a:off x="4572000" y="6237312"/>
+            <a:ext cx="1728192" cy="360040"/>
+          </a:xfrm>
+          <a:prstGeom prst="bentConnector3">
+            <a:avLst>
+              <a:gd name="adj1" fmla="val 50000"/>
+            </a:avLst>
+          </a:prstGeom>
+          <a:ln>
+            <a:solidFill>
+              <a:srgbClr val="FF0000"/>
+            </a:solidFill>
+            <a:tailEnd type="arrow"/>
+          </a:ln>
+        </p:spPr>
+        <p:style>
+          <a:lnRef idx="1">
+            <a:schemeClr val="accent1"/>
+          </a:lnRef>
+          <a:fillRef idx="0">
+            <a:schemeClr val="accent1"/>
+          </a:fillRef>
+          <a:effectRef idx="0">
+            <a:schemeClr val="accent1"/>
+          </a:effectRef>
+          <a:fontRef idx="minor">
+            <a:schemeClr val="tx1"/>
+          </a:fontRef>
+        </p:style>
+      </p:cxnSp>
+      <p:sp>
+        <p:nvSpPr>
+          <p:cNvPr id="30" name="Oval 29"/>
+          <p:cNvSpPr/>
+          <p:nvPr/>
+        </p:nvSpPr>
+        <p:spPr>
+          <a:xfrm>
+            <a:off x="6300192" y="6453336"/>
+            <a:ext cx="252008" cy="252008"/>
+          </a:xfrm>
+          <a:prstGeom prst="ellipse">
+            <a:avLst/>
+          </a:prstGeom>
+          <a:noFill/>
+          <a:ln>
+            <a:solidFill>
+              <a:schemeClr val="tx1"/>
+            </a:solidFill>
+          </a:ln>
+        </p:spPr>
+        <p:style>
+          <a:lnRef idx="2">
+            <a:schemeClr val="accent1">
+              <a:shade val="50000"/>
+            </a:schemeClr>
+          </a:lnRef>
+          <a:fillRef idx="1">
+            <a:schemeClr val="accent1"/>
+          </a:fillRef>
+          <a:effectRef idx="0">
+            <a:schemeClr val="accent1"/>
+          </a:effectRef>
+          <a:fontRef idx="minor">
+            <a:schemeClr val="lt1"/>
+          </a:fontRef>
+        </p:style>
+        <p:txBody>
+          <a:bodyPr rtlCol="0" anchor="ctr"/>
+          <a:lstStyle/>
+          <a:p>
+            <a:pPr algn="ctr"/>
+            <a:r>
+              <a:rPr lang="en-US" sz="1200" dirty="0" smtClean="0">
+                <a:solidFill>
+                  <a:srgbClr val="FF0000"/>
+                </a:solidFill>
+                <a:latin typeface="Arial" panose="020B0604020202020204" pitchFamily="34" charset="0"/>
+                <a:cs typeface="Arial" panose="020B0604020202020204" pitchFamily="34" charset="0"/>
               </a:rPr>
-              <a:t>When clicked on button page is redirected to login page directly.</a:t>
-            </a:r>
-          </a:p>
-          <a:p>
-            <a:pPr marL="457200" indent="-457200" algn="l">
-              <a:buFont typeface="+mj-lt"/>
-              <a:buAutoNum type="arabicPeriod"/>
-            </a:pPr>
-            <a:r>
-              <a:rPr lang="en-US" altLang="ja-JP" sz="2400" dirty="0" smtClean="0">
-                <a:latin typeface="+mj-lt"/>
-              </a:rPr>
-              <a:t>When clicked on link page goes down to guide or information section.</a:t>
-            </a:r>
+              <a:t>6</a:t>
+            </a:r>
+            <a:endParaRPr lang="en-IN" sz="1200" dirty="0">
+              <a:solidFill>
+                <a:srgbClr val="FF0000"/>
+              </a:solidFill>
+              <a:latin typeface="Arial" panose="020B0604020202020204" pitchFamily="34" charset="0"/>
+              <a:cs typeface="Arial" panose="020B0604020202020204" pitchFamily="34" charset="0"/>
+            </a:endParaRPr>
           </a:p>
         </p:txBody>
       </p:sp>
@@ -7074,535 +7008,129 @@
           <a:chExt cx="0" cy="0"/>
         </a:xfrm>
       </p:grpSpPr>
-      <p:pic>
-        <p:nvPicPr>
-          <p:cNvPr id="8194" name="Picture 2"/>
-          <p:cNvPicPr>
-            <a:picLocks noChangeAspect="1" noChangeArrowheads="1"/>
-          </p:cNvPicPr>
-          <p:nvPr/>
-        </p:nvPicPr>
-        <p:blipFill>
-          <a:blip r:embed="rId2" cstate="print"/>
-          <a:srcRect/>
-          <a:stretch>
-            <a:fillRect/>
-          </a:stretch>
-        </p:blipFill>
-        <p:spPr bwMode="auto">
+      <p:sp>
+        <p:nvSpPr>
+          <p:cNvPr id="2" name="Title 1"/>
+          <p:cNvSpPr>
+            <a:spLocks noGrp="1"/>
+          </p:cNvSpPr>
+          <p:nvPr>
+            <p:ph type="ctrTitle"/>
+          </p:nvPr>
+        </p:nvSpPr>
+        <p:spPr>
           <a:xfrm>
-            <a:off x="1" y="300038"/>
-            <a:ext cx="9143999" cy="6257925"/>
-          </a:xfrm>
-          <a:prstGeom prst="rect">
-            <a:avLst/>
-          </a:prstGeom>
-          <a:noFill/>
-          <a:ln w="9525">
-            <a:noFill/>
-            <a:miter lim="800000"/>
-            <a:headEnd/>
-            <a:tailEnd/>
-          </a:ln>
-        </p:spPr>
-      </p:pic>
-      <p:cxnSp>
-        <p:nvCxnSpPr>
-          <p:cNvPr id="3" name="Shape 19"/>
-          <p:cNvCxnSpPr/>
-          <p:nvPr/>
-        </p:nvCxnSpPr>
-        <p:spPr>
-          <a:xfrm rot="10800000" flipV="1">
-            <a:off x="1475656" y="2564904"/>
-            <a:ext cx="2520280" cy="288032"/>
-          </a:xfrm>
-          <a:prstGeom prst="bentConnector3">
-            <a:avLst>
-              <a:gd name="adj1" fmla="val 50000"/>
-            </a:avLst>
-          </a:prstGeom>
-          <a:ln>
-            <a:solidFill>
-              <a:srgbClr val="FF0000"/>
-            </a:solidFill>
-            <a:tailEnd type="arrow"/>
-          </a:ln>
-        </p:spPr>
-        <p:style>
-          <a:lnRef idx="1">
-            <a:schemeClr val="accent1"/>
-          </a:lnRef>
-          <a:fillRef idx="0">
-            <a:schemeClr val="accent1"/>
-          </a:fillRef>
-          <a:effectRef idx="0">
-            <a:schemeClr val="accent1"/>
-          </a:effectRef>
-          <a:fontRef idx="minor">
-            <a:schemeClr val="tx1"/>
-          </a:fontRef>
-        </p:style>
-      </p:cxnSp>
-      <p:sp>
-        <p:nvSpPr>
-          <p:cNvPr id="6" name="Oval 5"/>
-          <p:cNvSpPr/>
-          <p:nvPr/>
+            <a:off x="539552" y="188640"/>
+            <a:ext cx="8280920" cy="792088"/>
+          </a:xfrm>
+        </p:spPr>
+        <p:txBody>
+          <a:bodyPr>
+            <a:normAutofit fontScale="90000"/>
+          </a:bodyPr>
+          <a:lstStyle/>
+          <a:p>
+            <a:pPr algn="ctr"/>
+            <a:r>
+              <a:rPr kumimoji="1" lang="en-US" altLang="ja-JP" sz="4000" dirty="0" smtClean="0"/>
+              <a:t>What looks good in Rakuten Rebate Page</a:t>
+            </a:r>
+            <a:endParaRPr kumimoji="1" lang="ja-JP" altLang="en-US" sz="4000"/>
+          </a:p>
+        </p:txBody>
+      </p:sp>
+      <p:sp>
+        <p:nvSpPr>
+          <p:cNvPr id="3" name="Subtitle 2"/>
+          <p:cNvSpPr>
+            <a:spLocks noGrp="1"/>
+          </p:cNvSpPr>
+          <p:nvPr>
+            <p:ph type="subTitle" idx="1"/>
+          </p:nvPr>
         </p:nvSpPr>
         <p:spPr>
           <a:xfrm>
-            <a:off x="3995936" y="2420888"/>
-            <a:ext cx="252008" cy="252008"/>
-          </a:xfrm>
-          <a:prstGeom prst="ellipse">
-            <a:avLst/>
-          </a:prstGeom>
-          <a:noFill/>
-          <a:ln>
-            <a:solidFill>
-              <a:schemeClr val="tx1"/>
-            </a:solidFill>
-          </a:ln>
-        </p:spPr>
-        <p:style>
-          <a:lnRef idx="2">
-            <a:schemeClr val="accent1">
-              <a:shade val="50000"/>
-            </a:schemeClr>
-          </a:lnRef>
-          <a:fillRef idx="1">
-            <a:schemeClr val="accent1"/>
-          </a:fillRef>
-          <a:effectRef idx="0">
-            <a:schemeClr val="accent1"/>
-          </a:effectRef>
-          <a:fontRef idx="minor">
-            <a:schemeClr val="lt1"/>
-          </a:fontRef>
-        </p:style>
-        <p:txBody>
-          <a:bodyPr rtlCol="0" anchor="ctr"/>
-          <a:lstStyle/>
-          <a:p>
-            <a:pPr algn="ctr"/>
-            <a:r>
-              <a:rPr lang="en-US" sz="1200" dirty="0" smtClean="0">
-                <a:solidFill>
-                  <a:srgbClr val="FF0000"/>
-                </a:solidFill>
-                <a:latin typeface="Arial" panose="020B0604020202020204" pitchFamily="34" charset="0"/>
-                <a:cs typeface="Arial" panose="020B0604020202020204" pitchFamily="34" charset="0"/>
+            <a:off x="467544" y="1052736"/>
+            <a:ext cx="7854696" cy="4536504"/>
+          </a:xfrm>
+        </p:spPr>
+        <p:txBody>
+          <a:bodyPr>
+            <a:noAutofit/>
+          </a:bodyPr>
+          <a:lstStyle/>
+          <a:p>
+            <a:pPr marL="457200" indent="-457200" algn="l">
+              <a:buFont typeface="+mj-lt"/>
+              <a:buAutoNum type="arabicPeriod"/>
+            </a:pPr>
+            <a:r>
+              <a:rPr lang="en-US" altLang="ja-JP" sz="2400" dirty="0" smtClean="0">
+                <a:latin typeface="+mj-lt"/>
               </a:rPr>
-              <a:t>1</a:t>
-            </a:r>
-            <a:endParaRPr lang="en-IN" sz="1200" dirty="0">
-              <a:solidFill>
-                <a:srgbClr val="FF0000"/>
-              </a:solidFill>
-              <a:latin typeface="Arial" panose="020B0604020202020204" pitchFamily="34" charset="0"/>
-              <a:cs typeface="Arial" panose="020B0604020202020204" pitchFamily="34" charset="0"/>
-            </a:endParaRPr>
-          </a:p>
-        </p:txBody>
-      </p:sp>
-      <p:cxnSp>
-        <p:nvCxnSpPr>
-          <p:cNvPr id="7" name="Shape 19"/>
-          <p:cNvCxnSpPr/>
-          <p:nvPr/>
-        </p:nvCxnSpPr>
-        <p:spPr>
-          <a:xfrm rot="10800000">
-            <a:off x="1691680" y="4437112"/>
-            <a:ext cx="1728192" cy="216024"/>
-          </a:xfrm>
-          <a:prstGeom prst="bentConnector3">
-            <a:avLst>
-              <a:gd name="adj1" fmla="val 50000"/>
-            </a:avLst>
-          </a:prstGeom>
-          <a:ln>
-            <a:solidFill>
-              <a:srgbClr val="FF0000"/>
-            </a:solidFill>
-            <a:tailEnd type="arrow"/>
-          </a:ln>
-        </p:spPr>
-        <p:style>
-          <a:lnRef idx="1">
-            <a:schemeClr val="accent1"/>
-          </a:lnRef>
-          <a:fillRef idx="0">
-            <a:schemeClr val="accent1"/>
-          </a:fillRef>
-          <a:effectRef idx="0">
-            <a:schemeClr val="accent1"/>
-          </a:effectRef>
-          <a:fontRef idx="minor">
-            <a:schemeClr val="tx1"/>
-          </a:fontRef>
-        </p:style>
-      </p:cxnSp>
-      <p:sp>
-        <p:nvSpPr>
-          <p:cNvPr id="9" name="Oval 8"/>
-          <p:cNvSpPr/>
-          <p:nvPr/>
-        </p:nvSpPr>
-        <p:spPr>
-          <a:xfrm>
-            <a:off x="3419872" y="4509120"/>
-            <a:ext cx="252008" cy="252008"/>
-          </a:xfrm>
-          <a:prstGeom prst="ellipse">
-            <a:avLst/>
-          </a:prstGeom>
-          <a:noFill/>
-          <a:ln>
-            <a:solidFill>
-              <a:schemeClr val="tx1"/>
-            </a:solidFill>
-          </a:ln>
-        </p:spPr>
-        <p:style>
-          <a:lnRef idx="2">
-            <a:schemeClr val="accent1">
-              <a:shade val="50000"/>
-            </a:schemeClr>
-          </a:lnRef>
-          <a:fillRef idx="1">
-            <a:schemeClr val="accent1"/>
-          </a:fillRef>
-          <a:effectRef idx="0">
-            <a:schemeClr val="accent1"/>
-          </a:effectRef>
-          <a:fontRef idx="minor">
-            <a:schemeClr val="lt1"/>
-          </a:fontRef>
-        </p:style>
-        <p:txBody>
-          <a:bodyPr rtlCol="0" anchor="ctr"/>
-          <a:lstStyle/>
-          <a:p>
-            <a:pPr algn="ctr"/>
-            <a:r>
-              <a:rPr lang="en-US" sz="1200" dirty="0" smtClean="0">
-                <a:solidFill>
-                  <a:srgbClr val="FF0000"/>
-                </a:solidFill>
-                <a:latin typeface="Arial" panose="020B0604020202020204" pitchFamily="34" charset="0"/>
-                <a:cs typeface="Arial" panose="020B0604020202020204" pitchFamily="34" charset="0"/>
+              <a:t>Clicked on this tab page is redirected to the products organization page.</a:t>
+            </a:r>
+          </a:p>
+          <a:p>
+            <a:pPr marL="457200" indent="-457200" algn="l">
+              <a:buFont typeface="+mj-lt"/>
+              <a:buAutoNum type="arabicPeriod"/>
+            </a:pPr>
+            <a:r>
+              <a:rPr kumimoji="1" lang="en-US" altLang="ja-JP" sz="2400" dirty="0" smtClean="0">
+                <a:latin typeface="+mj-lt"/>
               </a:rPr>
-              <a:t>2</a:t>
-            </a:r>
-            <a:endParaRPr lang="en-IN" sz="1200" dirty="0">
-              <a:solidFill>
-                <a:srgbClr val="FF0000"/>
-              </a:solidFill>
-              <a:latin typeface="Arial" panose="020B0604020202020204" pitchFamily="34" charset="0"/>
-              <a:cs typeface="Arial" panose="020B0604020202020204" pitchFamily="34" charset="0"/>
-            </a:endParaRPr>
-          </a:p>
-        </p:txBody>
-      </p:sp>
-      <p:cxnSp>
-        <p:nvCxnSpPr>
-          <p:cNvPr id="10" name="Shape 19"/>
-          <p:cNvCxnSpPr/>
-          <p:nvPr/>
-        </p:nvCxnSpPr>
-        <p:spPr>
-          <a:xfrm rot="10800000">
-            <a:off x="1763688" y="3717032"/>
-            <a:ext cx="1728192" cy="216024"/>
-          </a:xfrm>
-          <a:prstGeom prst="bentConnector3">
-            <a:avLst>
-              <a:gd name="adj1" fmla="val 50000"/>
-            </a:avLst>
-          </a:prstGeom>
-          <a:ln>
-            <a:solidFill>
-              <a:srgbClr val="FF0000"/>
-            </a:solidFill>
-            <a:tailEnd type="arrow"/>
-          </a:ln>
-        </p:spPr>
-        <p:style>
-          <a:lnRef idx="1">
-            <a:schemeClr val="accent1"/>
-          </a:lnRef>
-          <a:fillRef idx="0">
-            <a:schemeClr val="accent1"/>
-          </a:fillRef>
-          <a:effectRef idx="0">
-            <a:schemeClr val="accent1"/>
-          </a:effectRef>
-          <a:fontRef idx="minor">
-            <a:schemeClr val="tx1"/>
-          </a:fontRef>
-        </p:style>
-      </p:cxnSp>
-      <p:sp>
-        <p:nvSpPr>
-          <p:cNvPr id="11" name="Oval 10"/>
-          <p:cNvSpPr/>
-          <p:nvPr/>
-        </p:nvSpPr>
-        <p:spPr>
-          <a:xfrm>
-            <a:off x="3491880" y="3861048"/>
-            <a:ext cx="252008" cy="252008"/>
-          </a:xfrm>
-          <a:prstGeom prst="ellipse">
-            <a:avLst/>
-          </a:prstGeom>
-          <a:noFill/>
-          <a:ln>
-            <a:solidFill>
-              <a:schemeClr val="tx1"/>
-            </a:solidFill>
-          </a:ln>
-        </p:spPr>
-        <p:style>
-          <a:lnRef idx="2">
-            <a:schemeClr val="accent1">
-              <a:shade val="50000"/>
-            </a:schemeClr>
-          </a:lnRef>
-          <a:fillRef idx="1">
-            <a:schemeClr val="accent1"/>
-          </a:fillRef>
-          <a:effectRef idx="0">
-            <a:schemeClr val="accent1"/>
-          </a:effectRef>
-          <a:fontRef idx="minor">
-            <a:schemeClr val="lt1"/>
-          </a:fontRef>
-        </p:style>
-        <p:txBody>
-          <a:bodyPr rtlCol="0" anchor="ctr"/>
-          <a:lstStyle/>
-          <a:p>
-            <a:pPr algn="ctr"/>
-            <a:r>
-              <a:rPr lang="en-US" sz="1200" dirty="0" smtClean="0">
-                <a:solidFill>
-                  <a:srgbClr val="FF0000"/>
-                </a:solidFill>
-                <a:latin typeface="Arial" panose="020B0604020202020204" pitchFamily="34" charset="0"/>
-                <a:cs typeface="Arial" panose="020B0604020202020204" pitchFamily="34" charset="0"/>
+              <a:t>This section contains tabs with name of organization as rebate page campaigns for different organizations and its products.</a:t>
+            </a:r>
+          </a:p>
+          <a:p>
+            <a:pPr marL="457200" indent="-457200" algn="l">
+              <a:buFont typeface="+mj-lt"/>
+              <a:buAutoNum type="arabicPeriod"/>
+            </a:pPr>
+            <a:r>
+              <a:rPr lang="en-US" altLang="ja-JP" sz="2400" dirty="0" smtClean="0">
+                <a:latin typeface="+mj-lt"/>
               </a:rPr>
-              <a:t>3</a:t>
-            </a:r>
-            <a:endParaRPr lang="en-IN" sz="1200" dirty="0">
-              <a:solidFill>
-                <a:srgbClr val="FF0000"/>
-              </a:solidFill>
-              <a:latin typeface="Arial" panose="020B0604020202020204" pitchFamily="34" charset="0"/>
-              <a:cs typeface="Arial" panose="020B0604020202020204" pitchFamily="34" charset="0"/>
-            </a:endParaRPr>
-          </a:p>
-        </p:txBody>
-      </p:sp>
-      <p:cxnSp>
-        <p:nvCxnSpPr>
-          <p:cNvPr id="12" name="Shape 19"/>
-          <p:cNvCxnSpPr/>
-          <p:nvPr/>
-        </p:nvCxnSpPr>
-        <p:spPr>
-          <a:xfrm rot="10800000">
-            <a:off x="1403648" y="5301208"/>
-            <a:ext cx="1944216" cy="720080"/>
-          </a:xfrm>
-          <a:prstGeom prst="bentConnector3">
-            <a:avLst>
-              <a:gd name="adj1" fmla="val 50000"/>
-            </a:avLst>
-          </a:prstGeom>
-          <a:ln>
-            <a:solidFill>
-              <a:srgbClr val="FF0000"/>
-            </a:solidFill>
-            <a:tailEnd type="arrow"/>
-          </a:ln>
-        </p:spPr>
-        <p:style>
-          <a:lnRef idx="1">
-            <a:schemeClr val="accent1"/>
-          </a:lnRef>
-          <a:fillRef idx="0">
-            <a:schemeClr val="accent1"/>
-          </a:fillRef>
-          <a:effectRef idx="0">
-            <a:schemeClr val="accent1"/>
-          </a:effectRef>
-          <a:fontRef idx="minor">
-            <a:schemeClr val="tx1"/>
-          </a:fontRef>
-        </p:style>
-      </p:cxnSp>
-      <p:sp>
-        <p:nvSpPr>
-          <p:cNvPr id="14" name="Oval 13"/>
-          <p:cNvSpPr/>
-          <p:nvPr/>
-        </p:nvSpPr>
-        <p:spPr>
-          <a:xfrm>
-            <a:off x="3347864" y="5877272"/>
-            <a:ext cx="252008" cy="252008"/>
-          </a:xfrm>
-          <a:prstGeom prst="ellipse">
-            <a:avLst/>
-          </a:prstGeom>
-          <a:noFill/>
-          <a:ln>
-            <a:solidFill>
-              <a:schemeClr val="tx1"/>
-            </a:solidFill>
-          </a:ln>
-        </p:spPr>
-        <p:style>
-          <a:lnRef idx="2">
-            <a:schemeClr val="accent1">
-              <a:shade val="50000"/>
-            </a:schemeClr>
-          </a:lnRef>
-          <a:fillRef idx="1">
-            <a:schemeClr val="accent1"/>
-          </a:fillRef>
-          <a:effectRef idx="0">
-            <a:schemeClr val="accent1"/>
-          </a:effectRef>
-          <a:fontRef idx="minor">
-            <a:schemeClr val="lt1"/>
-          </a:fontRef>
-        </p:style>
-        <p:txBody>
-          <a:bodyPr rtlCol="0" anchor="ctr"/>
-          <a:lstStyle/>
-          <a:p>
-            <a:pPr algn="ctr"/>
-            <a:r>
-              <a:rPr lang="en-US" sz="1200" dirty="0" smtClean="0">
-                <a:solidFill>
-                  <a:srgbClr val="FF0000"/>
-                </a:solidFill>
-                <a:latin typeface="Arial" panose="020B0604020202020204" pitchFamily="34" charset="0"/>
-                <a:cs typeface="Arial" panose="020B0604020202020204" pitchFamily="34" charset="0"/>
+              <a:t>When clicked on this image tab page is redirected to the products page after buying them you can score points.</a:t>
+            </a:r>
+          </a:p>
+          <a:p>
+            <a:pPr marL="457200" indent="-457200" algn="l">
+              <a:buFont typeface="+mj-lt"/>
+              <a:buAutoNum type="arabicPeriod"/>
+            </a:pPr>
+            <a:r>
+              <a:rPr lang="en-US" altLang="ja-JP" sz="2400" dirty="0" smtClean="0">
+                <a:latin typeface="+mj-lt"/>
               </a:rPr>
-              <a:t>4</a:t>
-            </a:r>
-            <a:endParaRPr lang="en-IN" sz="1200" dirty="0">
-              <a:solidFill>
-                <a:srgbClr val="FF0000"/>
-              </a:solidFill>
-              <a:latin typeface="Arial" panose="020B0604020202020204" pitchFamily="34" charset="0"/>
-              <a:cs typeface="Arial" panose="020B0604020202020204" pitchFamily="34" charset="0"/>
-            </a:endParaRPr>
-          </a:p>
-        </p:txBody>
-      </p:sp>
-      <p:cxnSp>
-        <p:nvCxnSpPr>
-          <p:cNvPr id="15" name="Shape 19"/>
-          <p:cNvCxnSpPr/>
-          <p:nvPr/>
-        </p:nvCxnSpPr>
-        <p:spPr>
-          <a:xfrm flipV="1">
-            <a:off x="6084168" y="1196752"/>
-            <a:ext cx="1872208" cy="1224136"/>
-          </a:xfrm>
-          <a:prstGeom prst="bentConnector3">
-            <a:avLst>
-              <a:gd name="adj1" fmla="val 50000"/>
-            </a:avLst>
-          </a:prstGeom>
-          <a:ln>
-            <a:solidFill>
-              <a:srgbClr val="FF0000"/>
-            </a:solidFill>
-            <a:tailEnd type="arrow"/>
-          </a:ln>
-        </p:spPr>
-        <p:style>
-          <a:lnRef idx="1">
-            <a:schemeClr val="accent1"/>
-          </a:lnRef>
-          <a:fillRef idx="0">
-            <a:schemeClr val="accent1"/>
-          </a:fillRef>
-          <a:effectRef idx="0">
-            <a:schemeClr val="accent1"/>
-          </a:effectRef>
-          <a:fontRef idx="minor">
-            <a:schemeClr val="tx1"/>
-          </a:fontRef>
-        </p:style>
-      </p:cxnSp>
-      <p:sp>
-        <p:nvSpPr>
-          <p:cNvPr id="20" name="Oval 19"/>
-          <p:cNvSpPr/>
-          <p:nvPr/>
-        </p:nvSpPr>
-        <p:spPr>
-          <a:xfrm>
-            <a:off x="5796136" y="2276872"/>
-            <a:ext cx="252008" cy="252008"/>
-          </a:xfrm>
-          <a:prstGeom prst="ellipse">
-            <a:avLst/>
-          </a:prstGeom>
-          <a:noFill/>
-          <a:ln>
-            <a:solidFill>
-              <a:schemeClr val="tx1"/>
-            </a:solidFill>
-          </a:ln>
-        </p:spPr>
-        <p:style>
-          <a:lnRef idx="2">
-            <a:schemeClr val="accent1">
-              <a:shade val="50000"/>
-            </a:schemeClr>
-          </a:lnRef>
-          <a:fillRef idx="1">
-            <a:schemeClr val="accent1"/>
-          </a:fillRef>
-          <a:effectRef idx="0">
-            <a:schemeClr val="accent1"/>
-          </a:effectRef>
-          <a:fontRef idx="minor">
-            <a:schemeClr val="lt1"/>
-          </a:fontRef>
-        </p:style>
-        <p:txBody>
-          <a:bodyPr rtlCol="0" anchor="ctr"/>
-          <a:lstStyle/>
-          <a:p>
-            <a:pPr algn="ctr"/>
-            <a:r>
-              <a:rPr lang="en-US" sz="1200" dirty="0" smtClean="0">
-                <a:solidFill>
-                  <a:srgbClr val="FF0000"/>
-                </a:solidFill>
-                <a:latin typeface="Arial" panose="020B0604020202020204" pitchFamily="34" charset="0"/>
-                <a:cs typeface="Arial" panose="020B0604020202020204" pitchFamily="34" charset="0"/>
+              <a:t>When clicked on tab drop down is displayed for the different products available under rakuten rebate.</a:t>
+            </a:r>
+          </a:p>
+          <a:p>
+            <a:pPr marL="457200" indent="-457200" algn="l">
+              <a:buFont typeface="+mj-lt"/>
+              <a:buAutoNum type="arabicPeriod"/>
+            </a:pPr>
+            <a:r>
+              <a:rPr lang="en-US" altLang="ja-JP" sz="2400" dirty="0" smtClean="0">
+                <a:latin typeface="+mj-lt"/>
               </a:rPr>
-              <a:t>5</a:t>
-            </a:r>
-            <a:endParaRPr lang="en-IN" sz="1200" dirty="0">
-              <a:solidFill>
-                <a:srgbClr val="FF0000"/>
-              </a:solidFill>
-              <a:latin typeface="Arial" panose="020B0604020202020204" pitchFamily="34" charset="0"/>
-              <a:cs typeface="Arial" panose="020B0604020202020204" pitchFamily="34" charset="0"/>
-            </a:endParaRPr>
+              <a:t>When clicked on button page is redirected to login page directly.</a:t>
+            </a:r>
+          </a:p>
+          <a:p>
+            <a:pPr marL="457200" indent="-457200" algn="l">
+              <a:buFont typeface="+mj-lt"/>
+              <a:buAutoNum type="arabicPeriod"/>
+            </a:pPr>
+            <a:r>
+              <a:rPr lang="en-US" altLang="ja-JP" sz="2400" dirty="0" smtClean="0">
+                <a:latin typeface="+mj-lt"/>
+              </a:rPr>
+              <a:t>When clicked on link page goes down to guide or information section.</a:t>
+            </a:r>
           </a:p>
         </p:txBody>
       </p:sp>
@@ -7631,125 +7159,534 @@
           <a:chExt cx="0" cy="0"/>
         </a:xfrm>
       </p:grpSpPr>
-      <p:sp>
-        <p:nvSpPr>
-          <p:cNvPr id="2" name="Title 1"/>
-          <p:cNvSpPr>
-            <a:spLocks noGrp="1"/>
-          </p:cNvSpPr>
-          <p:nvPr>
-            <p:ph type="ctrTitle"/>
-          </p:nvPr>
-        </p:nvSpPr>
-        <p:spPr>
+      <p:pic>
+        <p:nvPicPr>
+          <p:cNvPr id="8194" name="Picture 2"/>
+          <p:cNvPicPr>
+            <a:picLocks noChangeAspect="1" noChangeArrowheads="1"/>
+          </p:cNvPicPr>
+          <p:nvPr/>
+        </p:nvPicPr>
+        <p:blipFill>
+          <a:blip r:embed="rId2" cstate="print"/>
+          <a:srcRect/>
+          <a:stretch>
+            <a:fillRect/>
+          </a:stretch>
+        </p:blipFill>
+        <p:spPr bwMode="auto">
           <a:xfrm>
-            <a:off x="467544" y="188640"/>
-            <a:ext cx="8287072" cy="792088"/>
-          </a:xfrm>
-        </p:spPr>
-        <p:txBody>
-          <a:bodyPr>
-            <a:normAutofit/>
-          </a:bodyPr>
+            <a:off x="1" y="300038"/>
+            <a:ext cx="9143999" cy="6257925"/>
+          </a:xfrm>
+          <a:prstGeom prst="rect">
+            <a:avLst/>
+          </a:prstGeom>
+          <a:noFill/>
+          <a:ln w="9525">
+            <a:noFill/>
+            <a:miter lim="800000"/>
+            <a:headEnd/>
+            <a:tailEnd/>
+          </a:ln>
+        </p:spPr>
+      </p:pic>
+      <p:cxnSp>
+        <p:nvCxnSpPr>
+          <p:cNvPr id="3" name="Shape 19"/>
+          <p:cNvCxnSpPr/>
+          <p:nvPr/>
+        </p:nvCxnSpPr>
+        <p:spPr>
+          <a:xfrm rot="10800000" flipV="1">
+            <a:off x="1475656" y="2564904"/>
+            <a:ext cx="2520280" cy="288032"/>
+          </a:xfrm>
+          <a:prstGeom prst="bentConnector3">
+            <a:avLst>
+              <a:gd name="adj1" fmla="val 50000"/>
+            </a:avLst>
+          </a:prstGeom>
+          <a:ln>
+            <a:solidFill>
+              <a:srgbClr val="FF0000"/>
+            </a:solidFill>
+            <a:tailEnd type="arrow"/>
+          </a:ln>
+        </p:spPr>
+        <p:style>
+          <a:lnRef idx="1">
+            <a:schemeClr val="accent1"/>
+          </a:lnRef>
+          <a:fillRef idx="0">
+            <a:schemeClr val="accent1"/>
+          </a:fillRef>
+          <a:effectRef idx="0">
+            <a:schemeClr val="accent1"/>
+          </a:effectRef>
+          <a:fontRef idx="minor">
+            <a:schemeClr val="tx1"/>
+          </a:fontRef>
+        </p:style>
+      </p:cxnSp>
+      <p:sp>
+        <p:nvSpPr>
+          <p:cNvPr id="6" name="Oval 5"/>
+          <p:cNvSpPr/>
+          <p:nvPr/>
+        </p:nvSpPr>
+        <p:spPr>
+          <a:xfrm>
+            <a:off x="3995936" y="2420888"/>
+            <a:ext cx="252008" cy="252008"/>
+          </a:xfrm>
+          <a:prstGeom prst="ellipse">
+            <a:avLst/>
+          </a:prstGeom>
+          <a:noFill/>
+          <a:ln>
+            <a:solidFill>
+              <a:schemeClr val="tx1"/>
+            </a:solidFill>
+          </a:ln>
+        </p:spPr>
+        <p:style>
+          <a:lnRef idx="2">
+            <a:schemeClr val="accent1">
+              <a:shade val="50000"/>
+            </a:schemeClr>
+          </a:lnRef>
+          <a:fillRef idx="1">
+            <a:schemeClr val="accent1"/>
+          </a:fillRef>
+          <a:effectRef idx="0">
+            <a:schemeClr val="accent1"/>
+          </a:effectRef>
+          <a:fontRef idx="minor">
+            <a:schemeClr val="lt1"/>
+          </a:fontRef>
+        </p:style>
+        <p:txBody>
+          <a:bodyPr rtlCol="0" anchor="ctr"/>
           <a:lstStyle/>
           <a:p>
             <a:pPr algn="ctr"/>
             <a:r>
-              <a:rPr kumimoji="1" lang="en-US" altLang="ja-JP" sz="4000" dirty="0" smtClean="0"/>
-              <a:t>What is good in Rakuten ranking page</a:t>
-            </a:r>
-            <a:endParaRPr kumimoji="1" lang="ja-JP" altLang="en-US" sz="4000"/>
-          </a:p>
-        </p:txBody>
-      </p:sp>
-      <p:sp>
-        <p:nvSpPr>
-          <p:cNvPr id="3" name="Subtitle 2"/>
-          <p:cNvSpPr>
-            <a:spLocks noGrp="1"/>
-          </p:cNvSpPr>
-          <p:nvPr>
-            <p:ph type="subTitle" idx="1"/>
-          </p:nvPr>
+              <a:rPr lang="en-US" sz="1200" dirty="0" smtClean="0">
+                <a:solidFill>
+                  <a:srgbClr val="FF0000"/>
+                </a:solidFill>
+                <a:latin typeface="Arial" panose="020B0604020202020204" pitchFamily="34" charset="0"/>
+                <a:cs typeface="Arial" panose="020B0604020202020204" pitchFamily="34" charset="0"/>
+              </a:rPr>
+              <a:t>1</a:t>
+            </a:r>
+            <a:endParaRPr lang="en-IN" sz="1200" dirty="0">
+              <a:solidFill>
+                <a:srgbClr val="FF0000"/>
+              </a:solidFill>
+              <a:latin typeface="Arial" panose="020B0604020202020204" pitchFamily="34" charset="0"/>
+              <a:cs typeface="Arial" panose="020B0604020202020204" pitchFamily="34" charset="0"/>
+            </a:endParaRPr>
+          </a:p>
+        </p:txBody>
+      </p:sp>
+      <p:cxnSp>
+        <p:nvCxnSpPr>
+          <p:cNvPr id="7" name="Shape 19"/>
+          <p:cNvCxnSpPr/>
+          <p:nvPr/>
+        </p:nvCxnSpPr>
+        <p:spPr>
+          <a:xfrm rot="10800000">
+            <a:off x="1691680" y="4437112"/>
+            <a:ext cx="1728192" cy="216024"/>
+          </a:xfrm>
+          <a:prstGeom prst="bentConnector3">
+            <a:avLst>
+              <a:gd name="adj1" fmla="val 50000"/>
+            </a:avLst>
+          </a:prstGeom>
+          <a:ln>
+            <a:solidFill>
+              <a:srgbClr val="FF0000"/>
+            </a:solidFill>
+            <a:tailEnd type="arrow"/>
+          </a:ln>
+        </p:spPr>
+        <p:style>
+          <a:lnRef idx="1">
+            <a:schemeClr val="accent1"/>
+          </a:lnRef>
+          <a:fillRef idx="0">
+            <a:schemeClr val="accent1"/>
+          </a:fillRef>
+          <a:effectRef idx="0">
+            <a:schemeClr val="accent1"/>
+          </a:effectRef>
+          <a:fontRef idx="minor">
+            <a:schemeClr val="tx1"/>
+          </a:fontRef>
+        </p:style>
+      </p:cxnSp>
+      <p:sp>
+        <p:nvSpPr>
+          <p:cNvPr id="9" name="Oval 8"/>
+          <p:cNvSpPr/>
+          <p:nvPr/>
         </p:nvSpPr>
         <p:spPr>
           <a:xfrm>
-            <a:off x="395536" y="980728"/>
-            <a:ext cx="8070720" cy="4752528"/>
-          </a:xfrm>
-        </p:spPr>
-        <p:txBody>
-          <a:bodyPr>
-            <a:normAutofit lnSpcReduction="10000"/>
-          </a:bodyPr>
-          <a:lstStyle/>
-          <a:p>
-            <a:pPr marL="457200" indent="-457200" algn="l">
-              <a:buFont typeface="+mj-lt"/>
-              <a:buAutoNum type="arabicPeriod"/>
-            </a:pPr>
-            <a:r>
-              <a:rPr kumimoji="1" lang="en-US" altLang="ja-JP" sz="2400" dirty="0" smtClean="0">
-                <a:latin typeface="+mj-lt"/>
+            <a:off x="3419872" y="4509120"/>
+            <a:ext cx="252008" cy="252008"/>
+          </a:xfrm>
+          <a:prstGeom prst="ellipse">
+            <a:avLst/>
+          </a:prstGeom>
+          <a:noFill/>
+          <a:ln>
+            <a:solidFill>
+              <a:schemeClr val="tx1"/>
+            </a:solidFill>
+          </a:ln>
+        </p:spPr>
+        <p:style>
+          <a:lnRef idx="2">
+            <a:schemeClr val="accent1">
+              <a:shade val="50000"/>
+            </a:schemeClr>
+          </a:lnRef>
+          <a:fillRef idx="1">
+            <a:schemeClr val="accent1"/>
+          </a:fillRef>
+          <a:effectRef idx="0">
+            <a:schemeClr val="accent1"/>
+          </a:effectRef>
+          <a:fontRef idx="minor">
+            <a:schemeClr val="lt1"/>
+          </a:fontRef>
+        </p:style>
+        <p:txBody>
+          <a:bodyPr rtlCol="0" anchor="ctr"/>
+          <a:lstStyle/>
+          <a:p>
+            <a:pPr algn="ctr"/>
+            <a:r>
+              <a:rPr lang="en-US" sz="1200" dirty="0" smtClean="0">
+                <a:solidFill>
+                  <a:srgbClr val="FF0000"/>
+                </a:solidFill>
+                <a:latin typeface="Arial" panose="020B0604020202020204" pitchFamily="34" charset="0"/>
+                <a:cs typeface="Arial" panose="020B0604020202020204" pitchFamily="34" charset="0"/>
               </a:rPr>
-              <a:t>Separate section is displayed for electronic devices when clicked on it page is redirected to products page.</a:t>
-            </a:r>
-          </a:p>
-          <a:p>
-            <a:pPr marL="457200" indent="-457200" algn="l">
-              <a:buFont typeface="+mj-lt"/>
-              <a:buAutoNum type="arabicPeriod"/>
-            </a:pPr>
-            <a:r>
-              <a:rPr lang="en-US" altLang="ja-JP" sz="2400" dirty="0" smtClean="0">
-                <a:latin typeface="+mj-lt"/>
+              <a:t>2</a:t>
+            </a:r>
+            <a:endParaRPr lang="en-IN" sz="1200" dirty="0">
+              <a:solidFill>
+                <a:srgbClr val="FF0000"/>
+              </a:solidFill>
+              <a:latin typeface="Arial" panose="020B0604020202020204" pitchFamily="34" charset="0"/>
+              <a:cs typeface="Arial" panose="020B0604020202020204" pitchFamily="34" charset="0"/>
+            </a:endParaRPr>
+          </a:p>
+        </p:txBody>
+      </p:sp>
+      <p:cxnSp>
+        <p:nvCxnSpPr>
+          <p:cNvPr id="10" name="Shape 19"/>
+          <p:cNvCxnSpPr/>
+          <p:nvPr/>
+        </p:nvCxnSpPr>
+        <p:spPr>
+          <a:xfrm rot="10800000">
+            <a:off x="1763688" y="3717032"/>
+            <a:ext cx="1728192" cy="216024"/>
+          </a:xfrm>
+          <a:prstGeom prst="bentConnector3">
+            <a:avLst>
+              <a:gd name="adj1" fmla="val 50000"/>
+            </a:avLst>
+          </a:prstGeom>
+          <a:ln>
+            <a:solidFill>
+              <a:srgbClr val="FF0000"/>
+            </a:solidFill>
+            <a:tailEnd type="arrow"/>
+          </a:ln>
+        </p:spPr>
+        <p:style>
+          <a:lnRef idx="1">
+            <a:schemeClr val="accent1"/>
+          </a:lnRef>
+          <a:fillRef idx="0">
+            <a:schemeClr val="accent1"/>
+          </a:fillRef>
+          <a:effectRef idx="0">
+            <a:schemeClr val="accent1"/>
+          </a:effectRef>
+          <a:fontRef idx="minor">
+            <a:schemeClr val="tx1"/>
+          </a:fontRef>
+        </p:style>
+      </p:cxnSp>
+      <p:sp>
+        <p:nvSpPr>
+          <p:cNvPr id="11" name="Oval 10"/>
+          <p:cNvSpPr/>
+          <p:nvPr/>
+        </p:nvSpPr>
+        <p:spPr>
+          <a:xfrm>
+            <a:off x="3491880" y="3861048"/>
+            <a:ext cx="252008" cy="252008"/>
+          </a:xfrm>
+          <a:prstGeom prst="ellipse">
+            <a:avLst/>
+          </a:prstGeom>
+          <a:noFill/>
+          <a:ln>
+            <a:solidFill>
+              <a:schemeClr val="tx1"/>
+            </a:solidFill>
+          </a:ln>
+        </p:spPr>
+        <p:style>
+          <a:lnRef idx="2">
+            <a:schemeClr val="accent1">
+              <a:shade val="50000"/>
+            </a:schemeClr>
+          </a:lnRef>
+          <a:fillRef idx="1">
+            <a:schemeClr val="accent1"/>
+          </a:fillRef>
+          <a:effectRef idx="0">
+            <a:schemeClr val="accent1"/>
+          </a:effectRef>
+          <a:fontRef idx="minor">
+            <a:schemeClr val="lt1"/>
+          </a:fontRef>
+        </p:style>
+        <p:txBody>
+          <a:bodyPr rtlCol="0" anchor="ctr"/>
+          <a:lstStyle/>
+          <a:p>
+            <a:pPr algn="ctr"/>
+            <a:r>
+              <a:rPr lang="en-US" sz="1200" dirty="0" smtClean="0">
+                <a:solidFill>
+                  <a:srgbClr val="FF0000"/>
+                </a:solidFill>
+                <a:latin typeface="Arial" panose="020B0604020202020204" pitchFamily="34" charset="0"/>
+                <a:cs typeface="Arial" panose="020B0604020202020204" pitchFamily="34" charset="0"/>
               </a:rPr>
-              <a:t>Products are ranked as per the conditions and if product is bought more than “UP” is denoted or else “DOWN” is denoted.</a:t>
-            </a:r>
-          </a:p>
-          <a:p>
-            <a:pPr marL="457200" indent="-457200" algn="l">
-              <a:buFont typeface="+mj-lt"/>
-              <a:buAutoNum type="arabicPeriod"/>
-            </a:pPr>
-            <a:r>
-              <a:rPr kumimoji="1" lang="en-US" altLang="ja-JP" sz="2400" dirty="0" smtClean="0">
-                <a:latin typeface="+mj-lt"/>
+              <a:t>3</a:t>
+            </a:r>
+            <a:endParaRPr lang="en-IN" sz="1200" dirty="0">
+              <a:solidFill>
+                <a:srgbClr val="FF0000"/>
+              </a:solidFill>
+              <a:latin typeface="Arial" panose="020B0604020202020204" pitchFamily="34" charset="0"/>
+              <a:cs typeface="Arial" panose="020B0604020202020204" pitchFamily="34" charset="0"/>
+            </a:endParaRPr>
+          </a:p>
+        </p:txBody>
+      </p:sp>
+      <p:cxnSp>
+        <p:nvCxnSpPr>
+          <p:cNvPr id="12" name="Shape 19"/>
+          <p:cNvCxnSpPr/>
+          <p:nvPr/>
+        </p:nvCxnSpPr>
+        <p:spPr>
+          <a:xfrm rot="10800000">
+            <a:off x="1403648" y="5301208"/>
+            <a:ext cx="1944216" cy="720080"/>
+          </a:xfrm>
+          <a:prstGeom prst="bentConnector3">
+            <a:avLst>
+              <a:gd name="adj1" fmla="val 50000"/>
+            </a:avLst>
+          </a:prstGeom>
+          <a:ln>
+            <a:solidFill>
+              <a:srgbClr val="FF0000"/>
+            </a:solidFill>
+            <a:tailEnd type="arrow"/>
+          </a:ln>
+        </p:spPr>
+        <p:style>
+          <a:lnRef idx="1">
+            <a:schemeClr val="accent1"/>
+          </a:lnRef>
+          <a:fillRef idx="0">
+            <a:schemeClr val="accent1"/>
+          </a:fillRef>
+          <a:effectRef idx="0">
+            <a:schemeClr val="accent1"/>
+          </a:effectRef>
+          <a:fontRef idx="minor">
+            <a:schemeClr val="tx1"/>
+          </a:fontRef>
+        </p:style>
+      </p:cxnSp>
+      <p:sp>
+        <p:nvSpPr>
+          <p:cNvPr id="14" name="Oval 13"/>
+          <p:cNvSpPr/>
+          <p:nvPr/>
+        </p:nvSpPr>
+        <p:spPr>
+          <a:xfrm>
+            <a:off x="3347864" y="5877272"/>
+            <a:ext cx="252008" cy="252008"/>
+          </a:xfrm>
+          <a:prstGeom prst="ellipse">
+            <a:avLst/>
+          </a:prstGeom>
+          <a:noFill/>
+          <a:ln>
+            <a:solidFill>
+              <a:schemeClr val="tx1"/>
+            </a:solidFill>
+          </a:ln>
+        </p:spPr>
+        <p:style>
+          <a:lnRef idx="2">
+            <a:schemeClr val="accent1">
+              <a:shade val="50000"/>
+            </a:schemeClr>
+          </a:lnRef>
+          <a:fillRef idx="1">
+            <a:schemeClr val="accent1"/>
+          </a:fillRef>
+          <a:effectRef idx="0">
+            <a:schemeClr val="accent1"/>
+          </a:effectRef>
+          <a:fontRef idx="minor">
+            <a:schemeClr val="lt1"/>
+          </a:fontRef>
+        </p:style>
+        <p:txBody>
+          <a:bodyPr rtlCol="0" anchor="ctr"/>
+          <a:lstStyle/>
+          <a:p>
+            <a:pPr algn="ctr"/>
+            <a:r>
+              <a:rPr lang="en-US" sz="1200" dirty="0" smtClean="0">
+                <a:solidFill>
+                  <a:srgbClr val="FF0000"/>
+                </a:solidFill>
+                <a:latin typeface="Arial" panose="020B0604020202020204" pitchFamily="34" charset="0"/>
+                <a:cs typeface="Arial" panose="020B0604020202020204" pitchFamily="34" charset="0"/>
               </a:rPr>
-              <a:t>If product is highest ranked than it is denoted with golden crown.</a:t>
-            </a:r>
-          </a:p>
-          <a:p>
-            <a:pPr marL="457200" indent="-457200" algn="l">
-              <a:buFont typeface="+mj-lt"/>
-              <a:buAutoNum type="arabicPeriod"/>
-            </a:pPr>
-            <a:r>
-              <a:rPr lang="en-US" altLang="ja-JP" sz="2400" dirty="0" smtClean="0">
-                <a:latin typeface="+mj-lt"/>
+              <a:t>4</a:t>
+            </a:r>
+            <a:endParaRPr lang="en-IN" sz="1200" dirty="0">
+              <a:solidFill>
+                <a:srgbClr val="FF0000"/>
+              </a:solidFill>
+              <a:latin typeface="Arial" panose="020B0604020202020204" pitchFamily="34" charset="0"/>
+              <a:cs typeface="Arial" panose="020B0604020202020204" pitchFamily="34" charset="0"/>
+            </a:endParaRPr>
+          </a:p>
+        </p:txBody>
+      </p:sp>
+      <p:cxnSp>
+        <p:nvCxnSpPr>
+          <p:cNvPr id="15" name="Shape 19"/>
+          <p:cNvCxnSpPr/>
+          <p:nvPr/>
+        </p:nvCxnSpPr>
+        <p:spPr>
+          <a:xfrm flipV="1">
+            <a:off x="6084168" y="1196752"/>
+            <a:ext cx="1872208" cy="1224136"/>
+          </a:xfrm>
+          <a:prstGeom prst="bentConnector3">
+            <a:avLst>
+              <a:gd name="adj1" fmla="val 50000"/>
+            </a:avLst>
+          </a:prstGeom>
+          <a:ln>
+            <a:solidFill>
+              <a:srgbClr val="FF0000"/>
+            </a:solidFill>
+            <a:tailEnd type="arrow"/>
+          </a:ln>
+        </p:spPr>
+        <p:style>
+          <a:lnRef idx="1">
+            <a:schemeClr val="accent1"/>
+          </a:lnRef>
+          <a:fillRef idx="0">
+            <a:schemeClr val="accent1"/>
+          </a:fillRef>
+          <a:effectRef idx="0">
+            <a:schemeClr val="accent1"/>
+          </a:effectRef>
+          <a:fontRef idx="minor">
+            <a:schemeClr val="tx1"/>
+          </a:fontRef>
+        </p:style>
+      </p:cxnSp>
+      <p:sp>
+        <p:nvSpPr>
+          <p:cNvPr id="20" name="Oval 19"/>
+          <p:cNvSpPr/>
+          <p:nvPr/>
+        </p:nvSpPr>
+        <p:spPr>
+          <a:xfrm>
+            <a:off x="5796136" y="2276872"/>
+            <a:ext cx="252008" cy="252008"/>
+          </a:xfrm>
+          <a:prstGeom prst="ellipse">
+            <a:avLst/>
+          </a:prstGeom>
+          <a:noFill/>
+          <a:ln>
+            <a:solidFill>
+              <a:schemeClr val="tx1"/>
+            </a:solidFill>
+          </a:ln>
+        </p:spPr>
+        <p:style>
+          <a:lnRef idx="2">
+            <a:schemeClr val="accent1">
+              <a:shade val="50000"/>
+            </a:schemeClr>
+          </a:lnRef>
+          <a:fillRef idx="1">
+            <a:schemeClr val="accent1"/>
+          </a:fillRef>
+          <a:effectRef idx="0">
+            <a:schemeClr val="accent1"/>
+          </a:effectRef>
+          <a:fontRef idx="minor">
+            <a:schemeClr val="lt1"/>
+          </a:fontRef>
+        </p:style>
+        <p:txBody>
+          <a:bodyPr rtlCol="0" anchor="ctr"/>
+          <a:lstStyle/>
+          <a:p>
+            <a:pPr algn="ctr"/>
+            <a:r>
+              <a:rPr lang="en-US" sz="1200" dirty="0" smtClean="0">
+                <a:solidFill>
+                  <a:srgbClr val="FF0000"/>
+                </a:solidFill>
+                <a:latin typeface="Arial" panose="020B0604020202020204" pitchFamily="34" charset="0"/>
+                <a:cs typeface="Arial" panose="020B0604020202020204" pitchFamily="34" charset="0"/>
               </a:rPr>
-              <a:t>This section contains different categories of products where products are ranked on daily basis.</a:t>
-            </a:r>
-          </a:p>
-          <a:p>
-            <a:pPr marL="457200" indent="-457200" algn="l">
-              <a:buFont typeface="+mj-lt"/>
-              <a:buAutoNum type="arabicPeriod"/>
-            </a:pPr>
-            <a:r>
-              <a:rPr lang="en-US" altLang="ja-JP" sz="2400" dirty="0" smtClean="0">
-                <a:latin typeface="+mj-lt"/>
-              </a:rPr>
-              <a:t>When clicked on tab page is redirected to directory page all the products available under Rakuten are listed out as per category.</a:t>
-            </a:r>
-          </a:p>
-          <a:p>
-            <a:pPr marL="457200" indent="-457200" algn="l">
-              <a:buFont typeface="+mj-lt"/>
-              <a:buAutoNum type="arabicPeriod"/>
-            </a:pPr>
-            <a:endParaRPr kumimoji="1" lang="en-US" altLang="ja-JP" sz="2400" dirty="0" smtClean="0">
-              <a:latin typeface="+mj-lt"/>
+              <a:t>5</a:t>
+            </a:r>
+            <a:endParaRPr lang="en-IN" sz="1200" dirty="0">
+              <a:solidFill>
+                <a:srgbClr val="FF0000"/>
+              </a:solidFill>
+              <a:latin typeface="Arial" panose="020B0604020202020204" pitchFamily="34" charset="0"/>
+              <a:cs typeface="Arial" panose="020B0604020202020204" pitchFamily="34" charset="0"/>
             </a:endParaRPr>
           </a:p>
         </p:txBody>
@@ -7850,434 +7787,125 @@
           <a:chExt cx="0" cy="0"/>
         </a:xfrm>
       </p:grpSpPr>
-      <p:pic>
-        <p:nvPicPr>
-          <p:cNvPr id="9218" name="Picture 2"/>
-          <p:cNvPicPr>
-            <a:picLocks noChangeAspect="1" noChangeArrowheads="1"/>
-          </p:cNvPicPr>
-          <p:nvPr/>
-        </p:nvPicPr>
-        <p:blipFill>
-          <a:blip r:embed="rId2" cstate="print"/>
-          <a:srcRect/>
-          <a:stretch>
-            <a:fillRect/>
-          </a:stretch>
-        </p:blipFill>
-        <p:spPr bwMode="auto">
+      <p:sp>
+        <p:nvSpPr>
+          <p:cNvPr id="2" name="Title 1"/>
+          <p:cNvSpPr>
+            <a:spLocks noGrp="1"/>
+          </p:cNvSpPr>
+          <p:nvPr>
+            <p:ph type="ctrTitle"/>
+          </p:nvPr>
+        </p:nvSpPr>
+        <p:spPr>
           <a:xfrm>
-            <a:off x="0" y="280988"/>
-            <a:ext cx="9143999" cy="6577012"/>
-          </a:xfrm>
-          <a:prstGeom prst="rect">
-            <a:avLst/>
-          </a:prstGeom>
-          <a:noFill/>
-          <a:ln w="9525">
-            <a:noFill/>
-            <a:miter lim="800000"/>
-            <a:headEnd/>
-            <a:tailEnd/>
-          </a:ln>
-        </p:spPr>
-      </p:pic>
-      <p:cxnSp>
-        <p:nvCxnSpPr>
-          <p:cNvPr id="5" name="Shape 19"/>
-          <p:cNvCxnSpPr/>
-          <p:nvPr/>
-        </p:nvCxnSpPr>
-        <p:spPr>
-          <a:xfrm rot="10800000">
-            <a:off x="6228184" y="2204864"/>
-            <a:ext cx="2304256" cy="504056"/>
-          </a:xfrm>
-          <a:prstGeom prst="bentConnector3">
-            <a:avLst>
-              <a:gd name="adj1" fmla="val 50000"/>
-            </a:avLst>
-          </a:prstGeom>
-          <a:ln>
-            <a:solidFill>
-              <a:srgbClr val="FF0000"/>
-            </a:solidFill>
-            <a:tailEnd type="arrow"/>
-          </a:ln>
-        </p:spPr>
-        <p:style>
-          <a:lnRef idx="1">
-            <a:schemeClr val="accent1"/>
-          </a:lnRef>
-          <a:fillRef idx="0">
-            <a:schemeClr val="accent1"/>
-          </a:fillRef>
-          <a:effectRef idx="0">
-            <a:schemeClr val="accent1"/>
-          </a:effectRef>
-          <a:fontRef idx="minor">
-            <a:schemeClr val="tx1"/>
-          </a:fontRef>
-        </p:style>
-      </p:cxnSp>
-      <p:sp>
-        <p:nvSpPr>
-          <p:cNvPr id="7" name="Oval 6"/>
-          <p:cNvSpPr/>
-          <p:nvPr/>
+            <a:off x="467544" y="188640"/>
+            <a:ext cx="8287072" cy="792088"/>
+          </a:xfrm>
+        </p:spPr>
+        <p:txBody>
+          <a:bodyPr>
+            <a:normAutofit/>
+          </a:bodyPr>
+          <a:lstStyle/>
+          <a:p>
+            <a:pPr algn="ctr"/>
+            <a:r>
+              <a:rPr kumimoji="1" lang="en-US" altLang="ja-JP" sz="4000" dirty="0" smtClean="0"/>
+              <a:t>What is good in Rakuten ranking page</a:t>
+            </a:r>
+            <a:endParaRPr kumimoji="1" lang="ja-JP" altLang="en-US" sz="4000"/>
+          </a:p>
+        </p:txBody>
+      </p:sp>
+      <p:sp>
+        <p:nvSpPr>
+          <p:cNvPr id="3" name="Subtitle 2"/>
+          <p:cNvSpPr>
+            <a:spLocks noGrp="1"/>
+          </p:cNvSpPr>
+          <p:nvPr>
+            <p:ph type="subTitle" idx="1"/>
+          </p:nvPr>
         </p:nvSpPr>
         <p:spPr>
           <a:xfrm>
-            <a:off x="6588224" y="6309320"/>
-            <a:ext cx="252008" cy="252008"/>
-          </a:xfrm>
-          <a:prstGeom prst="ellipse">
-            <a:avLst/>
-          </a:prstGeom>
-          <a:noFill/>
-          <a:ln>
-            <a:solidFill>
-              <a:schemeClr val="tx1"/>
-            </a:solidFill>
-          </a:ln>
-        </p:spPr>
-        <p:style>
-          <a:lnRef idx="2">
-            <a:schemeClr val="accent1">
-              <a:shade val="50000"/>
-            </a:schemeClr>
-          </a:lnRef>
-          <a:fillRef idx="1">
-            <a:schemeClr val="accent1"/>
-          </a:fillRef>
-          <a:effectRef idx="0">
-            <a:schemeClr val="accent1"/>
-          </a:effectRef>
-          <a:fontRef idx="minor">
-            <a:schemeClr val="lt1"/>
-          </a:fontRef>
-        </p:style>
-        <p:txBody>
-          <a:bodyPr rtlCol="0" anchor="ctr"/>
-          <a:lstStyle/>
-          <a:p>
-            <a:pPr algn="ctr"/>
-            <a:r>
-              <a:rPr lang="en-US" sz="1200" dirty="0" smtClean="0">
-                <a:solidFill>
-                  <a:srgbClr val="FF0000"/>
-                </a:solidFill>
-                <a:latin typeface="Arial" panose="020B0604020202020204" pitchFamily="34" charset="0"/>
-                <a:cs typeface="Arial" panose="020B0604020202020204" pitchFamily="34" charset="0"/>
+            <a:off x="395536" y="980728"/>
+            <a:ext cx="8070720" cy="4752528"/>
+          </a:xfrm>
+        </p:spPr>
+        <p:txBody>
+          <a:bodyPr>
+            <a:normAutofit lnSpcReduction="10000"/>
+          </a:bodyPr>
+          <a:lstStyle/>
+          <a:p>
+            <a:pPr marL="457200" indent="-457200" algn="l">
+              <a:buFont typeface="+mj-lt"/>
+              <a:buAutoNum type="arabicPeriod"/>
+            </a:pPr>
+            <a:r>
+              <a:rPr kumimoji="1" lang="en-US" altLang="ja-JP" sz="2400" dirty="0" smtClean="0">
+                <a:latin typeface="+mj-lt"/>
               </a:rPr>
-              <a:t>1</a:t>
-            </a:r>
-            <a:endParaRPr lang="en-IN" sz="1200" dirty="0">
-              <a:solidFill>
-                <a:srgbClr val="FF0000"/>
-              </a:solidFill>
-              <a:latin typeface="Arial" panose="020B0604020202020204" pitchFamily="34" charset="0"/>
-              <a:cs typeface="Arial" panose="020B0604020202020204" pitchFamily="34" charset="0"/>
-            </a:endParaRPr>
-          </a:p>
-        </p:txBody>
-      </p:sp>
-      <p:cxnSp>
-        <p:nvCxnSpPr>
-          <p:cNvPr id="8" name="Shape 19"/>
-          <p:cNvCxnSpPr/>
-          <p:nvPr/>
-        </p:nvCxnSpPr>
-        <p:spPr>
-          <a:xfrm rot="10800000">
-            <a:off x="4364360" y="5957664"/>
-            <a:ext cx="2304256" cy="504056"/>
-          </a:xfrm>
-          <a:prstGeom prst="bentConnector3">
-            <a:avLst>
-              <a:gd name="adj1" fmla="val 50000"/>
-            </a:avLst>
-          </a:prstGeom>
-          <a:ln>
-            <a:solidFill>
-              <a:srgbClr val="FF0000"/>
-            </a:solidFill>
-            <a:tailEnd type="arrow"/>
-          </a:ln>
-        </p:spPr>
-        <p:style>
-          <a:lnRef idx="1">
-            <a:schemeClr val="accent1"/>
-          </a:lnRef>
-          <a:fillRef idx="0">
-            <a:schemeClr val="accent1"/>
-          </a:fillRef>
-          <a:effectRef idx="0">
-            <a:schemeClr val="accent1"/>
-          </a:effectRef>
-          <a:fontRef idx="minor">
-            <a:schemeClr val="tx1"/>
-          </a:fontRef>
-        </p:style>
-      </p:cxnSp>
-      <p:sp>
-        <p:nvSpPr>
-          <p:cNvPr id="10" name="Oval 9"/>
-          <p:cNvSpPr/>
-          <p:nvPr/>
-        </p:nvSpPr>
-        <p:spPr>
-          <a:xfrm>
-            <a:off x="8532440" y="2564904"/>
-            <a:ext cx="252008" cy="252008"/>
-          </a:xfrm>
-          <a:prstGeom prst="ellipse">
-            <a:avLst/>
-          </a:prstGeom>
-          <a:noFill/>
-          <a:ln>
-            <a:solidFill>
-              <a:schemeClr val="tx1"/>
-            </a:solidFill>
-          </a:ln>
-        </p:spPr>
-        <p:style>
-          <a:lnRef idx="2">
-            <a:schemeClr val="accent1">
-              <a:shade val="50000"/>
-            </a:schemeClr>
-          </a:lnRef>
-          <a:fillRef idx="1">
-            <a:schemeClr val="accent1"/>
-          </a:fillRef>
-          <a:effectRef idx="0">
-            <a:schemeClr val="accent1"/>
-          </a:effectRef>
-          <a:fontRef idx="minor">
-            <a:schemeClr val="lt1"/>
-          </a:fontRef>
-        </p:style>
-        <p:txBody>
-          <a:bodyPr rtlCol="0" anchor="ctr"/>
-          <a:lstStyle/>
-          <a:p>
-            <a:pPr algn="ctr"/>
-            <a:r>
-              <a:rPr lang="en-US" sz="1200" dirty="0" smtClean="0">
-                <a:solidFill>
-                  <a:srgbClr val="FF0000"/>
-                </a:solidFill>
-                <a:latin typeface="Arial" panose="020B0604020202020204" pitchFamily="34" charset="0"/>
-                <a:cs typeface="Arial" panose="020B0604020202020204" pitchFamily="34" charset="0"/>
+              <a:t>Separate section is displayed for electronic devices when clicked on it page is redirected to products page.</a:t>
+            </a:r>
+          </a:p>
+          <a:p>
+            <a:pPr marL="457200" indent="-457200" algn="l">
+              <a:buFont typeface="+mj-lt"/>
+              <a:buAutoNum type="arabicPeriod"/>
+            </a:pPr>
+            <a:r>
+              <a:rPr lang="en-US" altLang="ja-JP" sz="2400" dirty="0" smtClean="0">
+                <a:latin typeface="+mj-lt"/>
               </a:rPr>
-              <a:t>2</a:t>
-            </a:r>
-            <a:endParaRPr lang="en-IN" sz="1200" dirty="0">
-              <a:solidFill>
-                <a:srgbClr val="FF0000"/>
-              </a:solidFill>
-              <a:latin typeface="Arial" panose="020B0604020202020204" pitchFamily="34" charset="0"/>
-              <a:cs typeface="Arial" panose="020B0604020202020204" pitchFamily="34" charset="0"/>
-            </a:endParaRPr>
-          </a:p>
-        </p:txBody>
-      </p:sp>
-      <p:cxnSp>
-        <p:nvCxnSpPr>
-          <p:cNvPr id="11" name="Shape 19"/>
-          <p:cNvCxnSpPr/>
-          <p:nvPr/>
-        </p:nvCxnSpPr>
-        <p:spPr>
-          <a:xfrm rot="10800000">
-            <a:off x="6228184" y="1700808"/>
-            <a:ext cx="2304256" cy="360040"/>
-          </a:xfrm>
-          <a:prstGeom prst="bentConnector3">
-            <a:avLst>
-              <a:gd name="adj1" fmla="val 50000"/>
-            </a:avLst>
-          </a:prstGeom>
-          <a:ln>
-            <a:solidFill>
-              <a:srgbClr val="FF0000"/>
-            </a:solidFill>
-            <a:tailEnd type="arrow"/>
-          </a:ln>
-        </p:spPr>
-        <p:style>
-          <a:lnRef idx="1">
-            <a:schemeClr val="accent1"/>
-          </a:lnRef>
-          <a:fillRef idx="0">
-            <a:schemeClr val="accent1"/>
-          </a:fillRef>
-          <a:effectRef idx="0">
-            <a:schemeClr val="accent1"/>
-          </a:effectRef>
-          <a:fontRef idx="minor">
-            <a:schemeClr val="tx1"/>
-          </a:fontRef>
-        </p:style>
-      </p:cxnSp>
-      <p:sp>
-        <p:nvSpPr>
-          <p:cNvPr id="13" name="Oval 12"/>
-          <p:cNvSpPr/>
-          <p:nvPr/>
-        </p:nvSpPr>
-        <p:spPr>
-          <a:xfrm>
-            <a:off x="8532440" y="1988840"/>
-            <a:ext cx="252008" cy="252008"/>
-          </a:xfrm>
-          <a:prstGeom prst="ellipse">
-            <a:avLst/>
-          </a:prstGeom>
-          <a:noFill/>
-          <a:ln>
-            <a:solidFill>
-              <a:schemeClr val="tx1"/>
-            </a:solidFill>
-          </a:ln>
-        </p:spPr>
-        <p:style>
-          <a:lnRef idx="2">
-            <a:schemeClr val="accent1">
-              <a:shade val="50000"/>
-            </a:schemeClr>
-          </a:lnRef>
-          <a:fillRef idx="1">
-            <a:schemeClr val="accent1"/>
-          </a:fillRef>
-          <a:effectRef idx="0">
-            <a:schemeClr val="accent1"/>
-          </a:effectRef>
-          <a:fontRef idx="minor">
-            <a:schemeClr val="lt1"/>
-          </a:fontRef>
-        </p:style>
-        <p:txBody>
-          <a:bodyPr rtlCol="0" anchor="ctr"/>
-          <a:lstStyle/>
-          <a:p>
-            <a:pPr algn="ctr"/>
-            <a:r>
-              <a:rPr lang="en-US" sz="1200" dirty="0" smtClean="0">
-                <a:solidFill>
-                  <a:srgbClr val="FF0000"/>
-                </a:solidFill>
-                <a:latin typeface="Arial" panose="020B0604020202020204" pitchFamily="34" charset="0"/>
-                <a:cs typeface="Arial" panose="020B0604020202020204" pitchFamily="34" charset="0"/>
+              <a:t>Products are ranked as per the conditions and if product is bought more than “UP” is denoted or else “DOWN” is denoted.</a:t>
+            </a:r>
+          </a:p>
+          <a:p>
+            <a:pPr marL="457200" indent="-457200" algn="l">
+              <a:buFont typeface="+mj-lt"/>
+              <a:buAutoNum type="arabicPeriod"/>
+            </a:pPr>
+            <a:r>
+              <a:rPr kumimoji="1" lang="en-US" altLang="ja-JP" sz="2400" dirty="0" smtClean="0">
+                <a:latin typeface="+mj-lt"/>
               </a:rPr>
-              <a:t>3</a:t>
-            </a:r>
-            <a:endParaRPr lang="en-IN" sz="1200" dirty="0">
-              <a:solidFill>
-                <a:srgbClr val="FF0000"/>
-              </a:solidFill>
-              <a:latin typeface="Arial" panose="020B0604020202020204" pitchFamily="34" charset="0"/>
-              <a:cs typeface="Arial" panose="020B0604020202020204" pitchFamily="34" charset="0"/>
-            </a:endParaRPr>
-          </a:p>
-        </p:txBody>
-      </p:sp>
-      <p:cxnSp>
-        <p:nvCxnSpPr>
-          <p:cNvPr id="14" name="Shape 19"/>
-          <p:cNvCxnSpPr/>
-          <p:nvPr/>
-        </p:nvCxnSpPr>
-        <p:spPr>
-          <a:xfrm rot="16200000" flipV="1">
-            <a:off x="5328084" y="872716"/>
-            <a:ext cx="504056" cy="288032"/>
-          </a:xfrm>
-          <a:prstGeom prst="bentConnector3">
-            <a:avLst>
-              <a:gd name="adj1" fmla="val 50000"/>
-            </a:avLst>
-          </a:prstGeom>
-          <a:ln>
-            <a:solidFill>
-              <a:srgbClr val="FF0000"/>
-            </a:solidFill>
-            <a:tailEnd type="arrow"/>
-          </a:ln>
-        </p:spPr>
-        <p:style>
-          <a:lnRef idx="1">
-            <a:schemeClr val="accent1"/>
-          </a:lnRef>
-          <a:fillRef idx="0">
-            <a:schemeClr val="accent1"/>
-          </a:fillRef>
-          <a:effectRef idx="0">
-            <a:schemeClr val="accent1"/>
-          </a:effectRef>
-          <a:fontRef idx="minor">
-            <a:schemeClr val="tx1"/>
-          </a:fontRef>
-        </p:style>
-      </p:cxnSp>
-      <p:sp>
-        <p:nvSpPr>
-          <p:cNvPr id="16" name="Oval 15"/>
-          <p:cNvSpPr/>
-          <p:nvPr/>
-        </p:nvSpPr>
-        <p:spPr>
-          <a:xfrm>
-            <a:off x="5580112" y="1268760"/>
-            <a:ext cx="252008" cy="252008"/>
-          </a:xfrm>
-          <a:prstGeom prst="ellipse">
-            <a:avLst/>
-          </a:prstGeom>
-          <a:noFill/>
-          <a:ln>
-            <a:solidFill>
-              <a:schemeClr val="tx1"/>
-            </a:solidFill>
-          </a:ln>
-        </p:spPr>
-        <p:style>
-          <a:lnRef idx="2">
-            <a:schemeClr val="accent1">
-              <a:shade val="50000"/>
-            </a:schemeClr>
-          </a:lnRef>
-          <a:fillRef idx="1">
-            <a:schemeClr val="accent1"/>
-          </a:fillRef>
-          <a:effectRef idx="0">
-            <a:schemeClr val="accent1"/>
-          </a:effectRef>
-          <a:fontRef idx="minor">
-            <a:schemeClr val="lt1"/>
-          </a:fontRef>
-        </p:style>
-        <p:txBody>
-          <a:bodyPr rtlCol="0" anchor="ctr"/>
-          <a:lstStyle/>
-          <a:p>
-            <a:pPr algn="ctr"/>
-            <a:r>
-              <a:rPr lang="en-US" sz="1200" dirty="0" smtClean="0">
-                <a:solidFill>
-                  <a:srgbClr val="FF0000"/>
-                </a:solidFill>
-                <a:latin typeface="Arial" panose="020B0604020202020204" pitchFamily="34" charset="0"/>
-                <a:cs typeface="Arial" panose="020B0604020202020204" pitchFamily="34" charset="0"/>
+              <a:t>If product is highest ranked than it is denoted with golden crown.</a:t>
+            </a:r>
+          </a:p>
+          <a:p>
+            <a:pPr marL="457200" indent="-457200" algn="l">
+              <a:buFont typeface="+mj-lt"/>
+              <a:buAutoNum type="arabicPeriod"/>
+            </a:pPr>
+            <a:r>
+              <a:rPr lang="en-US" altLang="ja-JP" sz="2400" dirty="0" smtClean="0">
+                <a:latin typeface="+mj-lt"/>
               </a:rPr>
-              <a:t>4</a:t>
-            </a:r>
-            <a:endParaRPr lang="en-IN" sz="1200" dirty="0">
-              <a:solidFill>
-                <a:srgbClr val="FF0000"/>
-              </a:solidFill>
-              <a:latin typeface="Arial" panose="020B0604020202020204" pitchFamily="34" charset="0"/>
-              <a:cs typeface="Arial" panose="020B0604020202020204" pitchFamily="34" charset="0"/>
+              <a:t>This section contains different categories of products where products are ranked on daily basis.</a:t>
+            </a:r>
+          </a:p>
+          <a:p>
+            <a:pPr marL="457200" indent="-457200" algn="l">
+              <a:buFont typeface="+mj-lt"/>
+              <a:buAutoNum type="arabicPeriod"/>
+            </a:pPr>
+            <a:r>
+              <a:rPr lang="en-US" altLang="ja-JP" sz="2400" dirty="0" smtClean="0">
+                <a:latin typeface="+mj-lt"/>
+              </a:rPr>
+              <a:t>When clicked on tab page is redirected to directory page all the products available under Rakuten are listed out as per category.</a:t>
+            </a:r>
+          </a:p>
+          <a:p>
+            <a:pPr marL="457200" indent="-457200" algn="l">
+              <a:buFont typeface="+mj-lt"/>
+              <a:buAutoNum type="arabicPeriod"/>
+            </a:pPr>
+            <a:endParaRPr kumimoji="1" lang="en-US" altLang="ja-JP" sz="2400" dirty="0" smtClean="0">
+              <a:latin typeface="+mj-lt"/>
             </a:endParaRPr>
           </a:p>
         </p:txBody>
@@ -8307,113 +7935,434 @@
           <a:chExt cx="0" cy="0"/>
         </a:xfrm>
       </p:grpSpPr>
-      <p:sp>
-        <p:nvSpPr>
-          <p:cNvPr id="2" name="Title 1"/>
-          <p:cNvSpPr>
-            <a:spLocks noGrp="1"/>
-          </p:cNvSpPr>
-          <p:nvPr>
-            <p:ph type="ctrTitle"/>
-          </p:nvPr>
-        </p:nvSpPr>
-        <p:spPr>
+      <p:pic>
+        <p:nvPicPr>
+          <p:cNvPr id="9218" name="Picture 2"/>
+          <p:cNvPicPr>
+            <a:picLocks noChangeAspect="1" noChangeArrowheads="1"/>
+          </p:cNvPicPr>
+          <p:nvPr/>
+        </p:nvPicPr>
+        <p:blipFill>
+          <a:blip r:embed="rId2" cstate="print"/>
+          <a:srcRect/>
+          <a:stretch>
+            <a:fillRect/>
+          </a:stretch>
+        </p:blipFill>
+        <p:spPr bwMode="auto">
           <a:xfrm>
-            <a:off x="107504" y="404664"/>
-            <a:ext cx="8784976" cy="792088"/>
-          </a:xfrm>
-        </p:spPr>
-        <p:txBody>
-          <a:bodyPr>
-            <a:normAutofit/>
-          </a:bodyPr>
-          <a:lstStyle/>
-          <a:p>
-            <a:pPr algn="l"/>
-            <a:r>
-              <a:rPr kumimoji="1" lang="en-US" altLang="ja-JP" sz="4000" dirty="0" smtClean="0"/>
-              <a:t>What looks good in Rakuten Books Page</a:t>
-            </a:r>
-            <a:endParaRPr kumimoji="1" lang="ja-JP" altLang="en-US" sz="4000"/>
-          </a:p>
-        </p:txBody>
-      </p:sp>
-      <p:sp>
-        <p:nvSpPr>
-          <p:cNvPr id="3" name="Subtitle 2"/>
-          <p:cNvSpPr>
-            <a:spLocks noGrp="1"/>
-          </p:cNvSpPr>
-          <p:nvPr>
-            <p:ph type="subTitle" idx="1"/>
-          </p:nvPr>
+            <a:off x="0" y="280988"/>
+            <a:ext cx="9143999" cy="6577012"/>
+          </a:xfrm>
+          <a:prstGeom prst="rect">
+            <a:avLst/>
+          </a:prstGeom>
+          <a:noFill/>
+          <a:ln w="9525">
+            <a:noFill/>
+            <a:miter lim="800000"/>
+            <a:headEnd/>
+            <a:tailEnd/>
+          </a:ln>
+        </p:spPr>
+      </p:pic>
+      <p:cxnSp>
+        <p:nvCxnSpPr>
+          <p:cNvPr id="5" name="Shape 19"/>
+          <p:cNvCxnSpPr/>
+          <p:nvPr/>
+        </p:nvCxnSpPr>
+        <p:spPr>
+          <a:xfrm rot="10800000">
+            <a:off x="6228184" y="2204864"/>
+            <a:ext cx="2304256" cy="504056"/>
+          </a:xfrm>
+          <a:prstGeom prst="bentConnector3">
+            <a:avLst>
+              <a:gd name="adj1" fmla="val 50000"/>
+            </a:avLst>
+          </a:prstGeom>
+          <a:ln>
+            <a:solidFill>
+              <a:srgbClr val="FF0000"/>
+            </a:solidFill>
+            <a:tailEnd type="arrow"/>
+          </a:ln>
+        </p:spPr>
+        <p:style>
+          <a:lnRef idx="1">
+            <a:schemeClr val="accent1"/>
+          </a:lnRef>
+          <a:fillRef idx="0">
+            <a:schemeClr val="accent1"/>
+          </a:fillRef>
+          <a:effectRef idx="0">
+            <a:schemeClr val="accent1"/>
+          </a:effectRef>
+          <a:fontRef idx="minor">
+            <a:schemeClr val="tx1"/>
+          </a:fontRef>
+        </p:style>
+      </p:cxnSp>
+      <p:sp>
+        <p:nvSpPr>
+          <p:cNvPr id="7" name="Oval 6"/>
+          <p:cNvSpPr/>
+          <p:nvPr/>
         </p:nvSpPr>
         <p:spPr>
           <a:xfrm>
-            <a:off x="179512" y="1340768"/>
-            <a:ext cx="8640960" cy="3744416"/>
-          </a:xfrm>
-        </p:spPr>
-        <p:txBody>
-          <a:bodyPr>
-            <a:normAutofit/>
-          </a:bodyPr>
-          <a:lstStyle/>
-          <a:p>
-            <a:pPr marL="514350" indent="-514350" algn="l">
-              <a:buFont typeface="+mj-lt"/>
-              <a:buAutoNum type="arabicPeriod"/>
-            </a:pPr>
-            <a:r>
-              <a:rPr kumimoji="1" lang="en-US" altLang="ja-JP" sz="2400" dirty="0" smtClean="0">
-                <a:latin typeface="+mj-lt"/>
+            <a:off x="6588224" y="6309320"/>
+            <a:ext cx="252008" cy="252008"/>
+          </a:xfrm>
+          <a:prstGeom prst="ellipse">
+            <a:avLst/>
+          </a:prstGeom>
+          <a:noFill/>
+          <a:ln>
+            <a:solidFill>
+              <a:schemeClr val="tx1"/>
+            </a:solidFill>
+          </a:ln>
+        </p:spPr>
+        <p:style>
+          <a:lnRef idx="2">
+            <a:schemeClr val="accent1">
+              <a:shade val="50000"/>
+            </a:schemeClr>
+          </a:lnRef>
+          <a:fillRef idx="1">
+            <a:schemeClr val="accent1"/>
+          </a:fillRef>
+          <a:effectRef idx="0">
+            <a:schemeClr val="accent1"/>
+          </a:effectRef>
+          <a:fontRef idx="minor">
+            <a:schemeClr val="lt1"/>
+          </a:fontRef>
+        </p:style>
+        <p:txBody>
+          <a:bodyPr rtlCol="0" anchor="ctr"/>
+          <a:lstStyle/>
+          <a:p>
+            <a:pPr algn="ctr"/>
+            <a:r>
+              <a:rPr lang="en-US" sz="1200" dirty="0" smtClean="0">
+                <a:solidFill>
+                  <a:srgbClr val="FF0000"/>
+                </a:solidFill>
+                <a:latin typeface="Arial" panose="020B0604020202020204" pitchFamily="34" charset="0"/>
+                <a:cs typeface="Arial" panose="020B0604020202020204" pitchFamily="34" charset="0"/>
               </a:rPr>
-              <a:t>The books which mostly buy and recently launched are displayed so that they can be easily accessed.</a:t>
-            </a:r>
-          </a:p>
-          <a:p>
-            <a:pPr marL="514350" indent="-514350" algn="l">
-              <a:buFont typeface="+mj-lt"/>
-              <a:buAutoNum type="arabicPeriod"/>
-            </a:pPr>
-            <a:r>
-              <a:rPr kumimoji="1" lang="en-US" altLang="ja-JP" sz="2400" dirty="0" smtClean="0">
-                <a:latin typeface="+mj-lt"/>
+              <a:t>1</a:t>
+            </a:r>
+            <a:endParaRPr lang="en-IN" sz="1200" dirty="0">
+              <a:solidFill>
+                <a:srgbClr val="FF0000"/>
+              </a:solidFill>
+              <a:latin typeface="Arial" panose="020B0604020202020204" pitchFamily="34" charset="0"/>
+              <a:cs typeface="Arial" panose="020B0604020202020204" pitchFamily="34" charset="0"/>
+            </a:endParaRPr>
+          </a:p>
+        </p:txBody>
+      </p:sp>
+      <p:cxnSp>
+        <p:nvCxnSpPr>
+          <p:cNvPr id="8" name="Shape 19"/>
+          <p:cNvCxnSpPr/>
+          <p:nvPr/>
+        </p:nvCxnSpPr>
+        <p:spPr>
+          <a:xfrm rot="10800000">
+            <a:off x="4364360" y="5957664"/>
+            <a:ext cx="2304256" cy="504056"/>
+          </a:xfrm>
+          <a:prstGeom prst="bentConnector3">
+            <a:avLst>
+              <a:gd name="adj1" fmla="val 50000"/>
+            </a:avLst>
+          </a:prstGeom>
+          <a:ln>
+            <a:solidFill>
+              <a:srgbClr val="FF0000"/>
+            </a:solidFill>
+            <a:tailEnd type="arrow"/>
+          </a:ln>
+        </p:spPr>
+        <p:style>
+          <a:lnRef idx="1">
+            <a:schemeClr val="accent1"/>
+          </a:lnRef>
+          <a:fillRef idx="0">
+            <a:schemeClr val="accent1"/>
+          </a:fillRef>
+          <a:effectRef idx="0">
+            <a:schemeClr val="accent1"/>
+          </a:effectRef>
+          <a:fontRef idx="minor">
+            <a:schemeClr val="tx1"/>
+          </a:fontRef>
+        </p:style>
+      </p:cxnSp>
+      <p:sp>
+        <p:nvSpPr>
+          <p:cNvPr id="10" name="Oval 9"/>
+          <p:cNvSpPr/>
+          <p:nvPr/>
+        </p:nvSpPr>
+        <p:spPr>
+          <a:xfrm>
+            <a:off x="8532440" y="2564904"/>
+            <a:ext cx="252008" cy="252008"/>
+          </a:xfrm>
+          <a:prstGeom prst="ellipse">
+            <a:avLst/>
+          </a:prstGeom>
+          <a:noFill/>
+          <a:ln>
+            <a:solidFill>
+              <a:schemeClr val="tx1"/>
+            </a:solidFill>
+          </a:ln>
+        </p:spPr>
+        <p:style>
+          <a:lnRef idx="2">
+            <a:schemeClr val="accent1">
+              <a:shade val="50000"/>
+            </a:schemeClr>
+          </a:lnRef>
+          <a:fillRef idx="1">
+            <a:schemeClr val="accent1"/>
+          </a:fillRef>
+          <a:effectRef idx="0">
+            <a:schemeClr val="accent1"/>
+          </a:effectRef>
+          <a:fontRef idx="minor">
+            <a:schemeClr val="lt1"/>
+          </a:fontRef>
+        </p:style>
+        <p:txBody>
+          <a:bodyPr rtlCol="0" anchor="ctr"/>
+          <a:lstStyle/>
+          <a:p>
+            <a:pPr algn="ctr"/>
+            <a:r>
+              <a:rPr lang="en-US" sz="1200" dirty="0" smtClean="0">
+                <a:solidFill>
+                  <a:srgbClr val="FF0000"/>
+                </a:solidFill>
+                <a:latin typeface="Arial" panose="020B0604020202020204" pitchFamily="34" charset="0"/>
+                <a:cs typeface="Arial" panose="020B0604020202020204" pitchFamily="34" charset="0"/>
               </a:rPr>
-              <a:t>The different brands of books are displayed so they can be accessed easily.</a:t>
-            </a:r>
-          </a:p>
-          <a:p>
-            <a:pPr marL="514350" indent="-514350" algn="l">
-              <a:buFont typeface="+mj-lt"/>
-              <a:buAutoNum type="arabicPeriod"/>
-            </a:pPr>
-            <a:r>
-              <a:rPr lang="en-US" altLang="ja-JP" sz="2400" dirty="0" smtClean="0">
-                <a:latin typeface="+mj-lt"/>
+              <a:t>2</a:t>
+            </a:r>
+            <a:endParaRPr lang="en-IN" sz="1200" dirty="0">
+              <a:solidFill>
+                <a:srgbClr val="FF0000"/>
+              </a:solidFill>
+              <a:latin typeface="Arial" panose="020B0604020202020204" pitchFamily="34" charset="0"/>
+              <a:cs typeface="Arial" panose="020B0604020202020204" pitchFamily="34" charset="0"/>
+            </a:endParaRPr>
+          </a:p>
+        </p:txBody>
+      </p:sp>
+      <p:cxnSp>
+        <p:nvCxnSpPr>
+          <p:cNvPr id="11" name="Shape 19"/>
+          <p:cNvCxnSpPr/>
+          <p:nvPr/>
+        </p:nvCxnSpPr>
+        <p:spPr>
+          <a:xfrm rot="10800000">
+            <a:off x="6228184" y="1700808"/>
+            <a:ext cx="2304256" cy="360040"/>
+          </a:xfrm>
+          <a:prstGeom prst="bentConnector3">
+            <a:avLst>
+              <a:gd name="adj1" fmla="val 50000"/>
+            </a:avLst>
+          </a:prstGeom>
+          <a:ln>
+            <a:solidFill>
+              <a:srgbClr val="FF0000"/>
+            </a:solidFill>
+            <a:tailEnd type="arrow"/>
+          </a:ln>
+        </p:spPr>
+        <p:style>
+          <a:lnRef idx="1">
+            <a:schemeClr val="accent1"/>
+          </a:lnRef>
+          <a:fillRef idx="0">
+            <a:schemeClr val="accent1"/>
+          </a:fillRef>
+          <a:effectRef idx="0">
+            <a:schemeClr val="accent1"/>
+          </a:effectRef>
+          <a:fontRef idx="minor">
+            <a:schemeClr val="tx1"/>
+          </a:fontRef>
+        </p:style>
+      </p:cxnSp>
+      <p:sp>
+        <p:nvSpPr>
+          <p:cNvPr id="13" name="Oval 12"/>
+          <p:cNvSpPr/>
+          <p:nvPr/>
+        </p:nvSpPr>
+        <p:spPr>
+          <a:xfrm>
+            <a:off x="8532440" y="1988840"/>
+            <a:ext cx="252008" cy="252008"/>
+          </a:xfrm>
+          <a:prstGeom prst="ellipse">
+            <a:avLst/>
+          </a:prstGeom>
+          <a:noFill/>
+          <a:ln>
+            <a:solidFill>
+              <a:schemeClr val="tx1"/>
+            </a:solidFill>
+          </a:ln>
+        </p:spPr>
+        <p:style>
+          <a:lnRef idx="2">
+            <a:schemeClr val="accent1">
+              <a:shade val="50000"/>
+            </a:schemeClr>
+          </a:lnRef>
+          <a:fillRef idx="1">
+            <a:schemeClr val="accent1"/>
+          </a:fillRef>
+          <a:effectRef idx="0">
+            <a:schemeClr val="accent1"/>
+          </a:effectRef>
+          <a:fontRef idx="minor">
+            <a:schemeClr val="lt1"/>
+          </a:fontRef>
+        </p:style>
+        <p:txBody>
+          <a:bodyPr rtlCol="0" anchor="ctr"/>
+          <a:lstStyle/>
+          <a:p>
+            <a:pPr algn="ctr"/>
+            <a:r>
+              <a:rPr lang="en-US" sz="1200" dirty="0" smtClean="0">
+                <a:solidFill>
+                  <a:srgbClr val="FF0000"/>
+                </a:solidFill>
+                <a:latin typeface="Arial" panose="020B0604020202020204" pitchFamily="34" charset="0"/>
+                <a:cs typeface="Arial" panose="020B0604020202020204" pitchFamily="34" charset="0"/>
               </a:rPr>
-              <a:t>The different formats of books such as DVD,E-BOOK, CD,etc are mentioned so that books can be accessed.</a:t>
-            </a:r>
-          </a:p>
-          <a:p>
-            <a:pPr marL="514350" indent="-514350" algn="l">
-              <a:buFont typeface="+mj-lt"/>
-              <a:buAutoNum type="arabicPeriod"/>
-            </a:pPr>
-            <a:r>
-              <a:rPr lang="en-US" altLang="ja-JP" sz="2400" dirty="0" smtClean="0">
-                <a:latin typeface="+mj-lt"/>
+              <a:t>3</a:t>
+            </a:r>
+            <a:endParaRPr lang="en-IN" sz="1200" dirty="0">
+              <a:solidFill>
+                <a:srgbClr val="FF0000"/>
+              </a:solidFill>
+              <a:latin typeface="Arial" panose="020B0604020202020204" pitchFamily="34" charset="0"/>
+              <a:cs typeface="Arial" panose="020B0604020202020204" pitchFamily="34" charset="0"/>
+            </a:endParaRPr>
+          </a:p>
+        </p:txBody>
+      </p:sp>
+      <p:cxnSp>
+        <p:nvCxnSpPr>
+          <p:cNvPr id="14" name="Shape 19"/>
+          <p:cNvCxnSpPr/>
+          <p:nvPr/>
+        </p:nvCxnSpPr>
+        <p:spPr>
+          <a:xfrm rot="16200000" flipV="1">
+            <a:off x="5328084" y="872716"/>
+            <a:ext cx="504056" cy="288032"/>
+          </a:xfrm>
+          <a:prstGeom prst="bentConnector3">
+            <a:avLst>
+              <a:gd name="adj1" fmla="val 50000"/>
+            </a:avLst>
+          </a:prstGeom>
+          <a:ln>
+            <a:solidFill>
+              <a:srgbClr val="FF0000"/>
+            </a:solidFill>
+            <a:tailEnd type="arrow"/>
+          </a:ln>
+        </p:spPr>
+        <p:style>
+          <a:lnRef idx="1">
+            <a:schemeClr val="accent1"/>
+          </a:lnRef>
+          <a:fillRef idx="0">
+            <a:schemeClr val="accent1"/>
+          </a:fillRef>
+          <a:effectRef idx="0">
+            <a:schemeClr val="accent1"/>
+          </a:effectRef>
+          <a:fontRef idx="minor">
+            <a:schemeClr val="tx1"/>
+          </a:fontRef>
+        </p:style>
+      </p:cxnSp>
+      <p:sp>
+        <p:nvSpPr>
+          <p:cNvPr id="16" name="Oval 15"/>
+          <p:cNvSpPr/>
+          <p:nvPr/>
+        </p:nvSpPr>
+        <p:spPr>
+          <a:xfrm>
+            <a:off x="5580112" y="1268760"/>
+            <a:ext cx="252008" cy="252008"/>
+          </a:xfrm>
+          <a:prstGeom prst="ellipse">
+            <a:avLst/>
+          </a:prstGeom>
+          <a:noFill/>
+          <a:ln>
+            <a:solidFill>
+              <a:schemeClr val="tx1"/>
+            </a:solidFill>
+          </a:ln>
+        </p:spPr>
+        <p:style>
+          <a:lnRef idx="2">
+            <a:schemeClr val="accent1">
+              <a:shade val="50000"/>
+            </a:schemeClr>
+          </a:lnRef>
+          <a:fillRef idx="1">
+            <a:schemeClr val="accent1"/>
+          </a:fillRef>
+          <a:effectRef idx="0">
+            <a:schemeClr val="accent1"/>
+          </a:effectRef>
+          <a:fontRef idx="minor">
+            <a:schemeClr val="lt1"/>
+          </a:fontRef>
+        </p:style>
+        <p:txBody>
+          <a:bodyPr rtlCol="0" anchor="ctr"/>
+          <a:lstStyle/>
+          <a:p>
+            <a:pPr algn="ctr"/>
+            <a:r>
+              <a:rPr lang="en-US" sz="1200" dirty="0" smtClean="0">
+                <a:solidFill>
+                  <a:srgbClr val="FF0000"/>
+                </a:solidFill>
+                <a:latin typeface="Arial" panose="020B0604020202020204" pitchFamily="34" charset="0"/>
+                <a:cs typeface="Arial" panose="020B0604020202020204" pitchFamily="34" charset="0"/>
               </a:rPr>
-              <a:t>We can check the coupons available on different books without selecting any particular book.</a:t>
-            </a:r>
-          </a:p>
-          <a:p>
-            <a:pPr marL="514350" indent="-514350" algn="l">
-              <a:buFont typeface="+mj-lt"/>
-              <a:buAutoNum type="arabicPeriod"/>
-            </a:pPr>
-            <a:endParaRPr kumimoji="1" lang="ja-JP" altLang="en-US" sz="2400">
-              <a:latin typeface="+mj-lt"/>
+              <a:t>4</a:t>
+            </a:r>
+            <a:endParaRPr lang="en-IN" sz="1200" dirty="0">
+              <a:solidFill>
+                <a:srgbClr val="FF0000"/>
+              </a:solidFill>
+              <a:latin typeface="Arial" panose="020B0604020202020204" pitchFamily="34" charset="0"/>
+              <a:cs typeface="Arial" panose="020B0604020202020204" pitchFamily="34" charset="0"/>
             </a:endParaRPr>
           </a:p>
         </p:txBody>
@@ -8443,534 +8392,113 @@
           <a:chExt cx="0" cy="0"/>
         </a:xfrm>
       </p:grpSpPr>
-      <p:pic>
-        <p:nvPicPr>
-          <p:cNvPr id="10243" name="Picture 3"/>
-          <p:cNvPicPr>
-            <a:picLocks noChangeAspect="1" noChangeArrowheads="1"/>
-          </p:cNvPicPr>
-          <p:nvPr/>
-        </p:nvPicPr>
-        <p:blipFill>
-          <a:blip r:embed="rId2" cstate="print"/>
-          <a:srcRect/>
-          <a:stretch>
-            <a:fillRect/>
-          </a:stretch>
-        </p:blipFill>
-        <p:spPr bwMode="auto">
+      <p:sp>
+        <p:nvSpPr>
+          <p:cNvPr id="2" name="Title 1"/>
+          <p:cNvSpPr>
+            <a:spLocks noGrp="1"/>
+          </p:cNvSpPr>
+          <p:nvPr>
+            <p:ph type="ctrTitle"/>
+          </p:nvPr>
+        </p:nvSpPr>
+        <p:spPr>
           <a:xfrm>
-            <a:off x="0" y="319088"/>
-            <a:ext cx="9144000" cy="6538912"/>
-          </a:xfrm>
-          <a:prstGeom prst="rect">
-            <a:avLst/>
-          </a:prstGeom>
-          <a:noFill/>
-          <a:ln w="9525">
-            <a:noFill/>
-            <a:miter lim="800000"/>
-            <a:headEnd/>
-            <a:tailEnd/>
-          </a:ln>
-        </p:spPr>
-      </p:pic>
-      <p:cxnSp>
-        <p:nvCxnSpPr>
-          <p:cNvPr id="6" name="Shape 19"/>
-          <p:cNvCxnSpPr/>
-          <p:nvPr/>
-        </p:nvCxnSpPr>
-        <p:spPr>
-          <a:xfrm rot="10800000">
-            <a:off x="5148064" y="3284984"/>
-            <a:ext cx="2952328" cy="1152128"/>
-          </a:xfrm>
-          <a:prstGeom prst="bentConnector3">
-            <a:avLst>
-              <a:gd name="adj1" fmla="val 50000"/>
-            </a:avLst>
-          </a:prstGeom>
-          <a:ln>
-            <a:solidFill>
-              <a:srgbClr val="FF0000"/>
-            </a:solidFill>
-            <a:tailEnd type="arrow"/>
-          </a:ln>
-        </p:spPr>
-        <p:style>
-          <a:lnRef idx="1">
-            <a:schemeClr val="accent1"/>
-          </a:lnRef>
-          <a:fillRef idx="0">
-            <a:schemeClr val="accent1"/>
-          </a:fillRef>
-          <a:effectRef idx="0">
-            <a:schemeClr val="accent1"/>
-          </a:effectRef>
-          <a:fontRef idx="minor">
-            <a:schemeClr val="tx1"/>
-          </a:fontRef>
-        </p:style>
-      </p:cxnSp>
-      <p:sp>
-        <p:nvSpPr>
-          <p:cNvPr id="8" name="Oval 7"/>
-          <p:cNvSpPr/>
-          <p:nvPr/>
+            <a:off x="107504" y="404664"/>
+            <a:ext cx="8784976" cy="792088"/>
+          </a:xfrm>
+        </p:spPr>
+        <p:txBody>
+          <a:bodyPr>
+            <a:normAutofit/>
+          </a:bodyPr>
+          <a:lstStyle/>
+          <a:p>
+            <a:pPr algn="l"/>
+            <a:r>
+              <a:rPr kumimoji="1" lang="en-US" altLang="ja-JP" sz="4000" dirty="0" smtClean="0"/>
+              <a:t>What looks good in Rakuten Books Page</a:t>
+            </a:r>
+            <a:endParaRPr kumimoji="1" lang="ja-JP" altLang="en-US" sz="4000"/>
+          </a:p>
+        </p:txBody>
+      </p:sp>
+      <p:sp>
+        <p:nvSpPr>
+          <p:cNvPr id="3" name="Subtitle 2"/>
+          <p:cNvSpPr>
+            <a:spLocks noGrp="1"/>
+          </p:cNvSpPr>
+          <p:nvPr>
+            <p:ph type="subTitle" idx="1"/>
+          </p:nvPr>
         </p:nvSpPr>
         <p:spPr>
           <a:xfrm>
-            <a:off x="8100392" y="4293096"/>
-            <a:ext cx="252008" cy="252008"/>
-          </a:xfrm>
-          <a:prstGeom prst="ellipse">
-            <a:avLst/>
-          </a:prstGeom>
-          <a:noFill/>
-          <a:ln>
-            <a:solidFill>
-              <a:schemeClr val="tx1"/>
-            </a:solidFill>
-          </a:ln>
-        </p:spPr>
-        <p:style>
-          <a:lnRef idx="2">
-            <a:schemeClr val="accent1">
-              <a:shade val="50000"/>
-            </a:schemeClr>
-          </a:lnRef>
-          <a:fillRef idx="1">
-            <a:schemeClr val="accent1"/>
-          </a:fillRef>
-          <a:effectRef idx="0">
-            <a:schemeClr val="accent1"/>
-          </a:effectRef>
-          <a:fontRef idx="minor">
-            <a:schemeClr val="lt1"/>
-          </a:fontRef>
-        </p:style>
-        <p:txBody>
-          <a:bodyPr rtlCol="0" anchor="ctr"/>
-          <a:lstStyle/>
-          <a:p>
-            <a:pPr algn="ctr"/>
-            <a:r>
-              <a:rPr lang="en-US" sz="1200" dirty="0" smtClean="0">
-                <a:solidFill>
-                  <a:srgbClr val="FF0000"/>
-                </a:solidFill>
-                <a:latin typeface="Arial" panose="020B0604020202020204" pitchFamily="34" charset="0"/>
-                <a:cs typeface="Arial" panose="020B0604020202020204" pitchFamily="34" charset="0"/>
+            <a:off x="179512" y="1340768"/>
+            <a:ext cx="8640960" cy="3744416"/>
+          </a:xfrm>
+        </p:spPr>
+        <p:txBody>
+          <a:bodyPr>
+            <a:normAutofit/>
+          </a:bodyPr>
+          <a:lstStyle/>
+          <a:p>
+            <a:pPr marL="514350" indent="-514350" algn="l">
+              <a:buFont typeface="+mj-lt"/>
+              <a:buAutoNum type="arabicPeriod"/>
+            </a:pPr>
+            <a:r>
+              <a:rPr kumimoji="1" lang="en-US" altLang="ja-JP" sz="2400" dirty="0" smtClean="0">
+                <a:latin typeface="+mj-lt"/>
               </a:rPr>
-              <a:t>1</a:t>
-            </a:r>
-            <a:endParaRPr lang="en-IN" sz="1200" dirty="0">
-              <a:solidFill>
-                <a:srgbClr val="FF0000"/>
-              </a:solidFill>
-              <a:latin typeface="Arial" panose="020B0604020202020204" pitchFamily="34" charset="0"/>
-              <a:cs typeface="Arial" panose="020B0604020202020204" pitchFamily="34" charset="0"/>
-            </a:endParaRPr>
-          </a:p>
-        </p:txBody>
-      </p:sp>
-      <p:cxnSp>
-        <p:nvCxnSpPr>
-          <p:cNvPr id="9" name="Shape 19"/>
-          <p:cNvCxnSpPr/>
-          <p:nvPr/>
-        </p:nvCxnSpPr>
-        <p:spPr>
-          <a:xfrm rot="10800000">
-            <a:off x="2123728" y="5445224"/>
-            <a:ext cx="2952328" cy="1152128"/>
-          </a:xfrm>
-          <a:prstGeom prst="bentConnector3">
-            <a:avLst>
-              <a:gd name="adj1" fmla="val 50000"/>
-            </a:avLst>
-          </a:prstGeom>
-          <a:ln>
-            <a:solidFill>
-              <a:srgbClr val="FF0000"/>
-            </a:solidFill>
-            <a:tailEnd type="arrow"/>
-          </a:ln>
-        </p:spPr>
-        <p:style>
-          <a:lnRef idx="1">
-            <a:schemeClr val="accent1"/>
-          </a:lnRef>
-          <a:fillRef idx="0">
-            <a:schemeClr val="accent1"/>
-          </a:fillRef>
-          <a:effectRef idx="0">
-            <a:schemeClr val="accent1"/>
-          </a:effectRef>
-          <a:fontRef idx="minor">
-            <a:schemeClr val="tx1"/>
-          </a:fontRef>
-        </p:style>
-      </p:cxnSp>
-      <p:sp>
-        <p:nvSpPr>
-          <p:cNvPr id="10" name="Oval 9"/>
-          <p:cNvSpPr/>
-          <p:nvPr/>
-        </p:nvSpPr>
-        <p:spPr>
-          <a:xfrm>
-            <a:off x="5076056" y="6453336"/>
-            <a:ext cx="252008" cy="252008"/>
-          </a:xfrm>
-          <a:prstGeom prst="ellipse">
-            <a:avLst/>
-          </a:prstGeom>
-          <a:noFill/>
-          <a:ln>
-            <a:solidFill>
-              <a:schemeClr val="tx1"/>
-            </a:solidFill>
-          </a:ln>
-        </p:spPr>
-        <p:style>
-          <a:lnRef idx="2">
-            <a:schemeClr val="accent1">
-              <a:shade val="50000"/>
-            </a:schemeClr>
-          </a:lnRef>
-          <a:fillRef idx="1">
-            <a:schemeClr val="accent1"/>
-          </a:fillRef>
-          <a:effectRef idx="0">
-            <a:schemeClr val="accent1"/>
-          </a:effectRef>
-          <a:fontRef idx="minor">
-            <a:schemeClr val="lt1"/>
-          </a:fontRef>
-        </p:style>
-        <p:txBody>
-          <a:bodyPr rtlCol="0" anchor="ctr"/>
-          <a:lstStyle/>
-          <a:p>
-            <a:pPr algn="ctr"/>
-            <a:r>
-              <a:rPr lang="en-US" sz="1200" dirty="0" smtClean="0">
-                <a:solidFill>
-                  <a:srgbClr val="FF0000"/>
-                </a:solidFill>
-                <a:latin typeface="Arial" panose="020B0604020202020204" pitchFamily="34" charset="0"/>
-                <a:cs typeface="Arial" panose="020B0604020202020204" pitchFamily="34" charset="0"/>
+              <a:t>The books which mostly buy and recently launched are displayed so that they can be easily accessed.</a:t>
+            </a:r>
+          </a:p>
+          <a:p>
+            <a:pPr marL="514350" indent="-514350" algn="l">
+              <a:buFont typeface="+mj-lt"/>
+              <a:buAutoNum type="arabicPeriod"/>
+            </a:pPr>
+            <a:r>
+              <a:rPr kumimoji="1" lang="en-US" altLang="ja-JP" sz="2400" dirty="0" smtClean="0">
+                <a:latin typeface="+mj-lt"/>
               </a:rPr>
-              <a:t>2</a:t>
-            </a:r>
-            <a:endParaRPr lang="en-IN" sz="1200" dirty="0">
-              <a:solidFill>
-                <a:srgbClr val="FF0000"/>
-              </a:solidFill>
-              <a:latin typeface="Arial" panose="020B0604020202020204" pitchFamily="34" charset="0"/>
-              <a:cs typeface="Arial" panose="020B0604020202020204" pitchFamily="34" charset="0"/>
-            </a:endParaRPr>
-          </a:p>
-        </p:txBody>
-      </p:sp>
-      <p:cxnSp>
-        <p:nvCxnSpPr>
-          <p:cNvPr id="11" name="Shape 19"/>
-          <p:cNvCxnSpPr/>
-          <p:nvPr/>
-        </p:nvCxnSpPr>
-        <p:spPr>
-          <a:xfrm rot="10800000">
-            <a:off x="1331640" y="2564904"/>
-            <a:ext cx="2088232" cy="216024"/>
-          </a:xfrm>
-          <a:prstGeom prst="bentConnector3">
-            <a:avLst>
-              <a:gd name="adj1" fmla="val 50000"/>
-            </a:avLst>
-          </a:prstGeom>
-          <a:ln>
-            <a:solidFill>
-              <a:srgbClr val="FF0000"/>
-            </a:solidFill>
-            <a:tailEnd type="arrow"/>
-          </a:ln>
-        </p:spPr>
-        <p:style>
-          <a:lnRef idx="1">
-            <a:schemeClr val="accent1"/>
-          </a:lnRef>
-          <a:fillRef idx="0">
-            <a:schemeClr val="accent1"/>
-          </a:fillRef>
-          <a:effectRef idx="0">
-            <a:schemeClr val="accent1"/>
-          </a:effectRef>
-          <a:fontRef idx="minor">
-            <a:schemeClr val="tx1"/>
-          </a:fontRef>
-        </p:style>
-      </p:cxnSp>
-      <p:sp>
-        <p:nvSpPr>
-          <p:cNvPr id="13" name="Oval 12"/>
-          <p:cNvSpPr/>
-          <p:nvPr/>
-        </p:nvSpPr>
-        <p:spPr>
-          <a:xfrm>
-            <a:off x="4860032" y="5229200"/>
-            <a:ext cx="252008" cy="252008"/>
-          </a:xfrm>
-          <a:prstGeom prst="ellipse">
-            <a:avLst/>
-          </a:prstGeom>
-          <a:noFill/>
-          <a:ln>
-            <a:solidFill>
-              <a:schemeClr val="tx1"/>
-            </a:solidFill>
-          </a:ln>
-        </p:spPr>
-        <p:style>
-          <a:lnRef idx="2">
-            <a:schemeClr val="accent1">
-              <a:shade val="50000"/>
-            </a:schemeClr>
-          </a:lnRef>
-          <a:fillRef idx="1">
-            <a:schemeClr val="accent1"/>
-          </a:fillRef>
-          <a:effectRef idx="0">
-            <a:schemeClr val="accent1"/>
-          </a:effectRef>
-          <a:fontRef idx="minor">
-            <a:schemeClr val="lt1"/>
-          </a:fontRef>
-        </p:style>
-        <p:txBody>
-          <a:bodyPr rtlCol="0" anchor="ctr"/>
-          <a:lstStyle/>
-          <a:p>
-            <a:pPr algn="ctr"/>
-            <a:r>
-              <a:rPr lang="en-US" sz="1200" dirty="0">
-                <a:solidFill>
-                  <a:srgbClr val="FF0000"/>
-                </a:solidFill>
-                <a:latin typeface="Arial" panose="020B0604020202020204" pitchFamily="34" charset="0"/>
-                <a:cs typeface="Arial" panose="020B0604020202020204" pitchFamily="34" charset="0"/>
+              <a:t>The different brands of books are displayed so they can be accessed easily.</a:t>
+            </a:r>
+          </a:p>
+          <a:p>
+            <a:pPr marL="514350" indent="-514350" algn="l">
+              <a:buFont typeface="+mj-lt"/>
+              <a:buAutoNum type="arabicPeriod"/>
+            </a:pPr>
+            <a:r>
+              <a:rPr lang="en-US" altLang="ja-JP" sz="2400" dirty="0" smtClean="0">
+                <a:latin typeface="+mj-lt"/>
               </a:rPr>
-              <a:t>3</a:t>
-            </a:r>
-            <a:endParaRPr lang="en-IN" sz="1200" dirty="0">
-              <a:solidFill>
-                <a:srgbClr val="FF0000"/>
-              </a:solidFill>
-              <a:latin typeface="Arial" panose="020B0604020202020204" pitchFamily="34" charset="0"/>
-              <a:cs typeface="Arial" panose="020B0604020202020204" pitchFamily="34" charset="0"/>
-            </a:endParaRPr>
-          </a:p>
-        </p:txBody>
-      </p:sp>
-      <p:cxnSp>
-        <p:nvCxnSpPr>
-          <p:cNvPr id="14" name="Shape 19"/>
-          <p:cNvCxnSpPr/>
-          <p:nvPr/>
-        </p:nvCxnSpPr>
-        <p:spPr>
-          <a:xfrm rot="10800000">
-            <a:off x="4211960" y="4653136"/>
-            <a:ext cx="1800200" cy="720080"/>
-          </a:xfrm>
-          <a:prstGeom prst="bentConnector3">
-            <a:avLst>
-              <a:gd name="adj1" fmla="val 50000"/>
-            </a:avLst>
-          </a:prstGeom>
-          <a:ln>
-            <a:solidFill>
-              <a:srgbClr val="FF0000"/>
-            </a:solidFill>
-            <a:tailEnd type="arrow"/>
-          </a:ln>
-        </p:spPr>
-        <p:style>
-          <a:lnRef idx="1">
-            <a:schemeClr val="accent1"/>
-          </a:lnRef>
-          <a:fillRef idx="0">
-            <a:schemeClr val="accent1"/>
-          </a:fillRef>
-          <a:effectRef idx="0">
-            <a:schemeClr val="accent1"/>
-          </a:effectRef>
-          <a:fontRef idx="minor">
-            <a:schemeClr val="tx1"/>
-          </a:fontRef>
-        </p:style>
-      </p:cxnSp>
-      <p:sp>
-        <p:nvSpPr>
-          <p:cNvPr id="17" name="Oval 16"/>
-          <p:cNvSpPr/>
-          <p:nvPr/>
-        </p:nvSpPr>
-        <p:spPr>
-          <a:xfrm>
-            <a:off x="6012160" y="5229200"/>
-            <a:ext cx="252008" cy="252008"/>
-          </a:xfrm>
-          <a:prstGeom prst="ellipse">
-            <a:avLst/>
-          </a:prstGeom>
-          <a:noFill/>
-          <a:ln>
-            <a:solidFill>
-              <a:schemeClr val="tx1"/>
-            </a:solidFill>
-          </a:ln>
-        </p:spPr>
-        <p:style>
-          <a:lnRef idx="2">
-            <a:schemeClr val="accent1">
-              <a:shade val="50000"/>
-            </a:schemeClr>
-          </a:lnRef>
-          <a:fillRef idx="1">
-            <a:schemeClr val="accent1"/>
-          </a:fillRef>
-          <a:effectRef idx="0">
-            <a:schemeClr val="accent1"/>
-          </a:effectRef>
-          <a:fontRef idx="minor">
-            <a:schemeClr val="lt1"/>
-          </a:fontRef>
-        </p:style>
-        <p:txBody>
-          <a:bodyPr rtlCol="0" anchor="ctr"/>
-          <a:lstStyle/>
-          <a:p>
-            <a:pPr algn="ctr"/>
-            <a:r>
-              <a:rPr lang="en-US" sz="1200" dirty="0" smtClean="0">
-                <a:solidFill>
-                  <a:srgbClr val="FF0000"/>
-                </a:solidFill>
-                <a:latin typeface="Arial" panose="020B0604020202020204" pitchFamily="34" charset="0"/>
-                <a:cs typeface="Arial" panose="020B0604020202020204" pitchFamily="34" charset="0"/>
+              <a:t>The different formats of books such as DVD,E-BOOK, CD,etc are mentioned so that books can be accessed.</a:t>
+            </a:r>
+          </a:p>
+          <a:p>
+            <a:pPr marL="514350" indent="-514350" algn="l">
+              <a:buFont typeface="+mj-lt"/>
+              <a:buAutoNum type="arabicPeriod"/>
+            </a:pPr>
+            <a:r>
+              <a:rPr lang="en-US" altLang="ja-JP" sz="2400" dirty="0" smtClean="0">
+                <a:latin typeface="+mj-lt"/>
               </a:rPr>
-              <a:t>4</a:t>
-            </a:r>
-            <a:endParaRPr lang="en-IN" sz="1200" dirty="0">
-              <a:solidFill>
-                <a:srgbClr val="FF0000"/>
-              </a:solidFill>
-              <a:latin typeface="Arial" panose="020B0604020202020204" pitchFamily="34" charset="0"/>
-              <a:cs typeface="Arial" panose="020B0604020202020204" pitchFamily="34" charset="0"/>
-            </a:endParaRPr>
-          </a:p>
-        </p:txBody>
-      </p:sp>
-      <p:cxnSp>
-        <p:nvCxnSpPr>
-          <p:cNvPr id="18" name="Shape 19"/>
-          <p:cNvCxnSpPr/>
-          <p:nvPr/>
-        </p:nvCxnSpPr>
-        <p:spPr>
-          <a:xfrm rot="10800000">
-            <a:off x="2276128" y="3725416"/>
-            <a:ext cx="2592288" cy="1656184"/>
-          </a:xfrm>
-          <a:prstGeom prst="bentConnector3">
-            <a:avLst>
-              <a:gd name="adj1" fmla="val 50000"/>
-            </a:avLst>
-          </a:prstGeom>
-          <a:ln>
-            <a:solidFill>
-              <a:srgbClr val="FF0000"/>
-            </a:solidFill>
-            <a:tailEnd type="arrow"/>
-          </a:ln>
-        </p:spPr>
-        <p:style>
-          <a:lnRef idx="1">
-            <a:schemeClr val="accent1"/>
-          </a:lnRef>
-          <a:fillRef idx="0">
-            <a:schemeClr val="accent1"/>
-          </a:fillRef>
-          <a:effectRef idx="0">
-            <a:schemeClr val="accent1"/>
-          </a:effectRef>
-          <a:fontRef idx="minor">
-            <a:schemeClr val="tx1"/>
-          </a:fontRef>
-        </p:style>
-      </p:cxnSp>
-      <p:sp>
-        <p:nvSpPr>
-          <p:cNvPr id="20" name="Oval 19"/>
-          <p:cNvSpPr/>
-          <p:nvPr/>
-        </p:nvSpPr>
-        <p:spPr>
-          <a:xfrm>
-            <a:off x="3419872" y="2636912"/>
-            <a:ext cx="252008" cy="252008"/>
-          </a:xfrm>
-          <a:prstGeom prst="ellipse">
-            <a:avLst/>
-          </a:prstGeom>
-          <a:noFill/>
-          <a:ln>
-            <a:solidFill>
-              <a:schemeClr val="tx1"/>
-            </a:solidFill>
-          </a:ln>
-        </p:spPr>
-        <p:style>
-          <a:lnRef idx="2">
-            <a:schemeClr val="accent1">
-              <a:shade val="50000"/>
-            </a:schemeClr>
-          </a:lnRef>
-          <a:fillRef idx="1">
-            <a:schemeClr val="accent1"/>
-          </a:fillRef>
-          <a:effectRef idx="0">
-            <a:schemeClr val="accent1"/>
-          </a:effectRef>
-          <a:fontRef idx="minor">
-            <a:schemeClr val="lt1"/>
-          </a:fontRef>
-        </p:style>
-        <p:txBody>
-          <a:bodyPr rtlCol="0" anchor="ctr"/>
-          <a:lstStyle/>
-          <a:p>
-            <a:pPr algn="ctr"/>
-            <a:r>
-              <a:rPr lang="en-US" sz="1200" dirty="0" smtClean="0">
-                <a:solidFill>
-                  <a:srgbClr val="FF0000"/>
-                </a:solidFill>
-                <a:latin typeface="Arial" panose="020B0604020202020204" pitchFamily="34" charset="0"/>
-                <a:cs typeface="Arial" panose="020B0604020202020204" pitchFamily="34" charset="0"/>
-              </a:rPr>
-              <a:t>5</a:t>
-            </a:r>
-            <a:endParaRPr lang="en-IN" sz="1200" dirty="0">
-              <a:solidFill>
-                <a:srgbClr val="FF0000"/>
-              </a:solidFill>
-              <a:latin typeface="Arial" panose="020B0604020202020204" pitchFamily="34" charset="0"/>
-              <a:cs typeface="Arial" panose="020B0604020202020204" pitchFamily="34" charset="0"/>
+              <a:t>We can check the coupons available on different books without selecting any particular book.</a:t>
+            </a:r>
+          </a:p>
+          <a:p>
+            <a:pPr marL="514350" indent="-514350" algn="l">
+              <a:buFont typeface="+mj-lt"/>
+              <a:buAutoNum type="arabicPeriod"/>
+            </a:pPr>
+            <a:endParaRPr kumimoji="1" lang="ja-JP" altLang="en-US" sz="2400">
+              <a:latin typeface="+mj-lt"/>
             </a:endParaRPr>
           </a:p>
         </p:txBody>
@@ -9000,6 +8528,563 @@
           <a:chExt cx="0" cy="0"/>
         </a:xfrm>
       </p:grpSpPr>
+      <p:pic>
+        <p:nvPicPr>
+          <p:cNvPr id="10243" name="Picture 3"/>
+          <p:cNvPicPr>
+            <a:picLocks noChangeAspect="1" noChangeArrowheads="1"/>
+          </p:cNvPicPr>
+          <p:nvPr/>
+        </p:nvPicPr>
+        <p:blipFill>
+          <a:blip r:embed="rId2" cstate="print"/>
+          <a:srcRect/>
+          <a:stretch>
+            <a:fillRect/>
+          </a:stretch>
+        </p:blipFill>
+        <p:spPr bwMode="auto">
+          <a:xfrm>
+            <a:off x="0" y="319088"/>
+            <a:ext cx="9144000" cy="6538912"/>
+          </a:xfrm>
+          <a:prstGeom prst="rect">
+            <a:avLst/>
+          </a:prstGeom>
+          <a:noFill/>
+          <a:ln w="9525">
+            <a:noFill/>
+            <a:miter lim="800000"/>
+            <a:headEnd/>
+            <a:tailEnd/>
+          </a:ln>
+        </p:spPr>
+      </p:pic>
+      <p:cxnSp>
+        <p:nvCxnSpPr>
+          <p:cNvPr id="6" name="Shape 19"/>
+          <p:cNvCxnSpPr/>
+          <p:nvPr/>
+        </p:nvCxnSpPr>
+        <p:spPr>
+          <a:xfrm rot="10800000">
+            <a:off x="5148064" y="3284984"/>
+            <a:ext cx="2952328" cy="1152128"/>
+          </a:xfrm>
+          <a:prstGeom prst="bentConnector3">
+            <a:avLst>
+              <a:gd name="adj1" fmla="val 50000"/>
+            </a:avLst>
+          </a:prstGeom>
+          <a:ln>
+            <a:solidFill>
+              <a:srgbClr val="FF0000"/>
+            </a:solidFill>
+            <a:tailEnd type="arrow"/>
+          </a:ln>
+        </p:spPr>
+        <p:style>
+          <a:lnRef idx="1">
+            <a:schemeClr val="accent1"/>
+          </a:lnRef>
+          <a:fillRef idx="0">
+            <a:schemeClr val="accent1"/>
+          </a:fillRef>
+          <a:effectRef idx="0">
+            <a:schemeClr val="accent1"/>
+          </a:effectRef>
+          <a:fontRef idx="minor">
+            <a:schemeClr val="tx1"/>
+          </a:fontRef>
+        </p:style>
+      </p:cxnSp>
+      <p:sp>
+        <p:nvSpPr>
+          <p:cNvPr id="8" name="Oval 7"/>
+          <p:cNvSpPr/>
+          <p:nvPr/>
+        </p:nvSpPr>
+        <p:spPr>
+          <a:xfrm>
+            <a:off x="8100392" y="4293096"/>
+            <a:ext cx="252008" cy="252008"/>
+          </a:xfrm>
+          <a:prstGeom prst="ellipse">
+            <a:avLst/>
+          </a:prstGeom>
+          <a:noFill/>
+          <a:ln>
+            <a:solidFill>
+              <a:schemeClr val="tx1"/>
+            </a:solidFill>
+          </a:ln>
+        </p:spPr>
+        <p:style>
+          <a:lnRef idx="2">
+            <a:schemeClr val="accent1">
+              <a:shade val="50000"/>
+            </a:schemeClr>
+          </a:lnRef>
+          <a:fillRef idx="1">
+            <a:schemeClr val="accent1"/>
+          </a:fillRef>
+          <a:effectRef idx="0">
+            <a:schemeClr val="accent1"/>
+          </a:effectRef>
+          <a:fontRef idx="minor">
+            <a:schemeClr val="lt1"/>
+          </a:fontRef>
+        </p:style>
+        <p:txBody>
+          <a:bodyPr rtlCol="0" anchor="ctr"/>
+          <a:lstStyle/>
+          <a:p>
+            <a:pPr algn="ctr"/>
+            <a:r>
+              <a:rPr lang="en-US" sz="1200" dirty="0" smtClean="0">
+                <a:solidFill>
+                  <a:srgbClr val="FF0000"/>
+                </a:solidFill>
+                <a:latin typeface="Arial" panose="020B0604020202020204" pitchFamily="34" charset="0"/>
+                <a:cs typeface="Arial" panose="020B0604020202020204" pitchFamily="34" charset="0"/>
+              </a:rPr>
+              <a:t>1</a:t>
+            </a:r>
+            <a:endParaRPr lang="en-IN" sz="1200" dirty="0">
+              <a:solidFill>
+                <a:srgbClr val="FF0000"/>
+              </a:solidFill>
+              <a:latin typeface="Arial" panose="020B0604020202020204" pitchFamily="34" charset="0"/>
+              <a:cs typeface="Arial" panose="020B0604020202020204" pitchFamily="34" charset="0"/>
+            </a:endParaRPr>
+          </a:p>
+        </p:txBody>
+      </p:sp>
+      <p:cxnSp>
+        <p:nvCxnSpPr>
+          <p:cNvPr id="9" name="Shape 19"/>
+          <p:cNvCxnSpPr/>
+          <p:nvPr/>
+        </p:nvCxnSpPr>
+        <p:spPr>
+          <a:xfrm rot="10800000">
+            <a:off x="2123728" y="5445224"/>
+            <a:ext cx="2952328" cy="1152128"/>
+          </a:xfrm>
+          <a:prstGeom prst="bentConnector3">
+            <a:avLst>
+              <a:gd name="adj1" fmla="val 50000"/>
+            </a:avLst>
+          </a:prstGeom>
+          <a:ln>
+            <a:solidFill>
+              <a:srgbClr val="FF0000"/>
+            </a:solidFill>
+            <a:tailEnd type="arrow"/>
+          </a:ln>
+        </p:spPr>
+        <p:style>
+          <a:lnRef idx="1">
+            <a:schemeClr val="accent1"/>
+          </a:lnRef>
+          <a:fillRef idx="0">
+            <a:schemeClr val="accent1"/>
+          </a:fillRef>
+          <a:effectRef idx="0">
+            <a:schemeClr val="accent1"/>
+          </a:effectRef>
+          <a:fontRef idx="minor">
+            <a:schemeClr val="tx1"/>
+          </a:fontRef>
+        </p:style>
+      </p:cxnSp>
+      <p:sp>
+        <p:nvSpPr>
+          <p:cNvPr id="10" name="Oval 9"/>
+          <p:cNvSpPr/>
+          <p:nvPr/>
+        </p:nvSpPr>
+        <p:spPr>
+          <a:xfrm>
+            <a:off x="5076056" y="6453336"/>
+            <a:ext cx="252008" cy="252008"/>
+          </a:xfrm>
+          <a:prstGeom prst="ellipse">
+            <a:avLst/>
+          </a:prstGeom>
+          <a:noFill/>
+          <a:ln>
+            <a:solidFill>
+              <a:schemeClr val="tx1"/>
+            </a:solidFill>
+          </a:ln>
+        </p:spPr>
+        <p:style>
+          <a:lnRef idx="2">
+            <a:schemeClr val="accent1">
+              <a:shade val="50000"/>
+            </a:schemeClr>
+          </a:lnRef>
+          <a:fillRef idx="1">
+            <a:schemeClr val="accent1"/>
+          </a:fillRef>
+          <a:effectRef idx="0">
+            <a:schemeClr val="accent1"/>
+          </a:effectRef>
+          <a:fontRef idx="minor">
+            <a:schemeClr val="lt1"/>
+          </a:fontRef>
+        </p:style>
+        <p:txBody>
+          <a:bodyPr rtlCol="0" anchor="ctr"/>
+          <a:lstStyle/>
+          <a:p>
+            <a:pPr algn="ctr"/>
+            <a:r>
+              <a:rPr lang="en-US" sz="1200" dirty="0" smtClean="0">
+                <a:solidFill>
+                  <a:srgbClr val="FF0000"/>
+                </a:solidFill>
+                <a:latin typeface="Arial" panose="020B0604020202020204" pitchFamily="34" charset="0"/>
+                <a:cs typeface="Arial" panose="020B0604020202020204" pitchFamily="34" charset="0"/>
+              </a:rPr>
+              <a:t>2</a:t>
+            </a:r>
+            <a:endParaRPr lang="en-IN" sz="1200" dirty="0">
+              <a:solidFill>
+                <a:srgbClr val="FF0000"/>
+              </a:solidFill>
+              <a:latin typeface="Arial" panose="020B0604020202020204" pitchFamily="34" charset="0"/>
+              <a:cs typeface="Arial" panose="020B0604020202020204" pitchFamily="34" charset="0"/>
+            </a:endParaRPr>
+          </a:p>
+        </p:txBody>
+      </p:sp>
+      <p:cxnSp>
+        <p:nvCxnSpPr>
+          <p:cNvPr id="11" name="Shape 19"/>
+          <p:cNvCxnSpPr/>
+          <p:nvPr/>
+        </p:nvCxnSpPr>
+        <p:spPr>
+          <a:xfrm rot="10800000">
+            <a:off x="1331640" y="2564904"/>
+            <a:ext cx="2088232" cy="216024"/>
+          </a:xfrm>
+          <a:prstGeom prst="bentConnector3">
+            <a:avLst>
+              <a:gd name="adj1" fmla="val 50000"/>
+            </a:avLst>
+          </a:prstGeom>
+          <a:ln>
+            <a:solidFill>
+              <a:srgbClr val="FF0000"/>
+            </a:solidFill>
+            <a:tailEnd type="arrow"/>
+          </a:ln>
+        </p:spPr>
+        <p:style>
+          <a:lnRef idx="1">
+            <a:schemeClr val="accent1"/>
+          </a:lnRef>
+          <a:fillRef idx="0">
+            <a:schemeClr val="accent1"/>
+          </a:fillRef>
+          <a:effectRef idx="0">
+            <a:schemeClr val="accent1"/>
+          </a:effectRef>
+          <a:fontRef idx="minor">
+            <a:schemeClr val="tx1"/>
+          </a:fontRef>
+        </p:style>
+      </p:cxnSp>
+      <p:sp>
+        <p:nvSpPr>
+          <p:cNvPr id="13" name="Oval 12"/>
+          <p:cNvSpPr/>
+          <p:nvPr/>
+        </p:nvSpPr>
+        <p:spPr>
+          <a:xfrm>
+            <a:off x="4860032" y="5229200"/>
+            <a:ext cx="252008" cy="252008"/>
+          </a:xfrm>
+          <a:prstGeom prst="ellipse">
+            <a:avLst/>
+          </a:prstGeom>
+          <a:noFill/>
+          <a:ln>
+            <a:solidFill>
+              <a:schemeClr val="tx1"/>
+            </a:solidFill>
+          </a:ln>
+        </p:spPr>
+        <p:style>
+          <a:lnRef idx="2">
+            <a:schemeClr val="accent1">
+              <a:shade val="50000"/>
+            </a:schemeClr>
+          </a:lnRef>
+          <a:fillRef idx="1">
+            <a:schemeClr val="accent1"/>
+          </a:fillRef>
+          <a:effectRef idx="0">
+            <a:schemeClr val="accent1"/>
+          </a:effectRef>
+          <a:fontRef idx="minor">
+            <a:schemeClr val="lt1"/>
+          </a:fontRef>
+        </p:style>
+        <p:txBody>
+          <a:bodyPr rtlCol="0" anchor="ctr"/>
+          <a:lstStyle/>
+          <a:p>
+            <a:pPr algn="ctr"/>
+            <a:r>
+              <a:rPr lang="en-US" sz="1200" dirty="0">
+                <a:solidFill>
+                  <a:srgbClr val="FF0000"/>
+                </a:solidFill>
+                <a:latin typeface="Arial" panose="020B0604020202020204" pitchFamily="34" charset="0"/>
+                <a:cs typeface="Arial" panose="020B0604020202020204" pitchFamily="34" charset="0"/>
+              </a:rPr>
+              <a:t>3</a:t>
+            </a:r>
+            <a:endParaRPr lang="en-IN" sz="1200" dirty="0">
+              <a:solidFill>
+                <a:srgbClr val="FF0000"/>
+              </a:solidFill>
+              <a:latin typeface="Arial" panose="020B0604020202020204" pitchFamily="34" charset="0"/>
+              <a:cs typeface="Arial" panose="020B0604020202020204" pitchFamily="34" charset="0"/>
+            </a:endParaRPr>
+          </a:p>
+        </p:txBody>
+      </p:sp>
+      <p:cxnSp>
+        <p:nvCxnSpPr>
+          <p:cNvPr id="14" name="Shape 19"/>
+          <p:cNvCxnSpPr/>
+          <p:nvPr/>
+        </p:nvCxnSpPr>
+        <p:spPr>
+          <a:xfrm rot="10800000">
+            <a:off x="4211960" y="4653136"/>
+            <a:ext cx="1800200" cy="720080"/>
+          </a:xfrm>
+          <a:prstGeom prst="bentConnector3">
+            <a:avLst>
+              <a:gd name="adj1" fmla="val 50000"/>
+            </a:avLst>
+          </a:prstGeom>
+          <a:ln>
+            <a:solidFill>
+              <a:srgbClr val="FF0000"/>
+            </a:solidFill>
+            <a:tailEnd type="arrow"/>
+          </a:ln>
+        </p:spPr>
+        <p:style>
+          <a:lnRef idx="1">
+            <a:schemeClr val="accent1"/>
+          </a:lnRef>
+          <a:fillRef idx="0">
+            <a:schemeClr val="accent1"/>
+          </a:fillRef>
+          <a:effectRef idx="0">
+            <a:schemeClr val="accent1"/>
+          </a:effectRef>
+          <a:fontRef idx="minor">
+            <a:schemeClr val="tx1"/>
+          </a:fontRef>
+        </p:style>
+      </p:cxnSp>
+      <p:sp>
+        <p:nvSpPr>
+          <p:cNvPr id="17" name="Oval 16"/>
+          <p:cNvSpPr/>
+          <p:nvPr/>
+        </p:nvSpPr>
+        <p:spPr>
+          <a:xfrm>
+            <a:off x="6012160" y="5229200"/>
+            <a:ext cx="252008" cy="252008"/>
+          </a:xfrm>
+          <a:prstGeom prst="ellipse">
+            <a:avLst/>
+          </a:prstGeom>
+          <a:noFill/>
+          <a:ln>
+            <a:solidFill>
+              <a:schemeClr val="tx1"/>
+            </a:solidFill>
+          </a:ln>
+        </p:spPr>
+        <p:style>
+          <a:lnRef idx="2">
+            <a:schemeClr val="accent1">
+              <a:shade val="50000"/>
+            </a:schemeClr>
+          </a:lnRef>
+          <a:fillRef idx="1">
+            <a:schemeClr val="accent1"/>
+          </a:fillRef>
+          <a:effectRef idx="0">
+            <a:schemeClr val="accent1"/>
+          </a:effectRef>
+          <a:fontRef idx="minor">
+            <a:schemeClr val="lt1"/>
+          </a:fontRef>
+        </p:style>
+        <p:txBody>
+          <a:bodyPr rtlCol="0" anchor="ctr"/>
+          <a:lstStyle/>
+          <a:p>
+            <a:pPr algn="ctr"/>
+            <a:r>
+              <a:rPr lang="en-US" sz="1200" dirty="0" smtClean="0">
+                <a:solidFill>
+                  <a:srgbClr val="FF0000"/>
+                </a:solidFill>
+                <a:latin typeface="Arial" panose="020B0604020202020204" pitchFamily="34" charset="0"/>
+                <a:cs typeface="Arial" panose="020B0604020202020204" pitchFamily="34" charset="0"/>
+              </a:rPr>
+              <a:t>4</a:t>
+            </a:r>
+            <a:endParaRPr lang="en-IN" sz="1200" dirty="0">
+              <a:solidFill>
+                <a:srgbClr val="FF0000"/>
+              </a:solidFill>
+              <a:latin typeface="Arial" panose="020B0604020202020204" pitchFamily="34" charset="0"/>
+              <a:cs typeface="Arial" panose="020B0604020202020204" pitchFamily="34" charset="0"/>
+            </a:endParaRPr>
+          </a:p>
+        </p:txBody>
+      </p:sp>
+      <p:cxnSp>
+        <p:nvCxnSpPr>
+          <p:cNvPr id="18" name="Shape 19"/>
+          <p:cNvCxnSpPr/>
+          <p:nvPr/>
+        </p:nvCxnSpPr>
+        <p:spPr>
+          <a:xfrm rot="10800000">
+            <a:off x="2276128" y="3725416"/>
+            <a:ext cx="2592288" cy="1656184"/>
+          </a:xfrm>
+          <a:prstGeom prst="bentConnector3">
+            <a:avLst>
+              <a:gd name="adj1" fmla="val 50000"/>
+            </a:avLst>
+          </a:prstGeom>
+          <a:ln>
+            <a:solidFill>
+              <a:srgbClr val="FF0000"/>
+            </a:solidFill>
+            <a:tailEnd type="arrow"/>
+          </a:ln>
+        </p:spPr>
+        <p:style>
+          <a:lnRef idx="1">
+            <a:schemeClr val="accent1"/>
+          </a:lnRef>
+          <a:fillRef idx="0">
+            <a:schemeClr val="accent1"/>
+          </a:fillRef>
+          <a:effectRef idx="0">
+            <a:schemeClr val="accent1"/>
+          </a:effectRef>
+          <a:fontRef idx="minor">
+            <a:schemeClr val="tx1"/>
+          </a:fontRef>
+        </p:style>
+      </p:cxnSp>
+      <p:sp>
+        <p:nvSpPr>
+          <p:cNvPr id="20" name="Oval 19"/>
+          <p:cNvSpPr/>
+          <p:nvPr/>
+        </p:nvSpPr>
+        <p:spPr>
+          <a:xfrm>
+            <a:off x="3419872" y="2636912"/>
+            <a:ext cx="252008" cy="252008"/>
+          </a:xfrm>
+          <a:prstGeom prst="ellipse">
+            <a:avLst/>
+          </a:prstGeom>
+          <a:noFill/>
+          <a:ln>
+            <a:solidFill>
+              <a:schemeClr val="tx1"/>
+            </a:solidFill>
+          </a:ln>
+        </p:spPr>
+        <p:style>
+          <a:lnRef idx="2">
+            <a:schemeClr val="accent1">
+              <a:shade val="50000"/>
+            </a:schemeClr>
+          </a:lnRef>
+          <a:fillRef idx="1">
+            <a:schemeClr val="accent1"/>
+          </a:fillRef>
+          <a:effectRef idx="0">
+            <a:schemeClr val="accent1"/>
+          </a:effectRef>
+          <a:fontRef idx="minor">
+            <a:schemeClr val="lt1"/>
+          </a:fontRef>
+        </p:style>
+        <p:txBody>
+          <a:bodyPr rtlCol="0" anchor="ctr"/>
+          <a:lstStyle/>
+          <a:p>
+            <a:pPr algn="ctr"/>
+            <a:r>
+              <a:rPr lang="en-US" sz="1200" dirty="0" smtClean="0">
+                <a:solidFill>
+                  <a:srgbClr val="FF0000"/>
+                </a:solidFill>
+                <a:latin typeface="Arial" panose="020B0604020202020204" pitchFamily="34" charset="0"/>
+                <a:cs typeface="Arial" panose="020B0604020202020204" pitchFamily="34" charset="0"/>
+              </a:rPr>
+              <a:t>5</a:t>
+            </a:r>
+            <a:endParaRPr lang="en-IN" sz="1200" dirty="0">
+              <a:solidFill>
+                <a:srgbClr val="FF0000"/>
+              </a:solidFill>
+              <a:latin typeface="Arial" panose="020B0604020202020204" pitchFamily="34" charset="0"/>
+              <a:cs typeface="Arial" panose="020B0604020202020204" pitchFamily="34" charset="0"/>
+            </a:endParaRPr>
+          </a:p>
+        </p:txBody>
+      </p:sp>
+    </p:spTree>
+  </p:cSld>
+  <p:clrMapOvr>
+    <a:masterClrMapping/>
+  </p:clrMapOvr>
+</p:sld>
+</file>
+
+<file path=ppt/slides/slide24.xml><?xml version="1.0" encoding="utf-8"?>
+<p:sld xmlns:a="http://schemas.openxmlformats.org/drawingml/2006/main" xmlns:r="http://schemas.openxmlformats.org/officeDocument/2006/relationships" xmlns:p="http://schemas.openxmlformats.org/presentationml/2006/main">
+  <p:cSld>
+    <p:spTree>
+      <p:nvGrpSpPr>
+        <p:cNvPr id="1" name=""/>
+        <p:cNvGrpSpPr/>
+        <p:nvPr/>
+      </p:nvGrpSpPr>
+      <p:grpSpPr>
+        <a:xfrm>
+          <a:off x="0" y="0"/>
+          <a:ext cx="0" cy="0"/>
+          <a:chOff x="0" y="0"/>
+          <a:chExt cx="0" cy="0"/>
+        </a:xfrm>
+      </p:grpSpPr>
       <p:sp>
         <p:nvSpPr>
           <p:cNvPr id="2" name="Title 1"/>
@@ -12926,6 +13011,106 @@
                 <a:cs typeface="Arial" panose="020B0604020202020204" pitchFamily="34" charset="0"/>
               </a:rPr>
               <a:t>8</a:t>
+            </a:r>
+            <a:endParaRPr lang="en-IN" sz="1200" dirty="0">
+              <a:solidFill>
+                <a:srgbClr val="FF0000"/>
+              </a:solidFill>
+              <a:latin typeface="Arial" panose="020B0604020202020204" pitchFamily="34" charset="0"/>
+              <a:cs typeface="Arial" panose="020B0604020202020204" pitchFamily="34" charset="0"/>
+            </a:endParaRPr>
+          </a:p>
+        </p:txBody>
+      </p:sp>
+      <p:cxnSp>
+        <p:nvCxnSpPr>
+          <p:cNvPr id="22" name="Shape 19"/>
+          <p:cNvCxnSpPr/>
+          <p:nvPr/>
+        </p:nvCxnSpPr>
+        <p:spPr>
+          <a:xfrm flipV="1">
+            <a:off x="755576" y="4269773"/>
+            <a:ext cx="1939043" cy="254626"/>
+          </a:xfrm>
+          <a:prstGeom prst="bentConnector3">
+            <a:avLst>
+              <a:gd name="adj1" fmla="val 50000"/>
+            </a:avLst>
+          </a:prstGeom>
+          <a:ln>
+            <a:solidFill>
+              <a:srgbClr val="FF0000"/>
+            </a:solidFill>
+            <a:tailEnd type="arrow"/>
+          </a:ln>
+        </p:spPr>
+        <p:style>
+          <a:lnRef idx="1">
+            <a:schemeClr val="accent1"/>
+          </a:lnRef>
+          <a:fillRef idx="0">
+            <a:schemeClr val="accent1"/>
+          </a:fillRef>
+          <a:effectRef idx="0">
+            <a:schemeClr val="accent1"/>
+          </a:effectRef>
+          <a:fontRef idx="minor">
+            <a:schemeClr val="tx1"/>
+          </a:fontRef>
+        </p:style>
+      </p:cxnSp>
+      <p:sp>
+        <p:nvSpPr>
+          <p:cNvPr id="29" name="Oval 28"/>
+          <p:cNvSpPr/>
+          <p:nvPr/>
+        </p:nvSpPr>
+        <p:spPr>
+          <a:xfrm>
+            <a:off x="539552" y="4369632"/>
+            <a:ext cx="252008" cy="252008"/>
+          </a:xfrm>
+          <a:prstGeom prst="ellipse">
+            <a:avLst/>
+          </a:prstGeom>
+          <a:noFill/>
+          <a:ln>
+            <a:solidFill>
+              <a:schemeClr val="tx1"/>
+            </a:solidFill>
+          </a:ln>
+        </p:spPr>
+        <p:style>
+          <a:lnRef idx="2">
+            <a:schemeClr val="accent1">
+              <a:shade val="50000"/>
+            </a:schemeClr>
+          </a:lnRef>
+          <a:fillRef idx="1">
+            <a:schemeClr val="accent1"/>
+          </a:fillRef>
+          <a:effectRef idx="0">
+            <a:schemeClr val="accent1"/>
+          </a:effectRef>
+          <a:fontRef idx="minor">
+            <a:schemeClr val="lt1"/>
+          </a:fontRef>
+        </p:style>
+        <p:txBody>
+          <a:bodyPr rtlCol="0" anchor="ctr"/>
+          <a:lstStyle/>
+          <a:p>
+            <a:pPr algn="ctr"/>
+            <a:r>
+              <a:rPr lang="en-US" sz="1200" dirty="0">
+                <a:solidFill>
+                  <a:srgbClr val="FF0000"/>
+                </a:solidFill>
+                <a:latin typeface="Arial" panose="020B0604020202020204" pitchFamily="34" charset="0"/>
+                <a:cs typeface="Arial" panose="020B0604020202020204" pitchFamily="34" charset="0"/>
+              </a:rPr>
+              <a:t>9</a:t>
             </a:r>
             <a:endParaRPr lang="en-IN" sz="1200" dirty="0">
               <a:solidFill>
